--- a/Application Project.pptx
+++ b/Application Project.pptx
@@ -5,7 +5,7 @@
     <p:sldMasterId id="2147483648" r:id="rId1"/>
   </p:sldMasterIdLst>
   <p:notesMasterIdLst>
-    <p:notesMasterId r:id="rId17"/>
+    <p:notesMasterId r:id="rId19"/>
   </p:notesMasterIdLst>
   <p:sldIdLst>
     <p:sldId id="262" r:id="rId2"/>
@@ -23,6 +23,8 @@
     <p:sldId id="500" r:id="rId14"/>
     <p:sldId id="501" r:id="rId15"/>
     <p:sldId id="482" r:id="rId16"/>
+    <p:sldId id="503" r:id="rId17"/>
+    <p:sldId id="502" r:id="rId18"/>
   </p:sldIdLst>
   <p:sldSz cx="12192000" cy="6858000"/>
   <p:notesSz cx="6858000" cy="9144000"/>
@@ -226,7 +228,7 @@
           <a:p>
             <a:fld id="{8BC1A4F7-E411-4E3A-BB17-BCB09BEB43A8}" type="datetimeFigureOut">
               <a:rPr lang="de-DE" smtClean="0"/>
-              <a:t>10.06.2023</a:t>
+              <a:t>12.06.2023</a:t>
             </a:fld>
             <a:endParaRPr lang="de-DE"/>
           </a:p>
@@ -1007,6 +1009,174 @@
 </p:notes>
 </file>
 
+<file path=ppt/notesSlides/notesSlide14.xml><?xml version="1.0" encoding="utf-8"?>
+<p:notes xmlns:a="http://schemas.openxmlformats.org/drawingml/2006/main" xmlns:r="http://schemas.openxmlformats.org/officeDocument/2006/relationships" xmlns:p="http://schemas.openxmlformats.org/presentationml/2006/main">
+  <p:cSld>
+    <p:spTree>
+      <p:nvGrpSpPr>
+        <p:cNvPr id="1" name=""/>
+        <p:cNvGrpSpPr/>
+        <p:nvPr/>
+      </p:nvGrpSpPr>
+      <p:grpSpPr>
+        <a:xfrm>
+          <a:off x="0" y="0"/>
+          <a:ext cx="0" cy="0"/>
+          <a:chOff x="0" y="0"/>
+          <a:chExt cx="0" cy="0"/>
+        </a:xfrm>
+      </p:grpSpPr>
+      <p:sp>
+        <p:nvSpPr>
+          <p:cNvPr id="2" name="Folienbildplatzhalter 1"/>
+          <p:cNvSpPr>
+            <a:spLocks noGrp="1" noRot="1" noChangeAspect="1"/>
+          </p:cNvSpPr>
+          <p:nvPr>
+            <p:ph type="sldImg"/>
+          </p:nvPr>
+        </p:nvSpPr>
+        <p:spPr/>
+      </p:sp>
+      <p:sp>
+        <p:nvSpPr>
+          <p:cNvPr id="3" name="Notizenplatzhalter 2"/>
+          <p:cNvSpPr>
+            <a:spLocks noGrp="1"/>
+          </p:cNvSpPr>
+          <p:nvPr>
+            <p:ph type="body" idx="1"/>
+          </p:nvPr>
+        </p:nvSpPr>
+        <p:spPr/>
+        <p:txBody>
+          <a:bodyPr/>
+          <a:lstStyle/>
+          <a:p>
+            <a:endParaRPr lang="de-DE" dirty="0"/>
+          </a:p>
+        </p:txBody>
+      </p:sp>
+      <p:sp>
+        <p:nvSpPr>
+          <p:cNvPr id="4" name="Foliennummernplatzhalter 3"/>
+          <p:cNvSpPr>
+            <a:spLocks noGrp="1"/>
+          </p:cNvSpPr>
+          <p:nvPr>
+            <p:ph type="sldNum" sz="quarter" idx="5"/>
+          </p:nvPr>
+        </p:nvSpPr>
+        <p:spPr/>
+        <p:txBody>
+          <a:bodyPr/>
+          <a:lstStyle/>
+          <a:p>
+            <a:fld id="{D2ADEA85-9902-40D4-846D-8E15795840EE}" type="slidenum">
+              <a:rPr lang="de-DE" smtClean="0"/>
+              <a:t>16</a:t>
+            </a:fld>
+            <a:endParaRPr lang="de-DE"/>
+          </a:p>
+        </p:txBody>
+      </p:sp>
+    </p:spTree>
+    <p:extLst>
+      <p:ext uri="{BB962C8B-B14F-4D97-AF65-F5344CB8AC3E}">
+        <p14:creationId xmlns:p14="http://schemas.microsoft.com/office/powerpoint/2010/main" val="3393867505"/>
+      </p:ext>
+    </p:extLst>
+  </p:cSld>
+  <p:clrMapOvr>
+    <a:masterClrMapping/>
+  </p:clrMapOvr>
+</p:notes>
+</file>
+
+<file path=ppt/notesSlides/notesSlide15.xml><?xml version="1.0" encoding="utf-8"?>
+<p:notes xmlns:a="http://schemas.openxmlformats.org/drawingml/2006/main" xmlns:r="http://schemas.openxmlformats.org/officeDocument/2006/relationships" xmlns:p="http://schemas.openxmlformats.org/presentationml/2006/main">
+  <p:cSld>
+    <p:spTree>
+      <p:nvGrpSpPr>
+        <p:cNvPr id="1" name=""/>
+        <p:cNvGrpSpPr/>
+        <p:nvPr/>
+      </p:nvGrpSpPr>
+      <p:grpSpPr>
+        <a:xfrm>
+          <a:off x="0" y="0"/>
+          <a:ext cx="0" cy="0"/>
+          <a:chOff x="0" y="0"/>
+          <a:chExt cx="0" cy="0"/>
+        </a:xfrm>
+      </p:grpSpPr>
+      <p:sp>
+        <p:nvSpPr>
+          <p:cNvPr id="2" name="Folienbildplatzhalter 1"/>
+          <p:cNvSpPr>
+            <a:spLocks noGrp="1" noRot="1" noChangeAspect="1"/>
+          </p:cNvSpPr>
+          <p:nvPr>
+            <p:ph type="sldImg"/>
+          </p:nvPr>
+        </p:nvSpPr>
+        <p:spPr/>
+      </p:sp>
+      <p:sp>
+        <p:nvSpPr>
+          <p:cNvPr id="3" name="Notizenplatzhalter 2"/>
+          <p:cNvSpPr>
+            <a:spLocks noGrp="1"/>
+          </p:cNvSpPr>
+          <p:nvPr>
+            <p:ph type="body" idx="1"/>
+          </p:nvPr>
+        </p:nvSpPr>
+        <p:spPr/>
+        <p:txBody>
+          <a:bodyPr/>
+          <a:lstStyle/>
+          <a:p>
+            <a:endParaRPr lang="de-DE" dirty="0"/>
+          </a:p>
+        </p:txBody>
+      </p:sp>
+      <p:sp>
+        <p:nvSpPr>
+          <p:cNvPr id="4" name="Foliennummernplatzhalter 3"/>
+          <p:cNvSpPr>
+            <a:spLocks noGrp="1"/>
+          </p:cNvSpPr>
+          <p:nvPr>
+            <p:ph type="sldNum" sz="quarter" idx="5"/>
+          </p:nvPr>
+        </p:nvSpPr>
+        <p:spPr/>
+        <p:txBody>
+          <a:bodyPr/>
+          <a:lstStyle/>
+          <a:p>
+            <a:fld id="{D2ADEA85-9902-40D4-846D-8E15795840EE}" type="slidenum">
+              <a:rPr lang="de-DE" smtClean="0"/>
+              <a:t>17</a:t>
+            </a:fld>
+            <a:endParaRPr lang="de-DE"/>
+          </a:p>
+        </p:txBody>
+      </p:sp>
+    </p:spTree>
+    <p:extLst>
+      <p:ext uri="{BB962C8B-B14F-4D97-AF65-F5344CB8AC3E}">
+        <p14:creationId xmlns:p14="http://schemas.microsoft.com/office/powerpoint/2010/main" val="274116840"/>
+      </p:ext>
+    </p:extLst>
+  </p:cSld>
+  <p:clrMapOvr>
+    <a:masterClrMapping/>
+  </p:clrMapOvr>
+</p:notes>
+</file>
+
 <file path=ppt/notesSlides/notesSlide2.xml><?xml version="1.0" encoding="utf-8"?>
 <p:notes xmlns:a="http://schemas.openxmlformats.org/drawingml/2006/main" xmlns:r="http://schemas.openxmlformats.org/officeDocument/2006/relationships" xmlns:p="http://schemas.openxmlformats.org/presentationml/2006/main">
   <p:cSld>
@@ -2009,7 +2179,7 @@
             <a:fld id="{9F1D65E0-27A0-4601-B674-F007199D261F}" type="datetime1">
               <a:rPr lang="de-DE" smtClean="0"/>
               <a:pPr/>
-              <a:t>10.06.2023</a:t>
+              <a:t>12.06.2023</a:t>
             </a:fld>
             <a:endParaRPr lang="en-US" dirty="0"/>
           </a:p>
@@ -2267,7 +2437,7 @@
             <a:fld id="{9F1D65E0-27A0-4601-B674-F007199D261F}" type="datetime1">
               <a:rPr lang="de-DE" smtClean="0"/>
               <a:pPr/>
-              <a:t>10.06.2023</a:t>
+              <a:t>12.06.2023</a:t>
             </a:fld>
             <a:endParaRPr lang="en-US" dirty="0"/>
           </a:p>
@@ -2471,7 +2641,7 @@
             <a:fld id="{9F1D65E0-27A0-4601-B674-F007199D261F}" type="datetime1">
               <a:rPr lang="de-DE" smtClean="0"/>
               <a:pPr/>
-              <a:t>10.06.2023</a:t>
+              <a:t>12.06.2023</a:t>
             </a:fld>
             <a:endParaRPr lang="en-US" dirty="0"/>
           </a:p>
@@ -2650,7 +2820,7 @@
             <a:fld id="{9F1D65E0-27A0-4601-B674-F007199D261F}" type="datetime1">
               <a:rPr lang="de-DE" smtClean="0"/>
               <a:pPr/>
-              <a:t>10.06.2023</a:t>
+              <a:t>12.06.2023</a:t>
             </a:fld>
             <a:endParaRPr lang="en-US" dirty="0"/>
           </a:p>
@@ -2806,7 +2976,7 @@
             <a:fld id="{9F1D65E0-27A0-4601-B674-F007199D261F}" type="datetime1">
               <a:rPr lang="de-DE" smtClean="0"/>
               <a:pPr/>
-              <a:t>10.06.2023</a:t>
+              <a:t>12.06.2023</a:t>
             </a:fld>
             <a:endParaRPr lang="en-US" dirty="0"/>
           </a:p>
@@ -3224,7 +3394,7 @@
             <a:fld id="{9F1D65E0-27A0-4601-B674-F007199D261F}" type="datetime1">
               <a:rPr lang="de-DE" smtClean="0"/>
               <a:pPr/>
-              <a:t>10.06.2023</a:t>
+              <a:t>12.06.2023</a:t>
             </a:fld>
             <a:endParaRPr lang="en-US" dirty="0"/>
           </a:p>
@@ -3674,7 +3844,7 @@
           <a:p>
             <a:fld id="{EB1C7E0A-2531-4E12-BB30-C4D89997ED6D}" type="datetime1">
               <a:rPr lang="de-DE" smtClean="0"/>
-              <a:t>10.06.2023</a:t>
+              <a:t>12.06.2023</a:t>
             </a:fld>
             <a:endParaRPr/>
           </a:p>
@@ -4990,7 +5160,7 @@
             <a:fld id="{9F1D65E0-27A0-4601-B674-F007199D261F}" type="datetime1">
               <a:rPr lang="de-DE" smtClean="0"/>
               <a:pPr/>
-              <a:t>10.06.2023</a:t>
+              <a:t>12.06.2023</a:t>
             </a:fld>
             <a:endParaRPr lang="en-US" dirty="0"/>
           </a:p>
@@ -6034,14 +6204,14 @@
           <p:nvPr>
             <p:extLst>
               <p:ext uri="{D42A27DB-BD31-4B8C-83A1-F6EECF244321}">
-                <p14:modId xmlns:p14="http://schemas.microsoft.com/office/powerpoint/2010/main" val="49095468"/>
+                <p14:modId xmlns:p14="http://schemas.microsoft.com/office/powerpoint/2010/main" val="2428382982"/>
               </p:ext>
             </p:extLst>
           </p:nvPr>
         </p:nvGraphicFramePr>
         <p:xfrm>
-          <a:off x="1430019" y="1842150"/>
-          <a:ext cx="8044180" cy="3809348"/>
+          <a:off x="1430018" y="1842150"/>
+          <a:ext cx="8283997" cy="4205852"/>
         </p:xfrm>
         <a:graphic>
           <a:graphicData uri="http://schemas.openxmlformats.org/drawingml/2006/table">
@@ -6050,42 +6220,42 @@
                 <a:tableStyleId>{073A0DAA-6AF3-43AB-8588-CEC1D06C72B9}</a:tableStyleId>
               </a:tblPr>
               <a:tblGrid>
-                <a:gridCol w="2751783">
+                <a:gridCol w="2833820">
                   <a:extLst>
                     <a:ext uri="{9D8B030D-6E8A-4147-A177-3AD203B41FA5}">
                       <a16:colId xmlns:a16="http://schemas.microsoft.com/office/drawing/2014/main" val="1939795768"/>
                     </a:ext>
                   </a:extLst>
                 </a:gridCol>
-                <a:gridCol w="1029313">
+                <a:gridCol w="1059999">
                   <a:extLst>
                     <a:ext uri="{9D8B030D-6E8A-4147-A177-3AD203B41FA5}">
                       <a16:colId xmlns:a16="http://schemas.microsoft.com/office/drawing/2014/main" val="979979877"/>
                     </a:ext>
                   </a:extLst>
                 </a:gridCol>
-                <a:gridCol w="1070979">
+                <a:gridCol w="1102908">
                   <a:extLst>
                     <a:ext uri="{9D8B030D-6E8A-4147-A177-3AD203B41FA5}">
                       <a16:colId xmlns:a16="http://schemas.microsoft.com/office/drawing/2014/main" val="1296253833"/>
                     </a:ext>
                   </a:extLst>
                 </a:gridCol>
-                <a:gridCol w="802997">
+                <a:gridCol w="826936">
                   <a:extLst>
                     <a:ext uri="{9D8B030D-6E8A-4147-A177-3AD203B41FA5}">
                       <a16:colId xmlns:a16="http://schemas.microsoft.com/office/drawing/2014/main" val="2596950998"/>
                     </a:ext>
                   </a:extLst>
                 </a:gridCol>
-                <a:gridCol w="935568">
+                <a:gridCol w="963460">
                   <a:extLst>
                     <a:ext uri="{9D8B030D-6E8A-4147-A177-3AD203B41FA5}">
                       <a16:colId xmlns:a16="http://schemas.microsoft.com/office/drawing/2014/main" val="369104980"/>
                     </a:ext>
                   </a:extLst>
                 </a:gridCol>
-                <a:gridCol w="1453540">
+                <a:gridCol w="1496874">
                   <a:extLst>
                     <a:ext uri="{9D8B030D-6E8A-4147-A177-3AD203B41FA5}">
                       <a16:colId xmlns:a16="http://schemas.microsoft.com/office/drawing/2014/main" val="4231178749"/>
@@ -6093,7 +6263,7 @@
                   </a:extLst>
                 </a:gridCol>
               </a:tblGrid>
-              <a:tr h="389442">
+              <a:tr h="429978">
                 <a:tc>
                   <a:txBody>
                     <a:bodyPr/>
@@ -6310,7 +6480,7 @@
                   </a:ext>
                 </a:extLst>
               </a:tr>
-              <a:tr h="378808">
+              <a:tr h="418237">
                 <a:tc>
                   <a:txBody>
                     <a:bodyPr/>
@@ -6465,7 +6635,7 @@
                         </a:spcAft>
                       </a:pPr>
                       <a:r>
-                        <a:rPr lang="de-DE" sz="1000" kern="0">
+                        <a:rPr lang="de-DE" sz="1000" kern="0" dirty="0">
                           <a:solidFill>
                             <a:srgbClr val="0065AD"/>
                           </a:solidFill>
@@ -6473,7 +6643,7 @@
                         </a:rPr>
                         <a:t>0.951</a:t>
                       </a:r>
-                      <a:endParaRPr lang="de-DE" sz="1100" kern="100">
+                      <a:endParaRPr lang="de-DE" sz="1100" kern="100" dirty="0">
                         <a:solidFill>
                           <a:srgbClr val="0065AD"/>
                         </a:solidFill>
@@ -6527,7 +6697,7 @@
                   </a:ext>
                 </a:extLst>
               </a:tr>
-              <a:tr h="378808">
+              <a:tr h="418237">
                 <a:tc>
                   <a:txBody>
                     <a:bodyPr/>
@@ -6744,7 +6914,7 @@
                   </a:ext>
                 </a:extLst>
               </a:tr>
-              <a:tr h="378808">
+              <a:tr h="418237">
                 <a:tc>
                   <a:txBody>
                     <a:bodyPr/>
@@ -6988,7 +7158,7 @@
                   </a:ext>
                 </a:extLst>
               </a:tr>
-              <a:tr h="378808">
+              <a:tr h="418237">
                 <a:tc>
                   <a:txBody>
                     <a:bodyPr/>
@@ -7232,7 +7402,7 @@
                   </a:ext>
                 </a:extLst>
               </a:tr>
-              <a:tr h="378808">
+              <a:tr h="418237">
                 <a:tc>
                   <a:txBody>
                     <a:bodyPr/>
@@ -7476,7 +7646,7 @@
                   </a:ext>
                 </a:extLst>
               </a:tr>
-              <a:tr h="378808">
+              <a:tr h="418237">
                 <a:tc>
                   <a:txBody>
                     <a:bodyPr/>
@@ -7720,7 +7890,7 @@
                   </a:ext>
                 </a:extLst>
               </a:tr>
-              <a:tr h="378808">
+              <a:tr h="418237">
                 <a:tc>
                   <a:txBody>
                     <a:bodyPr/>
@@ -7964,7 +8134,7 @@
                   </a:ext>
                 </a:extLst>
               </a:tr>
-              <a:tr h="378808">
+              <a:tr h="418237">
                 <a:tc>
                   <a:txBody>
                     <a:bodyPr/>
@@ -8190,7 +8360,7 @@
                   </a:ext>
                 </a:extLst>
               </a:tr>
-              <a:tr h="389442">
+              <a:tr h="429978">
                 <a:tc>
                   <a:txBody>
                     <a:bodyPr/>
@@ -9471,42 +9641,17 @@
               <a:buChar char="§"/>
             </a:pPr>
             <a:r>
-              <a:rPr lang="de-DE" sz="2000" dirty="0" err="1"/>
+              <a:rPr lang="en-US" sz="2000" dirty="0"/>
+              <a:t>The </a:t>
+            </a:r>
+            <a:r>
+              <a:rPr lang="en-US" sz="2000" dirty="0" err="1"/>
               <a:t>BentoML</a:t>
             </a:r>
             <a:r>
-              <a:rPr lang="de-DE" sz="2000" dirty="0"/>
-              <a:t> </a:t>
-            </a:r>
-            <a:r>
-              <a:rPr lang="de-DE" sz="2000" dirty="0" err="1"/>
-              <a:t>platform</a:t>
-            </a:r>
-            <a:r>
-              <a:rPr lang="de-DE" sz="2000" dirty="0"/>
-              <a:t> was </a:t>
-            </a:r>
-            <a:r>
-              <a:rPr lang="de-DE" sz="2000" dirty="0" err="1"/>
-              <a:t>used</a:t>
-            </a:r>
-            <a:r>
-              <a:rPr lang="de-DE" sz="2000" dirty="0"/>
-              <a:t> </a:t>
-            </a:r>
-            <a:r>
-              <a:rPr lang="de-DE" sz="2000" dirty="0" err="1"/>
-              <a:t>for</a:t>
-            </a:r>
-            <a:r>
-              <a:rPr lang="de-DE" sz="2000" dirty="0"/>
-              <a:t> </a:t>
-            </a:r>
-            <a:r>
-              <a:rPr lang="de-DE" sz="2000" dirty="0" err="1"/>
-              <a:t>deployment</a:t>
-            </a:r>
-            <a:endParaRPr lang="de-DE" sz="2000" dirty="0"/>
+              <a:rPr lang="en-US" sz="2000" dirty="0"/>
+              <a:t> platform was used for the deployment</a:t>
+            </a:r>
           </a:p>
           <a:p>
             <a:pPr marL="285750" indent="-285750">
@@ -9517,40 +9662,8 @@
               <a:buChar char="§"/>
             </a:pPr>
             <a:r>
-              <a:rPr lang="de-DE" sz="2000" dirty="0"/>
-              <a:t>Model was </a:t>
-            </a:r>
-            <a:r>
-              <a:rPr lang="de-DE" sz="2000" dirty="0" err="1"/>
-              <a:t>containerized</a:t>
-            </a:r>
-            <a:r>
-              <a:rPr lang="de-DE" sz="2000" dirty="0"/>
-              <a:t> </a:t>
-            </a:r>
-            <a:r>
-              <a:rPr lang="de-DE" sz="2000" dirty="0" err="1"/>
-              <a:t>as</a:t>
-            </a:r>
-            <a:r>
-              <a:rPr lang="de-DE" sz="2000" dirty="0"/>
-              <a:t> a </a:t>
-            </a:r>
-            <a:r>
-              <a:rPr lang="de-DE" sz="2000" dirty="0" err="1"/>
-              <a:t>docker</a:t>
-            </a:r>
-            <a:r>
-              <a:rPr lang="de-DE" sz="2000" dirty="0"/>
-              <a:t> </a:t>
-            </a:r>
-            <a:r>
-              <a:rPr lang="de-DE" sz="2000" dirty="0" err="1"/>
-              <a:t>image</a:t>
-            </a:r>
-            <a:r>
-              <a:rPr lang="de-DE" sz="2000" dirty="0"/>
-              <a:t> (5.92 GB)</a:t>
+              <a:rPr lang="en-US" sz="2000" dirty="0"/>
+              <a:t>The model was containerized as a Docker image (5.92 GB)</a:t>
             </a:r>
           </a:p>
           <a:p>
@@ -9562,44 +9675,8 @@
               <a:buChar char="§"/>
             </a:pPr>
             <a:r>
-              <a:rPr lang="de-DE" sz="2000" dirty="0"/>
-              <a:t>Can </a:t>
-            </a:r>
-            <a:r>
-              <a:rPr lang="de-DE" sz="2000" dirty="0" err="1"/>
-              <a:t>be</a:t>
-            </a:r>
-            <a:r>
-              <a:rPr lang="de-DE" sz="2000" dirty="0"/>
-              <a:t> </a:t>
-            </a:r>
-            <a:r>
-              <a:rPr lang="de-DE" sz="2000" dirty="0" err="1"/>
-              <a:t>downloaded</a:t>
-            </a:r>
-            <a:r>
-              <a:rPr lang="de-DE" sz="2000" dirty="0"/>
-              <a:t> and </a:t>
-            </a:r>
-            <a:r>
-              <a:rPr lang="de-DE" sz="2000" dirty="0" err="1"/>
-              <a:t>run</a:t>
-            </a:r>
-            <a:r>
-              <a:rPr lang="de-DE" sz="2000" dirty="0"/>
-              <a:t> on </a:t>
-            </a:r>
-            <a:r>
-              <a:rPr lang="de-DE" sz="2000" dirty="0" err="1"/>
-              <a:t>local</a:t>
-            </a:r>
-            <a:r>
-              <a:rPr lang="de-DE" sz="2000" dirty="0"/>
-              <a:t> </a:t>
-            </a:r>
-            <a:r>
-              <a:rPr lang="de-DE" sz="2000" dirty="0" err="1"/>
-              <a:t>machines</a:t>
+              <a:rPr lang="en-US" sz="2000" dirty="0"/>
+              <a:t>Can be downloaded and run on local machines</a:t>
             </a:r>
             <a:endParaRPr lang="de-DE" sz="2000" dirty="0"/>
           </a:p>
@@ -9829,6 +9906,9 @@
             </a:pPr>
             <a:r>
               <a:rPr lang="en-US" sz="2000" b="1" kern="100" dirty="0">
+                <a:solidFill>
+                  <a:srgbClr val="2A3262"/>
+                </a:solidFill>
                 <a:effectLst/>
                 <a:latin typeface="Calibri" panose="020F0502020204030204" pitchFamily="34" charset="0"/>
                 <a:ea typeface="Calibri" panose="020F0502020204030204" pitchFamily="34" charset="0"/>
@@ -9837,6 +9917,9 @@
               <a:t>The recommendations below are based on the outcome of the project:</a:t>
             </a:r>
             <a:endParaRPr lang="de-DE" sz="2000" b="1" kern="100" dirty="0">
+              <a:solidFill>
+                <a:srgbClr val="2A3262"/>
+              </a:solidFill>
               <a:effectLst/>
               <a:latin typeface="Calibri" panose="020F0502020204030204" pitchFamily="34" charset="0"/>
               <a:ea typeface="Calibri" panose="020F0502020204030204" pitchFamily="34" charset="0"/>
@@ -10040,8 +10123,21 @@
                   <a:srgbClr val="2A3262"/>
                 </a:solidFill>
               </a:rPr>
-              <a:t>Sources</a:t>
-            </a:r>
+              <a:t>Image </a:t>
+            </a:r>
+            <a:r>
+              <a:rPr lang="de-DE" b="1" dirty="0" err="1">
+                <a:solidFill>
+                  <a:srgbClr val="2A3262"/>
+                </a:solidFill>
+              </a:rPr>
+              <a:t>sources</a:t>
+            </a:r>
+            <a:endParaRPr lang="de-DE" b="1" dirty="0">
+              <a:solidFill>
+                <a:srgbClr val="2A3262"/>
+              </a:solidFill>
+            </a:endParaRPr>
           </a:p>
         </p:txBody>
       </p:sp>
@@ -10107,7 +10203,7 @@
         <p:spPr>
           <a:xfrm>
             <a:off x="1279236" y="1262507"/>
-            <a:ext cx="10063943" cy="880369"/>
+            <a:ext cx="10063943" cy="1711366"/>
           </a:xfrm>
           <a:prstGeom prst="rect">
             <a:avLst/>
@@ -10133,8 +10229,39 @@
                 <a:latin typeface="Calibri" panose="020F0502020204030204" pitchFamily="34" charset="0"/>
                 <a:cs typeface="Calibri" panose="020F0502020204030204" pitchFamily="34" charset="0"/>
               </a:rPr>
-              <a:t>https://www.fh-kiel.de/typo3conf/ext/fh_kiel/Resources/Public/Images/News/fachhhochschule-kiel-campus-ecke.jpg</a:t>
-            </a:r>
+              <a:t>(1)https://www.fh-kiel.de/typo3conf/ext/fh_kiel/Resources/Public/Images/News/fachhhochschule-kiel-campus-ecke.jpg</a:t>
+            </a:r>
+          </a:p>
+          <a:p>
+            <a:pPr>
+              <a:lnSpc>
+                <a:spcPct val="150000"/>
+              </a:lnSpc>
+            </a:pPr>
+            <a:r>
+              <a:rPr lang="de-DE" dirty="0">
+                <a:solidFill>
+                  <a:srgbClr val="002060"/>
+                </a:solidFill>
+                <a:latin typeface="Calibri" panose="020F0502020204030204" pitchFamily="34" charset="0"/>
+                <a:cs typeface="Calibri" panose="020F0502020204030204" pitchFamily="34" charset="0"/>
+              </a:rPr>
+              <a:t>(2) https://www.lubbers.net/wp-content/uploads/2022/06/ADR.png</a:t>
+            </a:r>
+          </a:p>
+          <a:p>
+            <a:pPr>
+              <a:lnSpc>
+                <a:spcPct val="150000"/>
+              </a:lnSpc>
+            </a:pPr>
+            <a:endParaRPr lang="de-DE" dirty="0">
+              <a:solidFill>
+                <a:srgbClr val="002060"/>
+              </a:solidFill>
+              <a:latin typeface="Calibri" panose="020F0502020204030204" pitchFamily="34" charset="0"/>
+              <a:cs typeface="Calibri" panose="020F0502020204030204" pitchFamily="34" charset="0"/>
+            </a:endParaRPr>
           </a:p>
         </p:txBody>
       </p:sp>
@@ -10154,6 +10281,693 @@
     </mc:Choice>
     <mc:Fallback xmlns="">
       <p:transition/>
+    </mc:Fallback>
+  </mc:AlternateContent>
+</p:sld>
+</file>
+
+<file path=ppt/slides/slide16.xml><?xml version="1.0" encoding="utf-8"?>
+<p:sld xmlns:a="http://schemas.openxmlformats.org/drawingml/2006/main" xmlns:r="http://schemas.openxmlformats.org/officeDocument/2006/relationships" xmlns:p="http://schemas.openxmlformats.org/presentationml/2006/main">
+  <p:cSld>
+    <p:spTree>
+      <p:nvGrpSpPr>
+        <p:cNvPr id="1" name=""/>
+        <p:cNvGrpSpPr/>
+        <p:nvPr/>
+      </p:nvGrpSpPr>
+      <p:grpSpPr>
+        <a:xfrm>
+          <a:off x="0" y="0"/>
+          <a:ext cx="0" cy="0"/>
+          <a:chOff x="0" y="0"/>
+          <a:chExt cx="0" cy="0"/>
+        </a:xfrm>
+      </p:grpSpPr>
+      <p:sp>
+        <p:nvSpPr>
+          <p:cNvPr id="2" name="Titel 1">
+            <a:extLst>
+              <a:ext uri="{FF2B5EF4-FFF2-40B4-BE49-F238E27FC236}">
+                <a16:creationId xmlns:a16="http://schemas.microsoft.com/office/drawing/2014/main" id="{F6983D08-415F-7A06-7665-150AC007B674}"/>
+              </a:ext>
+            </a:extLst>
+          </p:cNvPr>
+          <p:cNvSpPr>
+            <a:spLocks noGrp="1"/>
+          </p:cNvSpPr>
+          <p:nvPr>
+            <p:ph type="title"/>
+          </p:nvPr>
+        </p:nvSpPr>
+        <p:spPr/>
+        <p:txBody>
+          <a:bodyPr>
+            <a:normAutofit fontScale="90000"/>
+          </a:bodyPr>
+          <a:lstStyle/>
+          <a:p>
+            <a:r>
+              <a:rPr lang="en-GB" b="1" dirty="0">
+                <a:solidFill>
+                  <a:srgbClr val="2A3262"/>
+                </a:solidFill>
+              </a:rPr>
+              <a:t>Backup</a:t>
+            </a:r>
+          </a:p>
+        </p:txBody>
+      </p:sp>
+      <p:sp>
+        <p:nvSpPr>
+          <p:cNvPr id="3" name="Foliennummernplatzhalter 2">
+            <a:extLst>
+              <a:ext uri="{FF2B5EF4-FFF2-40B4-BE49-F238E27FC236}">
+                <a16:creationId xmlns:a16="http://schemas.microsoft.com/office/drawing/2014/main" id="{3E5A45B9-30FC-F616-5ADF-9AAD1F6228F5}"/>
+              </a:ext>
+            </a:extLst>
+          </p:cNvPr>
+          <p:cNvSpPr>
+            <a:spLocks noGrp="1"/>
+          </p:cNvSpPr>
+          <p:nvPr>
+            <p:ph type="sldNum" idx="12"/>
+          </p:nvPr>
+        </p:nvSpPr>
+        <p:spPr/>
+        <p:txBody>
+          <a:bodyPr/>
+          <a:lstStyle/>
+          <a:p>
+            <a:pPr marL="0" lvl="0" indent="0" algn="r" rtl="0">
+              <a:spcBef>
+                <a:spcPts val="0"/>
+              </a:spcBef>
+              <a:spcAft>
+                <a:spcPts val="0"/>
+              </a:spcAft>
+              <a:buNone/>
+            </a:pPr>
+            <a:fld id="{00000000-1234-1234-1234-123412341234}" type="slidenum">
+              <a:rPr lang="de-DE" smtClean="0"/>
+              <a:pPr marL="0" lvl="0" indent="0" algn="r" rtl="0">
+                <a:spcBef>
+                  <a:spcPts val="0"/>
+                </a:spcBef>
+                <a:spcAft>
+                  <a:spcPts val="0"/>
+                </a:spcAft>
+                <a:buNone/>
+              </a:pPr>
+              <a:t>16</a:t>
+            </a:fld>
+            <a:endParaRPr lang="de-DE"/>
+          </a:p>
+        </p:txBody>
+      </p:sp>
+      <p:sp>
+        <p:nvSpPr>
+          <p:cNvPr id="5" name="Titel 1">
+            <a:extLst>
+              <a:ext uri="{FF2B5EF4-FFF2-40B4-BE49-F238E27FC236}">
+                <a16:creationId xmlns:a16="http://schemas.microsoft.com/office/drawing/2014/main" id="{0D21EC20-24B7-0575-1D07-6938AD538FE1}"/>
+              </a:ext>
+            </a:extLst>
+          </p:cNvPr>
+          <p:cNvSpPr txBox="1">
+            <a:spLocks/>
+          </p:cNvSpPr>
+          <p:nvPr/>
+        </p:nvSpPr>
+        <p:spPr>
+          <a:xfrm>
+            <a:off x="1341119" y="1090871"/>
+            <a:ext cx="9509760" cy="456276"/>
+          </a:xfrm>
+          <a:prstGeom prst="rect">
+            <a:avLst/>
+          </a:prstGeom>
+          <a:noFill/>
+          <a:ln>
+            <a:noFill/>
+          </a:ln>
+        </p:spPr>
+        <p:txBody>
+          <a:bodyPr spcFirstLastPara="1" vert="horz" wrap="square" lIns="91425" tIns="45700" rIns="91425" bIns="45700" rtlCol="0" anchor="b" anchorCtr="0">
+            <a:normAutofit fontScale="97500"/>
+          </a:bodyPr>
+          <a:lstStyle>
+            <a:lvl1pPr lvl="0" algn="l" defTabSz="914400" rtl="0" eaLnBrk="1" latinLnBrk="0" hangingPunct="1">
+              <a:lnSpc>
+                <a:spcPct val="90000"/>
+              </a:lnSpc>
+              <a:spcBef>
+                <a:spcPts val="0"/>
+              </a:spcBef>
+              <a:spcAft>
+                <a:spcPts val="0"/>
+              </a:spcAft>
+              <a:buClr>
+                <a:srgbClr val="1C243C"/>
+              </a:buClr>
+              <a:buSzPts val="1800"/>
+              <a:buNone/>
+              <a:defRPr sz="3000" kern="1200">
+                <a:solidFill>
+                  <a:schemeClr val="tx1"/>
+                </a:solidFill>
+                <a:latin typeface="+mn-lt"/>
+                <a:ea typeface="+mj-ea"/>
+                <a:cs typeface="+mj-cs"/>
+              </a:defRPr>
+            </a:lvl1pPr>
+            <a:lvl2pPr lvl="1">
+              <a:spcBef>
+                <a:spcPts val="0"/>
+              </a:spcBef>
+              <a:spcAft>
+                <a:spcPts val="0"/>
+              </a:spcAft>
+              <a:buSzPts val="1400"/>
+              <a:buNone/>
+              <a:defRPr/>
+            </a:lvl2pPr>
+            <a:lvl3pPr lvl="2">
+              <a:spcBef>
+                <a:spcPts val="0"/>
+              </a:spcBef>
+              <a:spcAft>
+                <a:spcPts val="0"/>
+              </a:spcAft>
+              <a:buSzPts val="1400"/>
+              <a:buNone/>
+              <a:defRPr/>
+            </a:lvl3pPr>
+            <a:lvl4pPr lvl="3">
+              <a:spcBef>
+                <a:spcPts val="0"/>
+              </a:spcBef>
+              <a:spcAft>
+                <a:spcPts val="0"/>
+              </a:spcAft>
+              <a:buSzPts val="1400"/>
+              <a:buNone/>
+              <a:defRPr/>
+            </a:lvl4pPr>
+            <a:lvl5pPr lvl="4">
+              <a:spcBef>
+                <a:spcPts val="0"/>
+              </a:spcBef>
+              <a:spcAft>
+                <a:spcPts val="0"/>
+              </a:spcAft>
+              <a:buSzPts val="1400"/>
+              <a:buNone/>
+              <a:defRPr/>
+            </a:lvl5pPr>
+            <a:lvl6pPr lvl="5">
+              <a:spcBef>
+                <a:spcPts val="0"/>
+              </a:spcBef>
+              <a:spcAft>
+                <a:spcPts val="0"/>
+              </a:spcAft>
+              <a:buSzPts val="1400"/>
+              <a:buNone/>
+              <a:defRPr/>
+            </a:lvl6pPr>
+            <a:lvl7pPr lvl="6">
+              <a:spcBef>
+                <a:spcPts val="0"/>
+              </a:spcBef>
+              <a:spcAft>
+                <a:spcPts val="0"/>
+              </a:spcAft>
+              <a:buSzPts val="1400"/>
+              <a:buNone/>
+              <a:defRPr/>
+            </a:lvl7pPr>
+            <a:lvl8pPr lvl="7">
+              <a:spcBef>
+                <a:spcPts val="0"/>
+              </a:spcBef>
+              <a:spcAft>
+                <a:spcPts val="0"/>
+              </a:spcAft>
+              <a:buSzPts val="1400"/>
+              <a:buNone/>
+              <a:defRPr/>
+            </a:lvl8pPr>
+            <a:lvl9pPr lvl="8">
+              <a:spcBef>
+                <a:spcPts val="0"/>
+              </a:spcBef>
+              <a:spcAft>
+                <a:spcPts val="0"/>
+              </a:spcAft>
+              <a:buSzPts val="1400"/>
+              <a:buNone/>
+              <a:defRPr/>
+            </a:lvl9pPr>
+          </a:lstStyle>
+          <a:p>
+            <a:r>
+              <a:rPr lang="de-DE" sz="2200" b="1" dirty="0" err="1">
+                <a:solidFill>
+                  <a:srgbClr val="2A3262"/>
+                </a:solidFill>
+              </a:rPr>
+              <a:t>Dangerous</a:t>
+            </a:r>
+            <a:r>
+              <a:rPr lang="de-DE" sz="2200" b="1" dirty="0">
+                <a:solidFill>
+                  <a:srgbClr val="2A3262"/>
+                </a:solidFill>
+              </a:rPr>
+              <a:t> </a:t>
+            </a:r>
+            <a:r>
+              <a:rPr lang="de-DE" sz="2200" b="1" dirty="0" err="1">
+                <a:solidFill>
+                  <a:srgbClr val="2A3262"/>
+                </a:solidFill>
+              </a:rPr>
+              <a:t>goods</a:t>
+            </a:r>
+            <a:r>
+              <a:rPr lang="de-DE" sz="2200" b="1" dirty="0">
+                <a:solidFill>
+                  <a:srgbClr val="2A3262"/>
+                </a:solidFill>
+              </a:rPr>
+              <a:t> </a:t>
+            </a:r>
+            <a:r>
+              <a:rPr lang="de-DE" sz="2200" b="1" dirty="0" err="1">
+                <a:solidFill>
+                  <a:srgbClr val="2A3262"/>
+                </a:solidFill>
+              </a:rPr>
+              <a:t>labels</a:t>
+            </a:r>
+            <a:endParaRPr lang="de-DE" sz="2200" b="1" dirty="0">
+              <a:solidFill>
+                <a:srgbClr val="2A3262"/>
+              </a:solidFill>
+            </a:endParaRPr>
+          </a:p>
+        </p:txBody>
+      </p:sp>
+      <p:pic>
+        <p:nvPicPr>
+          <p:cNvPr id="10" name="Picture 9" descr="A collection of warning signs&#10;&#10;Description automatically generated with low confidence">
+            <a:extLst>
+              <a:ext uri="{FF2B5EF4-FFF2-40B4-BE49-F238E27FC236}">
+                <a16:creationId xmlns:a16="http://schemas.microsoft.com/office/drawing/2014/main" id="{3E1B6E6B-6496-18DD-D0F4-977D58E9127D}"/>
+              </a:ext>
+            </a:extLst>
+          </p:cNvPr>
+          <p:cNvPicPr>
+            <a:picLocks noChangeAspect="1"/>
+          </p:cNvPicPr>
+          <p:nvPr/>
+        </p:nvPicPr>
+        <p:blipFill>
+          <a:blip r:embed="rId3" cstate="print">
+            <a:extLst>
+              <a:ext uri="{28A0092B-C50C-407E-A947-70E740481C1C}">
+                <a14:useLocalDpi xmlns:a14="http://schemas.microsoft.com/office/drawing/2010/main" val="0"/>
+              </a:ext>
+            </a:extLst>
+          </a:blip>
+          <a:stretch>
+            <a:fillRect/>
+          </a:stretch>
+        </p:blipFill>
+        <p:spPr>
+          <a:xfrm>
+            <a:off x="1341119" y="1800979"/>
+            <a:ext cx="8741032" cy="4370515"/>
+          </a:xfrm>
+          <a:prstGeom prst="rect">
+            <a:avLst/>
+          </a:prstGeom>
+        </p:spPr>
+      </p:pic>
+    </p:spTree>
+    <p:extLst>
+      <p:ext uri="{BB962C8B-B14F-4D97-AF65-F5344CB8AC3E}">
+        <p14:creationId xmlns:p14="http://schemas.microsoft.com/office/powerpoint/2010/main" val="181177282"/>
+      </p:ext>
+    </p:extLst>
+  </p:cSld>
+  <p:clrMapOvr>
+    <a:masterClrMapping/>
+  </p:clrMapOvr>
+  <mc:AlternateContent xmlns:mc="http://schemas.openxmlformats.org/markup-compatibility/2006" xmlns:p14="http://schemas.microsoft.com/office/powerpoint/2010/main">
+    <mc:Choice Requires="p14">
+      <p:transition spd="med" p14:dur="700">
+        <p:fade/>
+      </p:transition>
+    </mc:Choice>
+    <mc:Fallback xmlns="">
+      <p:transition spd="med">
+        <p:fade/>
+      </p:transition>
+    </mc:Fallback>
+  </mc:AlternateContent>
+</p:sld>
+</file>
+
+<file path=ppt/slides/slide17.xml><?xml version="1.0" encoding="utf-8"?>
+<p:sld xmlns:a="http://schemas.openxmlformats.org/drawingml/2006/main" xmlns:r="http://schemas.openxmlformats.org/officeDocument/2006/relationships" xmlns:p="http://schemas.openxmlformats.org/presentationml/2006/main">
+  <p:cSld>
+    <p:spTree>
+      <p:nvGrpSpPr>
+        <p:cNvPr id="1" name=""/>
+        <p:cNvGrpSpPr/>
+        <p:nvPr/>
+      </p:nvGrpSpPr>
+      <p:grpSpPr>
+        <a:xfrm>
+          <a:off x="0" y="0"/>
+          <a:ext cx="0" cy="0"/>
+          <a:chOff x="0" y="0"/>
+          <a:chExt cx="0" cy="0"/>
+        </a:xfrm>
+      </p:grpSpPr>
+      <p:sp>
+        <p:nvSpPr>
+          <p:cNvPr id="2" name="Titel 1">
+            <a:extLst>
+              <a:ext uri="{FF2B5EF4-FFF2-40B4-BE49-F238E27FC236}">
+                <a16:creationId xmlns:a16="http://schemas.microsoft.com/office/drawing/2014/main" id="{F6983D08-415F-7A06-7665-150AC007B674}"/>
+              </a:ext>
+            </a:extLst>
+          </p:cNvPr>
+          <p:cNvSpPr>
+            <a:spLocks noGrp="1"/>
+          </p:cNvSpPr>
+          <p:nvPr>
+            <p:ph type="title"/>
+          </p:nvPr>
+        </p:nvSpPr>
+        <p:spPr/>
+        <p:txBody>
+          <a:bodyPr>
+            <a:normAutofit fontScale="90000"/>
+          </a:bodyPr>
+          <a:lstStyle/>
+          <a:p>
+            <a:r>
+              <a:rPr lang="en-GB" b="1" dirty="0">
+                <a:solidFill>
+                  <a:srgbClr val="2A3262"/>
+                </a:solidFill>
+              </a:rPr>
+              <a:t>Backup</a:t>
+            </a:r>
+          </a:p>
+        </p:txBody>
+      </p:sp>
+      <p:sp>
+        <p:nvSpPr>
+          <p:cNvPr id="3" name="Foliennummernplatzhalter 2">
+            <a:extLst>
+              <a:ext uri="{FF2B5EF4-FFF2-40B4-BE49-F238E27FC236}">
+                <a16:creationId xmlns:a16="http://schemas.microsoft.com/office/drawing/2014/main" id="{3E5A45B9-30FC-F616-5ADF-9AAD1F6228F5}"/>
+              </a:ext>
+            </a:extLst>
+          </p:cNvPr>
+          <p:cNvSpPr>
+            <a:spLocks noGrp="1"/>
+          </p:cNvSpPr>
+          <p:nvPr>
+            <p:ph type="sldNum" idx="12"/>
+          </p:nvPr>
+        </p:nvSpPr>
+        <p:spPr/>
+        <p:txBody>
+          <a:bodyPr/>
+          <a:lstStyle/>
+          <a:p>
+            <a:pPr marL="0" lvl="0" indent="0" algn="r" rtl="0">
+              <a:spcBef>
+                <a:spcPts val="0"/>
+              </a:spcBef>
+              <a:spcAft>
+                <a:spcPts val="0"/>
+              </a:spcAft>
+              <a:buNone/>
+            </a:pPr>
+            <a:fld id="{00000000-1234-1234-1234-123412341234}" type="slidenum">
+              <a:rPr lang="de-DE" smtClean="0"/>
+              <a:pPr marL="0" lvl="0" indent="0" algn="r" rtl="0">
+                <a:spcBef>
+                  <a:spcPts val="0"/>
+                </a:spcBef>
+                <a:spcAft>
+                  <a:spcPts val="0"/>
+                </a:spcAft>
+                <a:buNone/>
+              </a:pPr>
+              <a:t>17</a:t>
+            </a:fld>
+            <a:endParaRPr lang="de-DE"/>
+          </a:p>
+        </p:txBody>
+      </p:sp>
+      <p:sp>
+        <p:nvSpPr>
+          <p:cNvPr id="4" name="Textplatzhalter 3">
+            <a:extLst>
+              <a:ext uri="{FF2B5EF4-FFF2-40B4-BE49-F238E27FC236}">
+                <a16:creationId xmlns:a16="http://schemas.microsoft.com/office/drawing/2014/main" id="{5541D599-E559-7C55-0C97-2F3678F2B7B1}"/>
+              </a:ext>
+            </a:extLst>
+          </p:cNvPr>
+          <p:cNvSpPr>
+            <a:spLocks noGrp="1"/>
+          </p:cNvSpPr>
+          <p:nvPr>
+            <p:ph type="body" sz="quarter" idx="14"/>
+          </p:nvPr>
+        </p:nvSpPr>
+        <p:spPr/>
+        <p:txBody>
+          <a:bodyPr/>
+          <a:lstStyle/>
+          <a:p>
+            <a:endParaRPr lang="de-DE"/>
+          </a:p>
+        </p:txBody>
+      </p:sp>
+      <p:sp>
+        <p:nvSpPr>
+          <p:cNvPr id="5" name="Titel 1">
+            <a:extLst>
+              <a:ext uri="{FF2B5EF4-FFF2-40B4-BE49-F238E27FC236}">
+                <a16:creationId xmlns:a16="http://schemas.microsoft.com/office/drawing/2014/main" id="{0D21EC20-24B7-0575-1D07-6938AD538FE1}"/>
+              </a:ext>
+            </a:extLst>
+          </p:cNvPr>
+          <p:cNvSpPr txBox="1">
+            <a:spLocks/>
+          </p:cNvSpPr>
+          <p:nvPr/>
+        </p:nvSpPr>
+        <p:spPr>
+          <a:xfrm>
+            <a:off x="1341119" y="1090871"/>
+            <a:ext cx="9509760" cy="456276"/>
+          </a:xfrm>
+          <a:prstGeom prst="rect">
+            <a:avLst/>
+          </a:prstGeom>
+          <a:noFill/>
+          <a:ln>
+            <a:noFill/>
+          </a:ln>
+        </p:spPr>
+        <p:txBody>
+          <a:bodyPr spcFirstLastPara="1" vert="horz" wrap="square" lIns="91425" tIns="45700" rIns="91425" bIns="45700" rtlCol="0" anchor="b" anchorCtr="0">
+            <a:normAutofit fontScale="97500"/>
+          </a:bodyPr>
+          <a:lstStyle>
+            <a:lvl1pPr lvl="0" algn="l" defTabSz="914400" rtl="0" eaLnBrk="1" latinLnBrk="0" hangingPunct="1">
+              <a:lnSpc>
+                <a:spcPct val="90000"/>
+              </a:lnSpc>
+              <a:spcBef>
+                <a:spcPts val="0"/>
+              </a:spcBef>
+              <a:spcAft>
+                <a:spcPts val="0"/>
+              </a:spcAft>
+              <a:buClr>
+                <a:srgbClr val="1C243C"/>
+              </a:buClr>
+              <a:buSzPts val="1800"/>
+              <a:buNone/>
+              <a:defRPr sz="3000" kern="1200">
+                <a:solidFill>
+                  <a:schemeClr val="tx1"/>
+                </a:solidFill>
+                <a:latin typeface="+mn-lt"/>
+                <a:ea typeface="+mj-ea"/>
+                <a:cs typeface="+mj-cs"/>
+              </a:defRPr>
+            </a:lvl1pPr>
+            <a:lvl2pPr lvl="1">
+              <a:spcBef>
+                <a:spcPts val="0"/>
+              </a:spcBef>
+              <a:spcAft>
+                <a:spcPts val="0"/>
+              </a:spcAft>
+              <a:buSzPts val="1400"/>
+              <a:buNone/>
+              <a:defRPr/>
+            </a:lvl2pPr>
+            <a:lvl3pPr lvl="2">
+              <a:spcBef>
+                <a:spcPts val="0"/>
+              </a:spcBef>
+              <a:spcAft>
+                <a:spcPts val="0"/>
+              </a:spcAft>
+              <a:buSzPts val="1400"/>
+              <a:buNone/>
+              <a:defRPr/>
+            </a:lvl3pPr>
+            <a:lvl4pPr lvl="3">
+              <a:spcBef>
+                <a:spcPts val="0"/>
+              </a:spcBef>
+              <a:spcAft>
+                <a:spcPts val="0"/>
+              </a:spcAft>
+              <a:buSzPts val="1400"/>
+              <a:buNone/>
+              <a:defRPr/>
+            </a:lvl4pPr>
+            <a:lvl5pPr lvl="4">
+              <a:spcBef>
+                <a:spcPts val="0"/>
+              </a:spcBef>
+              <a:spcAft>
+                <a:spcPts val="0"/>
+              </a:spcAft>
+              <a:buSzPts val="1400"/>
+              <a:buNone/>
+              <a:defRPr/>
+            </a:lvl5pPr>
+            <a:lvl6pPr lvl="5">
+              <a:spcBef>
+                <a:spcPts val="0"/>
+              </a:spcBef>
+              <a:spcAft>
+                <a:spcPts val="0"/>
+              </a:spcAft>
+              <a:buSzPts val="1400"/>
+              <a:buNone/>
+              <a:defRPr/>
+            </a:lvl6pPr>
+            <a:lvl7pPr lvl="6">
+              <a:spcBef>
+                <a:spcPts val="0"/>
+              </a:spcBef>
+              <a:spcAft>
+                <a:spcPts val="0"/>
+              </a:spcAft>
+              <a:buSzPts val="1400"/>
+              <a:buNone/>
+              <a:defRPr/>
+            </a:lvl7pPr>
+            <a:lvl8pPr lvl="7">
+              <a:spcBef>
+                <a:spcPts val="0"/>
+              </a:spcBef>
+              <a:spcAft>
+                <a:spcPts val="0"/>
+              </a:spcAft>
+              <a:buSzPts val="1400"/>
+              <a:buNone/>
+              <a:defRPr/>
+            </a:lvl8pPr>
+            <a:lvl9pPr lvl="8">
+              <a:spcBef>
+                <a:spcPts val="0"/>
+              </a:spcBef>
+              <a:spcAft>
+                <a:spcPts val="0"/>
+              </a:spcAft>
+              <a:buSzPts val="1400"/>
+              <a:buNone/>
+              <a:defRPr/>
+            </a:lvl9pPr>
+          </a:lstStyle>
+          <a:p>
+            <a:r>
+              <a:rPr lang="de-DE" sz="2200" b="1" dirty="0">
+                <a:solidFill>
+                  <a:srgbClr val="2A3262"/>
+                </a:solidFill>
+              </a:rPr>
+              <a:t>Service APIs</a:t>
+            </a:r>
+          </a:p>
+        </p:txBody>
+      </p:sp>
+      <p:pic>
+        <p:nvPicPr>
+          <p:cNvPr id="8" name="Picture 7">
+            <a:extLst>
+              <a:ext uri="{FF2B5EF4-FFF2-40B4-BE49-F238E27FC236}">
+                <a16:creationId xmlns:a16="http://schemas.microsoft.com/office/drawing/2014/main" id="{548A494B-760F-6B86-64C1-70D899FA531E}"/>
+              </a:ext>
+            </a:extLst>
+          </p:cNvPr>
+          <p:cNvPicPr>
+            <a:picLocks noChangeAspect="1"/>
+          </p:cNvPicPr>
+          <p:nvPr/>
+        </p:nvPicPr>
+        <p:blipFill rotWithShape="1">
+          <a:blip r:embed="rId3"/>
+          <a:srcRect t="9071"/>
+          <a:stretch/>
+        </p:blipFill>
+        <p:spPr>
+          <a:xfrm>
+            <a:off x="1341119" y="1678698"/>
+            <a:ext cx="10609259" cy="3671570"/>
+          </a:xfrm>
+          <a:prstGeom prst="rect">
+            <a:avLst/>
+          </a:prstGeom>
+        </p:spPr>
+      </p:pic>
+    </p:spTree>
+    <p:extLst>
+      <p:ext uri="{BB962C8B-B14F-4D97-AF65-F5344CB8AC3E}">
+        <p14:creationId xmlns:p14="http://schemas.microsoft.com/office/powerpoint/2010/main" val="2016604548"/>
+      </p:ext>
+    </p:extLst>
+  </p:cSld>
+  <p:clrMapOvr>
+    <a:masterClrMapping/>
+  </p:clrMapOvr>
+  <mc:AlternateContent xmlns:mc="http://schemas.openxmlformats.org/markup-compatibility/2006" xmlns:p14="http://schemas.microsoft.com/office/powerpoint/2010/main">
+    <mc:Choice Requires="p14">
+      <p:transition spd="med" p14:dur="700">
+        <p:fade/>
+      </p:transition>
+    </mc:Choice>
+    <mc:Fallback xmlns="">
+      <p:transition spd="med">
+        <p:fade/>
+      </p:transition>
     </mc:Fallback>
   </mc:AlternateContent>
 </p:sld>
@@ -10301,10 +11115,10 @@
       </p:sp>
       <p:sp>
         <p:nvSpPr>
-          <p:cNvPr id="5" name="Textfeld 4">
+          <p:cNvPr id="6" name="Textfeld 4">
             <a:extLst>
               <a:ext uri="{FF2B5EF4-FFF2-40B4-BE49-F238E27FC236}">
-                <a16:creationId xmlns:a16="http://schemas.microsoft.com/office/drawing/2014/main" id="{46619499-3C04-495B-B4E6-3A48362F388E}"/>
+                <a16:creationId xmlns:a16="http://schemas.microsoft.com/office/drawing/2014/main" id="{4415F33E-4ED2-5754-B940-BCC515A15E9C}"/>
               </a:ext>
             </a:extLst>
           </p:cNvPr>
@@ -10313,8 +11127,8 @@
         </p:nvSpPr>
         <p:spPr>
           <a:xfrm>
-            <a:off x="1470991" y="1212574"/>
-            <a:ext cx="9509760" cy="1200329"/>
+            <a:off x="1400495" y="1148691"/>
+            <a:ext cx="9509760" cy="5078313"/>
           </a:xfrm>
           <a:prstGeom prst="rect">
             <a:avLst/>
@@ -10327,9 +11141,110 @@
           </a:bodyPr>
           <a:lstStyle/>
           <a:p>
+            <a:r>
+              <a:rPr lang="de-DE" dirty="0">
+                <a:solidFill>
+                  <a:srgbClr val="002060"/>
+                </a:solidFill>
+              </a:rPr>
+              <a:t>1.  The </a:t>
+            </a:r>
+            <a:r>
+              <a:rPr lang="de-DE" dirty="0" err="1">
+                <a:solidFill>
+                  <a:srgbClr val="002060"/>
+                </a:solidFill>
+              </a:rPr>
+              <a:t>task</a:t>
+            </a:r>
+            <a:endParaRPr lang="de-DE" dirty="0">
+              <a:solidFill>
+                <a:srgbClr val="002060"/>
+              </a:solidFill>
+            </a:endParaRPr>
+          </a:p>
+          <a:p>
+            <a:r>
+              <a:rPr lang="de-DE" dirty="0">
+                <a:solidFill>
+                  <a:srgbClr val="002060"/>
+                </a:solidFill>
+              </a:rPr>
+              <a:t>2.  The </a:t>
+            </a:r>
+            <a:r>
+              <a:rPr lang="de-DE" dirty="0" err="1">
+                <a:solidFill>
+                  <a:srgbClr val="002060"/>
+                </a:solidFill>
+              </a:rPr>
+              <a:t>data</a:t>
+            </a:r>
+            <a:endParaRPr lang="de-DE" dirty="0">
+              <a:solidFill>
+                <a:srgbClr val="002060"/>
+              </a:solidFill>
+            </a:endParaRPr>
+          </a:p>
+          <a:p>
+            <a:r>
+              <a:rPr lang="de-DE" dirty="0">
+                <a:solidFill>
+                  <a:srgbClr val="002060"/>
+                </a:solidFill>
+              </a:rPr>
+              <a:t>	2.1  Raw </a:t>
+            </a:r>
+            <a:r>
+              <a:rPr lang="de-DE" dirty="0" err="1">
+                <a:solidFill>
+                  <a:srgbClr val="002060"/>
+                </a:solidFill>
+              </a:rPr>
+              <a:t>data</a:t>
+            </a:r>
+            <a:endParaRPr lang="de-DE" dirty="0">
+              <a:solidFill>
+                <a:srgbClr val="002060"/>
+              </a:solidFill>
+            </a:endParaRPr>
+          </a:p>
+          <a:p>
+            <a:r>
+              <a:rPr lang="de-DE" dirty="0">
+                <a:solidFill>
+                  <a:srgbClr val="002060"/>
+                </a:solidFill>
+              </a:rPr>
+              <a:t>	2.2  </a:t>
+            </a:r>
+            <a:r>
+              <a:rPr lang="de-DE" dirty="0" err="1">
+                <a:solidFill>
+                  <a:srgbClr val="002060"/>
+                </a:solidFill>
+              </a:rPr>
+              <a:t>Labeling</a:t>
+            </a:r>
+            <a:endParaRPr lang="de-DE" dirty="0">
+              <a:solidFill>
+                <a:srgbClr val="002060"/>
+              </a:solidFill>
+            </a:endParaRPr>
+          </a:p>
+          <a:p>
+            <a:r>
+              <a:rPr lang="de-DE" dirty="0">
+                <a:solidFill>
+                  <a:srgbClr val="002060"/>
+                </a:solidFill>
+              </a:rPr>
+              <a:t>	2.3  Sample</a:t>
+            </a:r>
+          </a:p>
+          <a:p>
             <a:pPr marL="342900" indent="-342900">
-              <a:buFont typeface="+mj-lt"/>
-              <a:buAutoNum type="arabicPeriod"/>
+              <a:buAutoNum type="arabicPeriod" startAt="3"/>
             </a:pPr>
             <a:r>
               <a:rPr lang="de-DE" dirty="0">
@@ -10345,7 +11260,7 @@
                   <a:srgbClr val="002060"/>
                 </a:solidFill>
               </a:rPr>
-              <a:t>task</a:t>
+              <a:t>model</a:t>
             </a:r>
             <a:endParaRPr lang="de-DE" dirty="0">
               <a:solidFill>
@@ -10354,24 +11269,140 @@
             </a:endParaRPr>
           </a:p>
           <a:p>
+            <a:pPr lvl="2"/>
             <a:r>
               <a:rPr lang="de-DE" dirty="0">
                 <a:solidFill>
                   <a:srgbClr val="002060"/>
                 </a:solidFill>
               </a:rPr>
-              <a:t>       </a:t>
-            </a:r>
-          </a:p>
-          <a:p>
-            <a:pPr lvl="1"/>
+              <a:t>3.1  YOLOv5</a:t>
+            </a:r>
+          </a:p>
+          <a:p>
+            <a:pPr lvl="2"/>
             <a:r>
               <a:rPr lang="de-DE" dirty="0">
                 <a:solidFill>
                   <a:srgbClr val="002060"/>
                 </a:solidFill>
               </a:rPr>
-              <a:t> </a:t>
+              <a:t>3.2  Training</a:t>
+            </a:r>
+          </a:p>
+          <a:p>
+            <a:pPr lvl="2"/>
+            <a:r>
+              <a:rPr lang="de-DE" dirty="0">
+                <a:solidFill>
+                  <a:srgbClr val="002060"/>
+                </a:solidFill>
+              </a:rPr>
+              <a:t>3.3  </a:t>
+            </a:r>
+            <a:r>
+              <a:rPr lang="de-DE" dirty="0" err="1">
+                <a:solidFill>
+                  <a:srgbClr val="002060"/>
+                </a:solidFill>
+              </a:rPr>
+              <a:t>Results</a:t>
+            </a:r>
+            <a:r>
+              <a:rPr lang="de-DE" dirty="0">
+                <a:solidFill>
+                  <a:srgbClr val="002060"/>
+                </a:solidFill>
+              </a:rPr>
+              <a:t>  </a:t>
+            </a:r>
+          </a:p>
+          <a:p>
+            <a:pPr marL="342900" indent="-342900">
+              <a:buAutoNum type="arabicPeriod" startAt="4"/>
+            </a:pPr>
+            <a:r>
+              <a:rPr lang="de-DE" dirty="0" err="1">
+                <a:solidFill>
+                  <a:srgbClr val="002060"/>
+                </a:solidFill>
+              </a:rPr>
+              <a:t>Deployment</a:t>
+            </a:r>
+            <a:endParaRPr lang="de-DE" dirty="0">
+              <a:solidFill>
+                <a:srgbClr val="002060"/>
+              </a:solidFill>
+            </a:endParaRPr>
+          </a:p>
+          <a:p>
+            <a:pPr marL="342900" indent="-342900">
+              <a:buAutoNum type="arabicPeriod" startAt="4"/>
+            </a:pPr>
+            <a:r>
+              <a:rPr lang="en-US" sz="1800" kern="100" dirty="0">
+                <a:solidFill>
+                  <a:srgbClr val="2A3262"/>
+                </a:solidFill>
+                <a:effectLst/>
+                <a:ea typeface="Times New Roman" panose="02020603050405020304" pitchFamily="18" charset="0"/>
+                <a:cs typeface="Times New Roman" panose="02020603050405020304" pitchFamily="18" charset="0"/>
+              </a:rPr>
+              <a:t>Recommendations and next steps</a:t>
+            </a:r>
+            <a:endParaRPr lang="de-DE" dirty="0">
+              <a:solidFill>
+                <a:srgbClr val="002060"/>
+              </a:solidFill>
+            </a:endParaRPr>
+          </a:p>
+          <a:p>
+            <a:endParaRPr lang="de-DE" dirty="0">
+              <a:solidFill>
+                <a:srgbClr val="002060"/>
+              </a:solidFill>
+            </a:endParaRPr>
+          </a:p>
+          <a:p>
+            <a:pPr lvl="1"/>
+            <a:endParaRPr lang="de-DE" dirty="0">
+              <a:solidFill>
+                <a:srgbClr val="002060"/>
+              </a:solidFill>
+            </a:endParaRPr>
+          </a:p>
+          <a:p>
+            <a:pPr lvl="1"/>
+            <a:endParaRPr lang="de-DE" dirty="0">
+              <a:solidFill>
+                <a:srgbClr val="002060"/>
+              </a:solidFill>
+            </a:endParaRPr>
+          </a:p>
+          <a:p>
+            <a:pPr lvl="1"/>
+            <a:endParaRPr lang="de-DE" dirty="0">
+              <a:solidFill>
+                <a:srgbClr val="002060"/>
+              </a:solidFill>
+            </a:endParaRPr>
+          </a:p>
+          <a:p>
+            <a:pPr lvl="1"/>
+            <a:endParaRPr lang="de-DE" dirty="0">
+              <a:solidFill>
+                <a:srgbClr val="002060"/>
+              </a:solidFill>
+            </a:endParaRPr>
+          </a:p>
+          <a:p>
+            <a:r>
+              <a:rPr lang="de-DE" dirty="0">
+                <a:solidFill>
+                  <a:srgbClr val="002060"/>
+                </a:solidFill>
+              </a:rPr>
+              <a:t>     </a:t>
             </a:r>
           </a:p>
           <a:p>
@@ -10605,7 +11636,7 @@
         <p:spPr>
           <a:xfrm>
             <a:off x="1341121" y="2723085"/>
-            <a:ext cx="11543606" cy="2677656"/>
+            <a:ext cx="10002058" cy="2677656"/>
           </a:xfrm>
           <a:prstGeom prst="rect">
             <a:avLst/>
@@ -10619,151 +11650,18 @@
           <a:lstStyle/>
           <a:p>
             <a:r>
-              <a:rPr lang="de-DE" sz="2400" dirty="0">
+              <a:rPr lang="en-US" sz="2400" dirty="0">
                 <a:solidFill>
                   <a:schemeClr val="bg1"/>
                 </a:solidFill>
               </a:rPr>
-              <a:t>Train a ML </a:t>
-            </a:r>
-            <a:r>
-              <a:rPr lang="de-DE" sz="2400" dirty="0" err="1">
-                <a:solidFill>
-                  <a:schemeClr val="bg1"/>
-                </a:solidFill>
-              </a:rPr>
-              <a:t>solution</a:t>
-            </a:r>
-            <a:r>
-              <a:rPr lang="de-DE" sz="2400" dirty="0">
-                <a:solidFill>
-                  <a:schemeClr val="bg1"/>
-                </a:solidFill>
-              </a:rPr>
-              <a:t> </a:t>
-            </a:r>
-            <a:r>
-              <a:rPr lang="de-DE" sz="2400" dirty="0" err="1">
-                <a:solidFill>
-                  <a:schemeClr val="bg1"/>
-                </a:solidFill>
-              </a:rPr>
-              <a:t>to</a:t>
-            </a:r>
-            <a:r>
-              <a:rPr lang="de-DE" sz="2400" dirty="0">
-                <a:solidFill>
-                  <a:schemeClr val="bg1"/>
-                </a:solidFill>
-              </a:rPr>
-              <a:t> </a:t>
-            </a:r>
-            <a:r>
-              <a:rPr lang="en-GB" sz="2400" dirty="0">
-                <a:solidFill>
-                  <a:schemeClr val="bg1"/>
-                </a:solidFill>
-              </a:rPr>
-              <a:t>classify</a:t>
-            </a:r>
-            <a:r>
-              <a:rPr lang="de-DE" sz="2400" dirty="0">
-                <a:solidFill>
-                  <a:schemeClr val="bg1"/>
-                </a:solidFill>
-              </a:rPr>
-              <a:t> </a:t>
-            </a:r>
-            <a:r>
-              <a:rPr lang="de-DE" sz="2400" dirty="0" err="1">
-                <a:solidFill>
-                  <a:schemeClr val="bg1"/>
-                </a:solidFill>
-              </a:rPr>
-              <a:t>dangerous</a:t>
-            </a:r>
-            <a:r>
-              <a:rPr lang="de-DE" sz="2400" dirty="0">
-                <a:solidFill>
-                  <a:schemeClr val="bg1"/>
-                </a:solidFill>
-              </a:rPr>
-              <a:t> </a:t>
-            </a:r>
-            <a:r>
-              <a:rPr lang="de-DE" sz="2400" dirty="0" err="1">
-                <a:solidFill>
-                  <a:schemeClr val="bg1"/>
-                </a:solidFill>
-              </a:rPr>
-              <a:t>goods</a:t>
-            </a:r>
-            <a:r>
-              <a:rPr lang="de-DE" sz="2400" dirty="0">
-                <a:solidFill>
-                  <a:schemeClr val="bg1"/>
-                </a:solidFill>
-              </a:rPr>
-              <a:t> </a:t>
-            </a:r>
-            <a:r>
-              <a:rPr lang="de-DE" sz="2400" dirty="0" err="1">
-                <a:solidFill>
-                  <a:schemeClr val="bg1"/>
-                </a:solidFill>
-              </a:rPr>
-              <a:t>labels</a:t>
-            </a:r>
-            <a:r>
-              <a:rPr lang="de-DE" sz="2400" dirty="0">
-                <a:solidFill>
-                  <a:schemeClr val="bg1"/>
-                </a:solidFill>
-              </a:rPr>
-              <a:t> on </a:t>
-            </a:r>
-            <a:r>
-              <a:rPr lang="de-DE" sz="2400" dirty="0" err="1">
-                <a:solidFill>
-                  <a:schemeClr val="bg1"/>
-                </a:solidFill>
-              </a:rPr>
-              <a:t>trucks</a:t>
-            </a:r>
-            <a:r>
-              <a:rPr lang="de-DE" sz="2400" dirty="0">
-                <a:solidFill>
-                  <a:schemeClr val="bg1"/>
-                </a:solidFill>
-              </a:rPr>
-              <a:t> and</a:t>
-            </a:r>
-          </a:p>
-          <a:p>
-            <a:r>
-              <a:rPr lang="de-DE" sz="2400" dirty="0">
-                <a:solidFill>
-                  <a:schemeClr val="bg1"/>
-                </a:solidFill>
-              </a:rPr>
-              <a:t>deploy </a:t>
-            </a:r>
-            <a:r>
-              <a:rPr lang="de-DE" sz="2400" dirty="0" err="1">
-                <a:solidFill>
-                  <a:schemeClr val="bg1"/>
-                </a:solidFill>
-              </a:rPr>
-              <a:t>it</a:t>
-            </a:r>
-            <a:r>
-              <a:rPr lang="de-DE" sz="2400" dirty="0">
-                <a:solidFill>
-                  <a:schemeClr val="bg1"/>
-                </a:solidFill>
-              </a:rPr>
-              <a:t> in a Docker-Container</a:t>
-            </a:r>
+              <a:t>Train a ML solution to classify dangerous goods labels on trucks and deploy it in a Docker container.</a:t>
+            </a:r>
+            <a:endParaRPr lang="de-DE" sz="2400" dirty="0">
+              <a:solidFill>
+                <a:schemeClr val="bg1"/>
+              </a:solidFill>
+            </a:endParaRPr>
           </a:p>
           <a:p>
             <a:endParaRPr lang="de-DE" sz="2400" dirty="0">
@@ -10973,7 +11871,7 @@
         <p:spPr>
           <a:xfrm>
             <a:off x="1341119" y="1727636"/>
-            <a:ext cx="10516933" cy="6709529"/>
+            <a:ext cx="10516933" cy="3276282"/>
           </a:xfrm>
           <a:prstGeom prst="rect">
             <a:avLst/>
@@ -11138,7 +12036,7 @@
             </a:r>
             <a:r>
               <a:rPr lang="de-DE" sz="2000" dirty="0"/>
-              <a:t>, </a:t>
+              <a:t> </a:t>
             </a:r>
             <a:r>
               <a:rPr lang="de-DE" sz="2000" dirty="0" err="1"/>
@@ -11184,7 +12082,7 @@
             </a:r>
             <a:r>
               <a:rPr lang="de-DE" sz="2000" dirty="0" err="1"/>
-              <a:t>fourty</a:t>
+              <a:t>forty</a:t>
             </a:r>
             <a:r>
               <a:rPr lang="de-DE" sz="2000" dirty="0"/>
@@ -11246,7 +12144,7 @@
             </a:r>
             <a:r>
               <a:rPr lang="de-DE" sz="2000" dirty="0" err="1"/>
-              <a:t>pictures</a:t>
+              <a:t>images</a:t>
             </a:r>
             <a:r>
               <a:rPr lang="de-DE" sz="2000" dirty="0"/>
@@ -11266,11 +12164,11 @@
             </a:r>
             <a:r>
               <a:rPr lang="de-DE" sz="2000" dirty="0"/>
-              <a:t> </a:t>
+              <a:t> back </a:t>
             </a:r>
             <a:r>
               <a:rPr lang="de-DE" sz="2000" dirty="0" err="1"/>
-              <a:t>rear</a:t>
+              <a:t>of</a:t>
             </a:r>
             <a:r>
               <a:rPr lang="de-DE" sz="2000" dirty="0"/>
@@ -11278,7 +12176,7 @@
             </a:r>
             <a:r>
               <a:rPr lang="de-DE" sz="2000" dirty="0" err="1"/>
-              <a:t>of</a:t>
+              <a:t>the</a:t>
             </a:r>
             <a:r>
               <a:rPr lang="de-DE" sz="2000" dirty="0"/>
@@ -11286,7 +12184,7 @@
             </a:r>
             <a:r>
               <a:rPr lang="de-DE" sz="2000" dirty="0" err="1"/>
-              <a:t>the</a:t>
+              <a:t>trucks</a:t>
             </a:r>
             <a:r>
               <a:rPr lang="de-DE" sz="2000" dirty="0"/>
@@ -11294,11 +12192,11 @@
             </a:r>
             <a:r>
               <a:rPr lang="de-DE" sz="2000" dirty="0" err="1"/>
-              <a:t>trucks</a:t>
+              <a:t>were</a:t>
             </a:r>
             <a:r>
               <a:rPr lang="de-DE" sz="2000" dirty="0"/>
-              <a:t> was </a:t>
+              <a:t> </a:t>
             </a:r>
             <a:r>
               <a:rPr lang="de-DE" sz="2000" dirty="0" err="1"/>
@@ -11324,7 +12222,7 @@
             </a:pPr>
             <a:r>
               <a:rPr lang="de-DE" sz="2000" dirty="0"/>
-              <a:t>In total </a:t>
+              <a:t>In total, </a:t>
             </a:r>
             <a:r>
               <a:rPr lang="de-DE" sz="2000" dirty="0" err="1"/>
@@ -11356,7 +12254,11 @@
             </a:r>
             <a:r>
               <a:rPr lang="de-DE" sz="2000" b="1" dirty="0" err="1"/>
-              <a:t>pictures</a:t>
+              <a:t>images</a:t>
+            </a:r>
+            <a:r>
+              <a:rPr lang="de-DE" sz="2000" b="1" dirty="0"/>
+              <a:t>,</a:t>
             </a:r>
             <a:r>
               <a:rPr lang="de-DE" sz="2000" dirty="0"/>
@@ -11402,61 +12304,6 @@
               <a:rPr lang="de-DE" sz="2000" b="1" dirty="0" err="1"/>
               <a:t>manually</a:t>
             </a:r>
-            <a:endParaRPr lang="de-DE" sz="2000" b="1" dirty="0"/>
-          </a:p>
-          <a:p>
-            <a:pPr>
-              <a:lnSpc>
-                <a:spcPct val="150000"/>
-              </a:lnSpc>
-            </a:pPr>
-            <a:endParaRPr lang="de-DE" sz="2000" dirty="0"/>
-          </a:p>
-          <a:p>
-            <a:pPr marL="285750" indent="-285750">
-              <a:lnSpc>
-                <a:spcPct val="150000"/>
-              </a:lnSpc>
-              <a:buFont typeface="Wingdings" panose="05000000000000000000" pitchFamily="2" charset="2"/>
-              <a:buChar char="§"/>
-            </a:pPr>
-            <a:endParaRPr lang="de-DE" sz="2000" dirty="0"/>
-          </a:p>
-          <a:p>
-            <a:pPr marL="285750" indent="-285750">
-              <a:lnSpc>
-                <a:spcPct val="150000"/>
-              </a:lnSpc>
-              <a:buFont typeface="Wingdings" panose="05000000000000000000" pitchFamily="2" charset="2"/>
-              <a:buChar char="§"/>
-            </a:pPr>
-            <a:endParaRPr lang="de-DE" sz="2000" dirty="0"/>
-          </a:p>
-          <a:p>
-            <a:pPr>
-              <a:lnSpc>
-                <a:spcPct val="150000"/>
-              </a:lnSpc>
-            </a:pPr>
-            <a:endParaRPr lang="en-GB" sz="2000" dirty="0"/>
-          </a:p>
-          <a:p>
-            <a:endParaRPr lang="de-DE" sz="2000" dirty="0"/>
-          </a:p>
-          <a:p>
-            <a:endParaRPr lang="de-DE" sz="2000" dirty="0"/>
-          </a:p>
-          <a:p>
-            <a:endParaRPr lang="de-DE" sz="2000" dirty="0"/>
-          </a:p>
-          <a:p>
-            <a:endParaRPr lang="de-DE" sz="2000" dirty="0"/>
-          </a:p>
-          <a:p>
-            <a:pPr marL="285750" indent="-285750">
-              <a:buFont typeface="Wingdings" panose="05000000000000000000" pitchFamily="2" charset="2"/>
-              <a:buChar char="§"/>
-            </a:pPr>
             <a:endParaRPr lang="de-DE" sz="2000" dirty="0"/>
           </a:p>
         </p:txBody>
@@ -12139,7 +12986,7 @@
         <p:spPr>
           <a:xfrm>
             <a:off x="1341120" y="1727636"/>
-            <a:ext cx="4157156" cy="2814617"/>
+            <a:ext cx="4157156" cy="2352952"/>
           </a:xfrm>
           <a:prstGeom prst="rect">
             <a:avLst/>
@@ -12160,12 +13007,8 @@
               <a:buChar char="§"/>
             </a:pPr>
             <a:r>
-              <a:rPr lang="de-DE" sz="2000" dirty="0"/>
-              <a:t>Out </a:t>
-            </a:r>
-            <a:r>
               <a:rPr lang="de-DE" sz="2000" dirty="0" err="1"/>
-              <a:t>of</a:t>
+              <a:t>Of</a:t>
             </a:r>
             <a:r>
               <a:rPr lang="de-DE" sz="2000" dirty="0"/>
@@ -12177,11 +13020,11 @@
             </a:r>
             <a:r>
               <a:rPr lang="de-DE" sz="2000" dirty="0"/>
-              <a:t> 70.000 </a:t>
+              <a:t> 70,000 </a:t>
             </a:r>
             <a:r>
               <a:rPr lang="de-DE" sz="2000" dirty="0" err="1"/>
-              <a:t>pictures</a:t>
+              <a:t>images</a:t>
             </a:r>
             <a:r>
               <a:rPr lang="de-DE" sz="2000" dirty="0"/>
@@ -12189,7 +13032,7 @@
             </a:r>
             <a:r>
               <a:rPr lang="de-DE" sz="2000" dirty="0" err="1"/>
-              <a:t>pictures</a:t>
+              <a:t>images</a:t>
             </a:r>
             <a:r>
               <a:rPr lang="de-DE" sz="2000" dirty="0"/>
@@ -12223,18 +13066,7 @@
               <a:rPr lang="de-DE" sz="2000" dirty="0" err="1"/>
               <a:t>sign</a:t>
             </a:r>
-            <a:r>
-              <a:rPr lang="de-DE" sz="2000" dirty="0"/>
-              <a:t> on </a:t>
-            </a:r>
-            <a:r>
-              <a:rPr lang="de-DE" sz="2000" dirty="0" err="1"/>
-              <a:t>them</a:t>
-            </a:r>
-            <a:r>
-              <a:rPr lang="de-DE" sz="2000" dirty="0"/>
-              <a:t>????????</a:t>
-            </a:r>
+            <a:endParaRPr lang="de-DE" sz="2000" dirty="0"/>
           </a:p>
           <a:p>
             <a:pPr marL="285750" indent="-285750">
@@ -12246,7 +13078,15 @@
             </a:pPr>
             <a:r>
               <a:rPr lang="de-DE" sz="2000" dirty="0"/>
-              <a:t>Sample ist </a:t>
+              <a:t>Sample </a:t>
+            </a:r>
+            <a:r>
+              <a:rPr lang="de-DE" sz="2000" dirty="0" err="1"/>
+              <a:t>is</a:t>
+            </a:r>
+            <a:r>
+              <a:rPr lang="de-DE" sz="2000" dirty="0"/>
+              <a:t> </a:t>
             </a:r>
             <a:r>
               <a:rPr lang="de-DE" sz="2000" dirty="0" err="1"/>
@@ -12271,44 +13111,8 @@
               <a:buChar char="§"/>
             </a:pPr>
             <a:r>
-              <a:rPr lang="de-DE" sz="2000" dirty="0"/>
-              <a:t>Higher sample </a:t>
-            </a:r>
-            <a:r>
-              <a:rPr lang="de-DE" sz="2000" dirty="0" err="1"/>
-              <a:t>size</a:t>
-            </a:r>
-            <a:r>
-              <a:rPr lang="de-DE" sz="2000" dirty="0"/>
-              <a:t> </a:t>
-            </a:r>
-            <a:r>
-              <a:rPr lang="de-DE" sz="2000" dirty="0" err="1"/>
-              <a:t>led</a:t>
-            </a:r>
-            <a:r>
-              <a:rPr lang="de-DE" sz="2000" dirty="0"/>
-              <a:t> </a:t>
-            </a:r>
-            <a:r>
-              <a:rPr lang="de-DE" sz="2000" dirty="0" err="1"/>
-              <a:t>to</a:t>
-            </a:r>
-            <a:r>
-              <a:rPr lang="de-DE" sz="2000" dirty="0"/>
-              <a:t> a </a:t>
-            </a:r>
-            <a:r>
-              <a:rPr lang="de-DE" sz="2000" dirty="0" err="1"/>
-              <a:t>higher</a:t>
-            </a:r>
-            <a:r>
-              <a:rPr lang="de-DE" sz="2000" dirty="0"/>
-              <a:t> </a:t>
-            </a:r>
-            <a:r>
-              <a:rPr lang="de-DE" sz="2000" dirty="0" err="1"/>
-              <a:t>accuracy</a:t>
+              <a:rPr lang="en-US" sz="2000" dirty="0"/>
+              <a:t>Consists of images of different times of day with different lighting</a:t>
             </a:r>
             <a:endParaRPr lang="de-DE" sz="2000" dirty="0"/>
           </a:p>
@@ -12675,7 +13479,7 @@
         <p:spPr>
           <a:xfrm>
             <a:off x="1341119" y="1727636"/>
-            <a:ext cx="10516933" cy="6247864"/>
+            <a:ext cx="10516933" cy="3737946"/>
           </a:xfrm>
           <a:prstGeom prst="rect">
             <a:avLst/>
@@ -12696,52 +13500,8 @@
               <a:buChar char="§"/>
             </a:pPr>
             <a:r>
-              <a:rPr lang="de-DE" sz="2000" dirty="0" err="1"/>
-              <a:t>Acronym</a:t>
-            </a:r>
-            <a:r>
-              <a:rPr lang="de-DE" sz="2000" dirty="0"/>
-              <a:t> </a:t>
-            </a:r>
-            <a:r>
-              <a:rPr lang="de-DE" sz="2000" dirty="0" err="1"/>
-              <a:t>for</a:t>
-            </a:r>
-            <a:r>
-              <a:rPr lang="de-DE" sz="2000" dirty="0"/>
-              <a:t> “</a:t>
-            </a:r>
-            <a:r>
-              <a:rPr lang="de-DE" sz="2000" dirty="0" err="1"/>
-              <a:t>You</a:t>
-            </a:r>
-            <a:r>
-              <a:rPr lang="de-DE" sz="2000" dirty="0"/>
-              <a:t> </a:t>
-            </a:r>
-            <a:r>
-              <a:rPr lang="de-DE" sz="2000" dirty="0" err="1"/>
-              <a:t>only</a:t>
-            </a:r>
-            <a:r>
-              <a:rPr lang="de-DE" sz="2000" dirty="0"/>
-              <a:t> </a:t>
-            </a:r>
-            <a:r>
-              <a:rPr lang="de-DE" sz="2000" dirty="0" err="1"/>
-              <a:t>look</a:t>
-            </a:r>
-            <a:r>
-              <a:rPr lang="de-DE" sz="2000" dirty="0"/>
-              <a:t> </a:t>
-            </a:r>
-            <a:r>
-              <a:rPr lang="de-DE" sz="2000" dirty="0" err="1"/>
-              <a:t>once</a:t>
-            </a:r>
-            <a:r>
-              <a:rPr lang="de-DE" sz="2000" dirty="0"/>
-              <a:t>“</a:t>
+              <a:rPr lang="en-US" sz="2000" dirty="0"/>
+              <a:t>Acronym for "You only look once“</a:t>
             </a:r>
           </a:p>
           <a:p>
@@ -12753,40 +13513,8 @@
               <a:buChar char="§"/>
             </a:pPr>
             <a:r>
-              <a:rPr lang="de-DE" sz="2000" dirty="0"/>
-              <a:t>First </a:t>
-            </a:r>
-            <a:r>
-              <a:rPr lang="de-DE" sz="2000" dirty="0" err="1"/>
-              <a:t>model</a:t>
-            </a:r>
-            <a:r>
-              <a:rPr lang="de-DE" sz="2000" dirty="0"/>
-              <a:t> </a:t>
-            </a:r>
-            <a:r>
-              <a:rPr lang="de-DE" sz="2000" dirty="0" err="1"/>
-              <a:t>developed</a:t>
-            </a:r>
-            <a:r>
-              <a:rPr lang="de-DE" sz="2000" dirty="0"/>
-              <a:t> </a:t>
-            </a:r>
-            <a:r>
-              <a:rPr lang="de-DE" sz="2000" dirty="0" err="1"/>
-              <a:t>by</a:t>
-            </a:r>
-            <a:r>
-              <a:rPr lang="de-DE" sz="2000" dirty="0"/>
-              <a:t> </a:t>
-            </a:r>
-            <a:r>
-              <a:rPr lang="de-DE" sz="2000" dirty="0" err="1"/>
-              <a:t>Redmon</a:t>
-            </a:r>
-            <a:r>
-              <a:rPr lang="de-DE" sz="2000" dirty="0"/>
-              <a:t> et al. in 2015</a:t>
+              <a:rPr lang="en-US" sz="2000" dirty="0"/>
+              <a:t>The first model was developed in 2015 by Redmon et al</a:t>
             </a:r>
           </a:p>
           <a:p>
@@ -12798,16 +13526,8 @@
               <a:buChar char="§"/>
             </a:pPr>
             <a:r>
-              <a:rPr lang="de-DE" sz="2000" dirty="0"/>
-              <a:t>Version 5 </a:t>
-            </a:r>
-            <a:r>
-              <a:rPr lang="de-DE" sz="2000" dirty="0" err="1"/>
-              <a:t>released</a:t>
-            </a:r>
-            <a:r>
-              <a:rPr lang="de-DE" sz="2000" dirty="0"/>
-              <a:t> in 2020</a:t>
+              <a:rPr lang="en-US" sz="2000" dirty="0"/>
+              <a:t>Version 5 published in 2020</a:t>
             </a:r>
           </a:p>
           <a:p>
@@ -12819,46 +13539,9 @@
               <a:buChar char="§"/>
             </a:pPr>
             <a:r>
-              <a:rPr lang="de-DE" sz="2000" dirty="0"/>
-              <a:t>Can </a:t>
-            </a:r>
-            <a:r>
-              <a:rPr lang="de-DE" sz="2000" dirty="0" err="1"/>
-              <a:t>predict</a:t>
-            </a:r>
-            <a:r>
-              <a:rPr lang="de-DE" sz="2000" dirty="0"/>
-              <a:t> multiple </a:t>
-            </a:r>
-            <a:r>
-              <a:rPr lang="de-DE" sz="2000" dirty="0" err="1"/>
-              <a:t>bounding</a:t>
-            </a:r>
-            <a:r>
-              <a:rPr lang="de-DE" sz="2000" dirty="0"/>
-              <a:t> </a:t>
-            </a:r>
-            <a:r>
-              <a:rPr lang="de-DE" sz="2000" dirty="0" err="1"/>
-              <a:t>boxes</a:t>
-            </a:r>
-            <a:r>
-              <a:rPr lang="de-DE" sz="2000" dirty="0"/>
-              <a:t> and </a:t>
-            </a:r>
-            <a:r>
-              <a:rPr lang="de-DE" sz="2000" dirty="0" err="1"/>
-              <a:t>class</a:t>
-            </a:r>
-            <a:r>
-              <a:rPr lang="de-DE" sz="2000" dirty="0"/>
-              <a:t> </a:t>
-            </a:r>
-            <a:r>
-              <a:rPr lang="de-DE" sz="2000" dirty="0" err="1"/>
-              <a:t>probabilities</a:t>
-            </a:r>
-            <a:endParaRPr lang="de-DE" sz="2000" dirty="0"/>
+              <a:rPr lang="en-US" sz="2000" dirty="0"/>
+              <a:t>Can predict multiple bounding boxes and class probabilities</a:t>
+            </a:r>
           </a:p>
           <a:p>
             <a:pPr marL="285750" indent="-285750">
@@ -12869,50 +13552,9 @@
               <a:buChar char="§"/>
             </a:pPr>
             <a:r>
-              <a:rPr lang="de-DE" sz="2000" dirty="0" err="1"/>
-              <a:t>Offers</a:t>
-            </a:r>
-            <a:r>
-              <a:rPr lang="de-DE" sz="2000" dirty="0"/>
-              <a:t> high </a:t>
-            </a:r>
-            <a:r>
-              <a:rPr lang="de-DE" sz="2000" dirty="0" err="1"/>
-              <a:t>speed</a:t>
-            </a:r>
-            <a:r>
-              <a:rPr lang="de-DE" sz="2000" dirty="0"/>
-              <a:t>, </a:t>
-            </a:r>
-            <a:r>
-              <a:rPr lang="de-DE" sz="2000" dirty="0" err="1"/>
-              <a:t>processing</a:t>
-            </a:r>
-            <a:r>
-              <a:rPr lang="de-DE" sz="2000" dirty="0"/>
-              <a:t> </a:t>
-            </a:r>
-            <a:r>
-              <a:rPr lang="de-DE" sz="2000" dirty="0" err="1"/>
-              <a:t>images</a:t>
-            </a:r>
-            <a:r>
-              <a:rPr lang="de-DE" sz="2000" dirty="0"/>
-              <a:t> in real-time </a:t>
-            </a:r>
-            <a:r>
-              <a:rPr lang="de-DE" sz="2000" dirty="0" err="1"/>
-              <a:t>with</a:t>
-            </a:r>
-            <a:r>
-              <a:rPr lang="de-DE" sz="2000" dirty="0"/>
-              <a:t> minimal </a:t>
-            </a:r>
-            <a:r>
-              <a:rPr lang="de-DE" sz="2000" dirty="0" err="1"/>
-              <a:t>latency</a:t>
-            </a:r>
-            <a:endParaRPr lang="de-DE" sz="2000" dirty="0"/>
+              <a:rPr lang="en-US" sz="2000" dirty="0"/>
+              <a:t>Provides high speed and processes images in real time with minimal latency</a:t>
+            </a:r>
           </a:p>
           <a:p>
             <a:pPr marL="285750" indent="-285750">
@@ -12923,26 +13565,9 @@
               <a:buChar char="§"/>
             </a:pPr>
             <a:r>
-              <a:rPr lang="de-DE" sz="2000" dirty="0" err="1"/>
-              <a:t>Pretrained</a:t>
-            </a:r>
-            <a:r>
-              <a:rPr lang="de-DE" sz="2000" dirty="0"/>
-              <a:t> on </a:t>
-            </a:r>
-            <a:r>
-              <a:rPr lang="de-DE" sz="2000" dirty="0" err="1"/>
-              <a:t>the</a:t>
-            </a:r>
-            <a:r>
-              <a:rPr lang="de-DE" sz="2000" dirty="0"/>
-              <a:t> COCO </a:t>
-            </a:r>
-            <a:r>
-              <a:rPr lang="de-DE" sz="2000" dirty="0" err="1"/>
-              <a:t>dataset</a:t>
-            </a:r>
-            <a:endParaRPr lang="de-DE" sz="2000" dirty="0"/>
+              <a:rPr lang="en-US" sz="2000" dirty="0"/>
+              <a:t>Pre-trained on COCO dataset</a:t>
+            </a:r>
           </a:p>
           <a:p>
             <a:pPr marL="285750" indent="-285750">
@@ -12953,46 +13578,9 @@
               <a:buChar char="§"/>
             </a:pPr>
             <a:r>
-              <a:rPr lang="de-DE" sz="2000" dirty="0"/>
-              <a:t>Able </a:t>
-            </a:r>
-            <a:r>
-              <a:rPr lang="de-DE" sz="2000" dirty="0" err="1"/>
-              <a:t>to</a:t>
-            </a:r>
-            <a:r>
-              <a:rPr lang="de-DE" sz="2000" dirty="0"/>
-              <a:t> </a:t>
-            </a:r>
-            <a:r>
-              <a:rPr lang="de-DE" sz="2000" dirty="0" err="1"/>
-              <a:t>be</a:t>
-            </a:r>
-            <a:r>
-              <a:rPr lang="de-DE" sz="2000" dirty="0"/>
-              <a:t> </a:t>
-            </a:r>
-            <a:r>
-              <a:rPr lang="de-DE" sz="2000" dirty="0" err="1"/>
-              <a:t>fine-tuned</a:t>
-            </a:r>
-            <a:r>
-              <a:rPr lang="de-DE" sz="2000" dirty="0"/>
-              <a:t> on </a:t>
-            </a:r>
-            <a:r>
-              <a:rPr lang="de-DE" sz="2000" dirty="0" err="1"/>
-              <a:t>custom</a:t>
-            </a:r>
-            <a:r>
-              <a:rPr lang="de-DE" sz="2000" dirty="0"/>
-              <a:t> </a:t>
-            </a:r>
-            <a:r>
-              <a:rPr lang="de-DE" sz="2000" dirty="0" err="1"/>
-              <a:t>datasets</a:t>
-            </a:r>
-            <a:endParaRPr lang="de-DE" sz="2000" dirty="0"/>
+              <a:rPr lang="en-US" sz="2000" dirty="0"/>
+              <a:t>Can be fine-tuned with user-defined datasets</a:t>
+            </a:r>
           </a:p>
           <a:p>
             <a:pPr marL="285750" indent="-285750">
@@ -13003,62 +13591,9 @@
               <a:buChar char="§"/>
             </a:pPr>
             <a:r>
-              <a:rPr lang="de-DE" sz="2000" dirty="0" err="1"/>
-              <a:t>Inbuilt</a:t>
-            </a:r>
-            <a:r>
-              <a:rPr lang="de-DE" sz="2000" dirty="0"/>
-              <a:t> </a:t>
-            </a:r>
-            <a:r>
-              <a:rPr lang="de-DE" sz="2000" dirty="0" err="1"/>
-              <a:t>image</a:t>
-            </a:r>
-            <a:r>
-              <a:rPr lang="de-DE" sz="2000" dirty="0"/>
-              <a:t> </a:t>
-            </a:r>
-            <a:r>
-              <a:rPr lang="de-DE" sz="2000" dirty="0" err="1"/>
-              <a:t>augmentation</a:t>
-            </a:r>
-            <a:endParaRPr lang="de-DE" sz="2000" dirty="0"/>
-          </a:p>
-          <a:p>
-            <a:pPr marL="285750" indent="-285750">
-              <a:lnSpc>
-                <a:spcPct val="150000"/>
-              </a:lnSpc>
-              <a:buFont typeface="Wingdings" panose="05000000000000000000" pitchFamily="2" charset="2"/>
-              <a:buChar char="§"/>
-            </a:pPr>
-            <a:endParaRPr lang="de-DE" sz="2000" dirty="0"/>
-          </a:p>
-          <a:p>
-            <a:pPr>
-              <a:lnSpc>
-                <a:spcPct val="150000"/>
-              </a:lnSpc>
-            </a:pPr>
-            <a:endParaRPr lang="en-GB" sz="2000" dirty="0"/>
-          </a:p>
-          <a:p>
-            <a:endParaRPr lang="de-DE" sz="2000" dirty="0"/>
-          </a:p>
-          <a:p>
-            <a:endParaRPr lang="de-DE" sz="2000" dirty="0"/>
-          </a:p>
-          <a:p>
-            <a:endParaRPr lang="de-DE" sz="2000" dirty="0"/>
-          </a:p>
-          <a:p>
-            <a:endParaRPr lang="de-DE" sz="2000" dirty="0"/>
-          </a:p>
-          <a:p>
-            <a:pPr marL="285750" indent="-285750">
-              <a:buFont typeface="Wingdings" panose="05000000000000000000" pitchFamily="2" charset="2"/>
-              <a:buChar char="§"/>
-            </a:pPr>
+              <a:rPr lang="en-US" sz="2000" dirty="0"/>
+              <a:t>Built-in image augmentation</a:t>
+            </a:r>
             <a:endParaRPr lang="de-DE" sz="2000" dirty="0"/>
           </a:p>
         </p:txBody>
@@ -13383,7 +13918,7 @@
         <p:spPr>
           <a:xfrm>
             <a:off x="1341119" y="1727636"/>
-            <a:ext cx="10516933" cy="3276282"/>
+            <a:ext cx="10516933" cy="3737946"/>
           </a:xfrm>
           <a:prstGeom prst="rect">
             <a:avLst/>
@@ -13404,74 +13939,9 @@
               <a:buChar char="§"/>
             </a:pPr>
             <a:r>
-              <a:rPr lang="de-DE" sz="2000" dirty="0" err="1"/>
-              <a:t>Of</a:t>
-            </a:r>
-            <a:r>
-              <a:rPr lang="de-DE" sz="2000" dirty="0"/>
-              <a:t> </a:t>
-            </a:r>
-            <a:r>
-              <a:rPr lang="de-DE" sz="2000" dirty="0" err="1"/>
-              <a:t>the</a:t>
-            </a:r>
-            <a:r>
-              <a:rPr lang="de-DE" sz="2000" dirty="0"/>
-              <a:t> 2.470 </a:t>
-            </a:r>
-            <a:r>
-              <a:rPr lang="de-DE" sz="2000" dirty="0" err="1"/>
-              <a:t>images</a:t>
-            </a:r>
-            <a:r>
-              <a:rPr lang="de-DE" sz="2000" dirty="0"/>
-              <a:t>, 2.270 </a:t>
-            </a:r>
-            <a:r>
-              <a:rPr lang="de-DE" sz="2000" dirty="0" err="1"/>
-              <a:t>were</a:t>
-            </a:r>
-            <a:r>
-              <a:rPr lang="de-DE" sz="2000" dirty="0"/>
-              <a:t> </a:t>
-            </a:r>
-            <a:r>
-              <a:rPr lang="de-DE" sz="2000" dirty="0" err="1"/>
-              <a:t>used</a:t>
-            </a:r>
-            <a:r>
-              <a:rPr lang="de-DE" sz="2000" dirty="0"/>
-              <a:t> </a:t>
-            </a:r>
-            <a:r>
-              <a:rPr lang="de-DE" sz="2000" dirty="0" err="1"/>
-              <a:t>for</a:t>
-            </a:r>
-            <a:r>
-              <a:rPr lang="de-DE" sz="2000" dirty="0"/>
-              <a:t> </a:t>
-            </a:r>
-            <a:r>
-              <a:rPr lang="de-DE" sz="2000" dirty="0" err="1"/>
-              <a:t>training</a:t>
-            </a:r>
-            <a:r>
-              <a:rPr lang="de-DE" sz="2000" dirty="0"/>
-              <a:t>, 200 </a:t>
-            </a:r>
-            <a:r>
-              <a:rPr lang="de-DE" sz="2000" dirty="0" err="1"/>
-              <a:t>for</a:t>
-            </a:r>
-            <a:r>
-              <a:rPr lang="de-DE" sz="2000" dirty="0"/>
-              <a:t> </a:t>
-            </a:r>
-            <a:r>
-              <a:rPr lang="de-DE" sz="2000" dirty="0" err="1"/>
-              <a:t>testing</a:t>
-            </a:r>
-            <a:endParaRPr lang="de-DE" sz="2000" dirty="0"/>
+              <a:rPr lang="en-US" sz="2000" dirty="0"/>
+              <a:t>Of the 2,470 images, 2,270 were used for training and 200 for testing</a:t>
+            </a:r>
           </a:p>
           <a:p>
             <a:pPr marL="285750" indent="-285750">
@@ -13482,64 +13952,8 @@
               <a:buChar char="§"/>
             </a:pPr>
             <a:r>
-              <a:rPr lang="de-DE" sz="2000" dirty="0"/>
-              <a:t>265 </a:t>
-            </a:r>
-            <a:r>
-              <a:rPr lang="de-DE" sz="2000" dirty="0" err="1"/>
-              <a:t>images</a:t>
-            </a:r>
-            <a:r>
-              <a:rPr lang="de-DE" sz="2000" dirty="0"/>
-              <a:t> </a:t>
-            </a:r>
-            <a:r>
-              <a:rPr lang="de-DE" sz="2000" dirty="0" err="1"/>
-              <a:t>without</a:t>
-            </a:r>
-            <a:r>
-              <a:rPr lang="de-DE" sz="2000" dirty="0"/>
-              <a:t> </a:t>
-            </a:r>
-            <a:r>
-              <a:rPr lang="de-DE" sz="2000" dirty="0" err="1"/>
-              <a:t>sings</a:t>
-            </a:r>
-            <a:r>
-              <a:rPr lang="de-DE" sz="2000" dirty="0"/>
-              <a:t> </a:t>
-            </a:r>
-            <a:r>
-              <a:rPr lang="de-DE" sz="2000" dirty="0" err="1"/>
-              <a:t>added</a:t>
-            </a:r>
-            <a:r>
-              <a:rPr lang="de-DE" sz="2000" dirty="0"/>
-              <a:t> </a:t>
-            </a:r>
-            <a:r>
-              <a:rPr lang="de-DE" sz="2000" dirty="0" err="1"/>
-              <a:t>to</a:t>
-            </a:r>
-            <a:r>
-              <a:rPr lang="de-DE" sz="2000" dirty="0"/>
-              <a:t> </a:t>
-            </a:r>
-            <a:r>
-              <a:rPr lang="de-DE" sz="2000" dirty="0" err="1"/>
-              <a:t>reduce</a:t>
-            </a:r>
-            <a:r>
-              <a:rPr lang="de-DE" sz="2000" dirty="0"/>
-              <a:t> </a:t>
-            </a:r>
-            <a:r>
-              <a:rPr lang="de-DE" sz="2000" dirty="0" err="1"/>
-              <a:t>False</a:t>
-            </a:r>
-            <a:r>
-              <a:rPr lang="de-DE" sz="2000" dirty="0"/>
-              <a:t> Positives</a:t>
+              <a:rPr lang="en-US" sz="2000" dirty="0"/>
+              <a:t>265 images without sings were added to reduce false positives</a:t>
             </a:r>
           </a:p>
           <a:p>
@@ -13551,58 +13965,9 @@
               <a:buChar char="§"/>
             </a:pPr>
             <a:r>
-              <a:rPr lang="de-DE" sz="2000" dirty="0" err="1"/>
-              <a:t>For</a:t>
-            </a:r>
-            <a:r>
-              <a:rPr lang="de-DE" sz="2000" dirty="0"/>
-              <a:t> </a:t>
-            </a:r>
-            <a:r>
-              <a:rPr lang="de-DE" sz="2000" dirty="0" err="1"/>
-              <a:t>training</a:t>
-            </a:r>
-            <a:r>
-              <a:rPr lang="de-DE" sz="2000" dirty="0"/>
-              <a:t> powerful </a:t>
-            </a:r>
-            <a:r>
-              <a:rPr lang="de-DE" sz="2000" dirty="0" err="1"/>
-              <a:t>hardware</a:t>
-            </a:r>
-            <a:r>
-              <a:rPr lang="de-DE" sz="2000" dirty="0"/>
-              <a:t>, </a:t>
-            </a:r>
-            <a:r>
-              <a:rPr lang="de-DE" sz="2000" dirty="0" err="1"/>
-              <a:t>especially</a:t>
-            </a:r>
-            <a:r>
-              <a:rPr lang="de-DE" sz="2000" dirty="0"/>
-              <a:t> </a:t>
-            </a:r>
-            <a:r>
-              <a:rPr lang="de-DE" sz="2000" dirty="0" err="1"/>
-              <a:t>GPU‘s</a:t>
-            </a:r>
-            <a:r>
-              <a:rPr lang="de-DE" sz="2000" dirty="0"/>
-              <a:t> </a:t>
-            </a:r>
-            <a:r>
-              <a:rPr lang="de-DE" sz="2000" dirty="0" err="1"/>
-              <a:t>are</a:t>
-            </a:r>
-            <a:r>
-              <a:rPr lang="de-DE" sz="2000" dirty="0"/>
-              <a:t> </a:t>
-            </a:r>
-            <a:r>
-              <a:rPr lang="de-DE" sz="2000" dirty="0" err="1"/>
-              <a:t>required</a:t>
-            </a:r>
-            <a:endParaRPr lang="de-DE" sz="2000" dirty="0"/>
+              <a:rPr lang="en-US" sz="2000" dirty="0"/>
+              <a:t>Training requires powerful hardware, especially GPUs</a:t>
+            </a:r>
           </a:p>
           <a:p>
             <a:pPr marL="285750" indent="-285750">
@@ -13613,54 +13978,14 @@
               <a:buChar char="§"/>
             </a:pPr>
             <a:r>
-              <a:rPr lang="de-DE" sz="2000" dirty="0"/>
-              <a:t>Due </a:t>
-            </a:r>
-            <a:r>
-              <a:rPr lang="de-DE" sz="2000" dirty="0" err="1"/>
-              <a:t>to</a:t>
-            </a:r>
-            <a:r>
-              <a:rPr lang="de-DE" sz="2000" dirty="0"/>
-              <a:t> a lack </a:t>
-            </a:r>
-            <a:r>
-              <a:rPr lang="de-DE" sz="2000" dirty="0" err="1"/>
-              <a:t>of</a:t>
-            </a:r>
-            <a:r>
-              <a:rPr lang="de-DE" sz="2000" dirty="0"/>
-              <a:t> powerful </a:t>
-            </a:r>
-            <a:r>
-              <a:rPr lang="de-DE" sz="2000" dirty="0" err="1"/>
-              <a:t>hardware</a:t>
-            </a:r>
-            <a:r>
-              <a:rPr lang="de-DE" sz="2000" dirty="0"/>
-              <a:t>, </a:t>
-            </a:r>
-            <a:r>
-              <a:rPr lang="de-DE" sz="2000" dirty="0" err="1"/>
-              <a:t>training</a:t>
-            </a:r>
-            <a:r>
-              <a:rPr lang="de-DE" sz="2000" dirty="0"/>
-              <a:t> was </a:t>
-            </a:r>
-            <a:r>
-              <a:rPr lang="de-DE" sz="2000" dirty="0" err="1"/>
-              <a:t>done</a:t>
-            </a:r>
-            <a:r>
-              <a:rPr lang="de-DE" sz="2000" dirty="0"/>
-              <a:t> on Google </a:t>
-            </a:r>
-            <a:r>
-              <a:rPr lang="de-DE" sz="2000" dirty="0" err="1"/>
+              <a:rPr lang="en-US" sz="2000" dirty="0"/>
+              <a:t>Due to the lack of powerful hardware, the training was performed on Google </a:t>
+            </a:r>
+            <a:r>
+              <a:rPr lang="en-US" sz="2000" dirty="0" err="1"/>
               <a:t>Colab</a:t>
             </a:r>
-            <a:endParaRPr lang="de-DE" sz="2000" dirty="0"/>
+            <a:endParaRPr lang="en-US" sz="2000" dirty="0"/>
           </a:p>
           <a:p>
             <a:pPr marL="285750" indent="-285750">
@@ -13671,56 +13996,16 @@
               <a:buChar char="§"/>
             </a:pPr>
             <a:r>
-              <a:rPr lang="de-DE" sz="2000" dirty="0"/>
+              <a:rPr lang="en-US" sz="2000" dirty="0"/>
               <a:t>Google </a:t>
             </a:r>
             <a:r>
-              <a:rPr lang="de-DE" sz="2000" dirty="0" err="1"/>
-              <a:t>Colabs</a:t>
-            </a:r>
-            <a:r>
-              <a:rPr lang="de-DE" sz="2000" dirty="0"/>
-              <a:t> </a:t>
-            </a:r>
-            <a:r>
-              <a:rPr lang="de-DE" sz="2000" dirty="0" err="1"/>
-              <a:t>offers</a:t>
-            </a:r>
-            <a:r>
-              <a:rPr lang="de-DE" sz="2000" dirty="0"/>
-              <a:t> a limited </a:t>
-            </a:r>
-            <a:r>
-              <a:rPr lang="de-DE" sz="2000" dirty="0" err="1"/>
-              <a:t>access</a:t>
-            </a:r>
-            <a:r>
-              <a:rPr lang="de-DE" sz="2000" dirty="0"/>
-              <a:t> </a:t>
-            </a:r>
-            <a:r>
-              <a:rPr lang="de-DE" sz="2000" dirty="0" err="1"/>
-              <a:t>to</a:t>
-            </a:r>
-            <a:r>
-              <a:rPr lang="de-DE" sz="2000" dirty="0"/>
-              <a:t> powerful </a:t>
-            </a:r>
-            <a:r>
-              <a:rPr lang="de-DE" sz="2000" dirty="0" err="1"/>
-              <a:t>CPU‘s</a:t>
-            </a:r>
-            <a:r>
-              <a:rPr lang="de-DE" sz="2000" dirty="0"/>
-              <a:t>, </a:t>
-            </a:r>
-            <a:r>
-              <a:rPr lang="de-DE" sz="2000" dirty="0" err="1"/>
-              <a:t>GPU‘s</a:t>
-            </a:r>
-            <a:r>
-              <a:rPr lang="de-DE" sz="2000" dirty="0"/>
-              <a:t> and RAM</a:t>
+              <a:rPr lang="en-US" sz="2000" dirty="0" err="1"/>
+              <a:t>Colab</a:t>
+            </a:r>
+            <a:r>
+              <a:rPr lang="en-US" sz="2000" dirty="0"/>
+              <a:t> provides limited access to powerful CPUs, GPUs, and RAM</a:t>
             </a:r>
           </a:p>
           <a:p>
@@ -13731,7 +14016,7 @@
               <a:buFont typeface="Wingdings" panose="05000000000000000000" pitchFamily="2" charset="2"/>
               <a:buChar char="§"/>
             </a:pPr>
-            <a:endParaRPr lang="de-DE" sz="2000" dirty="0"/>
+            <a:endParaRPr lang="en-US" sz="2000" dirty="0"/>
           </a:p>
           <a:p>
             <a:pPr>
@@ -13740,77 +14025,49 @@
               </a:lnSpc>
             </a:pPr>
             <a:r>
-              <a:rPr lang="de-DE" sz="2000" dirty="0" err="1"/>
-              <a:t>For</a:t>
-            </a:r>
-            <a:r>
-              <a:rPr lang="de-DE" sz="2000" dirty="0"/>
-              <a:t> </a:t>
-            </a:r>
-            <a:r>
-              <a:rPr lang="de-DE" sz="2000" b="1" dirty="0"/>
-              <a:t>100 </a:t>
-            </a:r>
-            <a:r>
-              <a:rPr lang="de-DE" sz="2000" b="1" dirty="0" err="1"/>
-              <a:t>epochs</a:t>
-            </a:r>
-            <a:r>
-              <a:rPr lang="de-DE" sz="2000" dirty="0"/>
+              <a:rPr lang="en-US" sz="2000" dirty="0"/>
+              <a:t>For </a:t>
+            </a:r>
+            <a:r>
+              <a:rPr lang="en-US" sz="2000" b="1" dirty="0"/>
+              <a:t>100 epochs</a:t>
+            </a:r>
+            <a:r>
+              <a:rPr lang="en-US" sz="2000" dirty="0"/>
               <a:t> in </a:t>
             </a:r>
             <a:r>
-              <a:rPr lang="de-DE" sz="2000" b="1" dirty="0"/>
-              <a:t>16 </a:t>
-            </a:r>
-            <a:r>
-              <a:rPr lang="de-DE" sz="2000" b="1" dirty="0" err="1"/>
-              <a:t>batches</a:t>
-            </a:r>
-            <a:r>
-              <a:rPr lang="de-DE" sz="2000" dirty="0"/>
-              <a:t> </a:t>
-            </a:r>
-            <a:r>
-              <a:rPr lang="de-DE" sz="2000" dirty="0" err="1"/>
-              <a:t>the</a:t>
-            </a:r>
-            <a:r>
-              <a:rPr lang="de-DE" sz="2000" dirty="0"/>
-              <a:t> total </a:t>
-            </a:r>
-            <a:r>
-              <a:rPr lang="de-DE" sz="2000" dirty="0" err="1"/>
-              <a:t>run</a:t>
-            </a:r>
-            <a:r>
-              <a:rPr lang="de-DE" sz="2000" dirty="0"/>
-              <a:t> time in Google </a:t>
-            </a:r>
-            <a:r>
-              <a:rPr lang="de-DE" sz="2000" dirty="0" err="1"/>
+              <a:rPr lang="en-US" sz="2000" b="1" dirty="0"/>
+              <a:t>16 batches</a:t>
+            </a:r>
+            <a:r>
+              <a:rPr lang="en-US" sz="2000" dirty="0"/>
+              <a:t>, the total runtime in Google </a:t>
+            </a:r>
+            <a:r>
+              <a:rPr lang="en-US" sz="2000" dirty="0" err="1"/>
               <a:t>Colab</a:t>
             </a:r>
             <a:r>
-              <a:rPr lang="de-DE" sz="2000" dirty="0"/>
-              <a:t> was </a:t>
-            </a:r>
-            <a:r>
-              <a:rPr lang="de-DE" sz="2000" dirty="0" err="1"/>
-              <a:t>about</a:t>
-            </a:r>
-            <a:r>
-              <a:rPr lang="de-DE" sz="2000" dirty="0"/>
-              <a:t> </a:t>
-            </a:r>
-            <a:r>
-              <a:rPr lang="de-DE" sz="2000" b="1" dirty="0"/>
-              <a:t>3.5 </a:t>
-            </a:r>
-            <a:r>
-              <a:rPr lang="de-DE" sz="2000" b="1" dirty="0" err="1"/>
-              <a:t>hours</a:t>
-            </a:r>
+              <a:rPr lang="en-US" sz="2000" dirty="0"/>
+              <a:t> was about </a:t>
+            </a:r>
+            <a:r>
+              <a:rPr lang="en-US" sz="2000" b="1" dirty="0"/>
+              <a:t>3.5 hours</a:t>
+            </a:r>
+            <a:r>
+              <a:rPr lang="en-US" sz="2000" dirty="0"/>
+              <a:t>.</a:t>
+            </a:r>
+            <a:endParaRPr lang="de-DE" sz="2000" dirty="0"/>
+          </a:p>
+          <a:p>
+            <a:pPr>
+              <a:lnSpc>
+                <a:spcPct val="150000"/>
+              </a:lnSpc>
+            </a:pPr>
             <a:endParaRPr lang="de-DE" sz="2000" b="1" dirty="0"/>
           </a:p>
         </p:txBody>

--- a/Application Project.pptx
+++ b/Application Project.pptx
@@ -10224,7 +10224,7 @@
             <a:r>
               <a:rPr lang="de-DE" dirty="0">
                 <a:solidFill>
-                  <a:srgbClr val="002060"/>
+                  <a:srgbClr val="0065AD"/>
                 </a:solidFill>
                 <a:latin typeface="Calibri" panose="020F0502020204030204" pitchFamily="34" charset="0"/>
                 <a:cs typeface="Calibri" panose="020F0502020204030204" pitchFamily="34" charset="0"/>
@@ -10241,7 +10241,7 @@
             <a:r>
               <a:rPr lang="de-DE" dirty="0">
                 <a:solidFill>
-                  <a:srgbClr val="002060"/>
+                  <a:srgbClr val="0065AD"/>
                 </a:solidFill>
                 <a:latin typeface="Calibri" panose="020F0502020204030204" pitchFamily="34" charset="0"/>
                 <a:cs typeface="Calibri" panose="020F0502020204030204" pitchFamily="34" charset="0"/>

--- a/Application Project.pptx
+++ b/Application Project.pptx
@@ -5,7 +5,7 @@
     <p:sldMasterId id="2147483648" r:id="rId1"/>
   </p:sldMasterIdLst>
   <p:notesMasterIdLst>
-    <p:notesMasterId r:id="rId19"/>
+    <p:notesMasterId r:id="rId20"/>
   </p:notesMasterIdLst>
   <p:sldIdLst>
     <p:sldId id="262" r:id="rId2"/>
@@ -15,16 +15,17 @@
     <p:sldId id="492" r:id="rId6"/>
     <p:sldId id="493" r:id="rId7"/>
     <p:sldId id="494" r:id="rId8"/>
-    <p:sldId id="495" r:id="rId9"/>
-    <p:sldId id="497" r:id="rId10"/>
-    <p:sldId id="498" r:id="rId11"/>
-    <p:sldId id="496" r:id="rId12"/>
-    <p:sldId id="499" r:id="rId13"/>
-    <p:sldId id="500" r:id="rId14"/>
-    <p:sldId id="501" r:id="rId15"/>
-    <p:sldId id="482" r:id="rId16"/>
-    <p:sldId id="503" r:id="rId17"/>
-    <p:sldId id="502" r:id="rId18"/>
+    <p:sldId id="504" r:id="rId9"/>
+    <p:sldId id="495" r:id="rId10"/>
+    <p:sldId id="497" r:id="rId11"/>
+    <p:sldId id="498" r:id="rId12"/>
+    <p:sldId id="496" r:id="rId13"/>
+    <p:sldId id="503" r:id="rId14"/>
+    <p:sldId id="499" r:id="rId15"/>
+    <p:sldId id="500" r:id="rId16"/>
+    <p:sldId id="501" r:id="rId17"/>
+    <p:sldId id="482" r:id="rId18"/>
+    <p:sldId id="502" r:id="rId19"/>
   </p:sldIdLst>
   <p:sldSz cx="12192000" cy="6858000"/>
   <p:notesSz cx="6858000" cy="9144000"/>
@@ -228,7 +229,7 @@
           <a:p>
             <a:fld id="{8BC1A4F7-E411-4E3A-BB17-BCB09BEB43A8}" type="datetimeFigureOut">
               <a:rPr lang="de-DE" smtClean="0"/>
-              <a:t>12.06.2023</a:t>
+              <a:t>15.06.2023</a:t>
             </a:fld>
             <a:endParaRPr lang="de-DE"/>
           </a:p>
@@ -653,7 +654,7 @@
     </p:spTree>
     <p:extLst>
       <p:ext uri="{BB962C8B-B14F-4D97-AF65-F5344CB8AC3E}">
-        <p14:creationId xmlns:p14="http://schemas.microsoft.com/office/powerpoint/2010/main" val="1631110912"/>
+        <p14:creationId xmlns:p14="http://schemas.microsoft.com/office/powerpoint/2010/main" val="705350043"/>
       </p:ext>
     </p:extLst>
   </p:cSld>
@@ -737,7 +738,7 @@
     </p:spTree>
     <p:extLst>
       <p:ext uri="{BB962C8B-B14F-4D97-AF65-F5344CB8AC3E}">
-        <p14:creationId xmlns:p14="http://schemas.microsoft.com/office/powerpoint/2010/main" val="3601757359"/>
+        <p14:creationId xmlns:p14="http://schemas.microsoft.com/office/powerpoint/2010/main" val="1079218137"/>
       </p:ext>
     </p:extLst>
   </p:cSld>
@@ -821,6 +822,174 @@
     </p:spTree>
     <p:extLst>
       <p:ext uri="{BB962C8B-B14F-4D97-AF65-F5344CB8AC3E}">
+        <p14:creationId xmlns:p14="http://schemas.microsoft.com/office/powerpoint/2010/main" val="1631110912"/>
+      </p:ext>
+    </p:extLst>
+  </p:cSld>
+  <p:clrMapOvr>
+    <a:masterClrMapping/>
+  </p:clrMapOvr>
+</p:notes>
+</file>
+
+<file path=ppt/notesSlides/notesSlide13.xml><?xml version="1.0" encoding="utf-8"?>
+<p:notes xmlns:a="http://schemas.openxmlformats.org/drawingml/2006/main" xmlns:r="http://schemas.openxmlformats.org/officeDocument/2006/relationships" xmlns:p="http://schemas.openxmlformats.org/presentationml/2006/main">
+  <p:cSld>
+    <p:spTree>
+      <p:nvGrpSpPr>
+        <p:cNvPr id="1" name=""/>
+        <p:cNvGrpSpPr/>
+        <p:nvPr/>
+      </p:nvGrpSpPr>
+      <p:grpSpPr>
+        <a:xfrm>
+          <a:off x="0" y="0"/>
+          <a:ext cx="0" cy="0"/>
+          <a:chOff x="0" y="0"/>
+          <a:chExt cx="0" cy="0"/>
+        </a:xfrm>
+      </p:grpSpPr>
+      <p:sp>
+        <p:nvSpPr>
+          <p:cNvPr id="2" name="Folienbildplatzhalter 1"/>
+          <p:cNvSpPr>
+            <a:spLocks noGrp="1" noRot="1" noChangeAspect="1"/>
+          </p:cNvSpPr>
+          <p:nvPr>
+            <p:ph type="sldImg"/>
+          </p:nvPr>
+        </p:nvSpPr>
+        <p:spPr/>
+      </p:sp>
+      <p:sp>
+        <p:nvSpPr>
+          <p:cNvPr id="3" name="Notizenplatzhalter 2"/>
+          <p:cNvSpPr>
+            <a:spLocks noGrp="1"/>
+          </p:cNvSpPr>
+          <p:nvPr>
+            <p:ph type="body" idx="1"/>
+          </p:nvPr>
+        </p:nvSpPr>
+        <p:spPr/>
+        <p:txBody>
+          <a:bodyPr/>
+          <a:lstStyle/>
+          <a:p>
+            <a:endParaRPr lang="de-DE" dirty="0"/>
+          </a:p>
+        </p:txBody>
+      </p:sp>
+      <p:sp>
+        <p:nvSpPr>
+          <p:cNvPr id="4" name="Foliennummernplatzhalter 3"/>
+          <p:cNvSpPr>
+            <a:spLocks noGrp="1"/>
+          </p:cNvSpPr>
+          <p:nvPr>
+            <p:ph type="sldNum" sz="quarter" idx="5"/>
+          </p:nvPr>
+        </p:nvSpPr>
+        <p:spPr/>
+        <p:txBody>
+          <a:bodyPr/>
+          <a:lstStyle/>
+          <a:p>
+            <a:fld id="{D2ADEA85-9902-40D4-846D-8E15795840EE}" type="slidenum">
+              <a:rPr lang="de-DE" smtClean="0"/>
+              <a:t>15</a:t>
+            </a:fld>
+            <a:endParaRPr lang="de-DE"/>
+          </a:p>
+        </p:txBody>
+      </p:sp>
+    </p:spTree>
+    <p:extLst>
+      <p:ext uri="{BB962C8B-B14F-4D97-AF65-F5344CB8AC3E}">
+        <p14:creationId xmlns:p14="http://schemas.microsoft.com/office/powerpoint/2010/main" val="3601757359"/>
+      </p:ext>
+    </p:extLst>
+  </p:cSld>
+  <p:clrMapOvr>
+    <a:masterClrMapping/>
+  </p:clrMapOvr>
+</p:notes>
+</file>
+
+<file path=ppt/notesSlides/notesSlide14.xml><?xml version="1.0" encoding="utf-8"?>
+<p:notes xmlns:a="http://schemas.openxmlformats.org/drawingml/2006/main" xmlns:r="http://schemas.openxmlformats.org/officeDocument/2006/relationships" xmlns:p="http://schemas.openxmlformats.org/presentationml/2006/main">
+  <p:cSld>
+    <p:spTree>
+      <p:nvGrpSpPr>
+        <p:cNvPr id="1" name=""/>
+        <p:cNvGrpSpPr/>
+        <p:nvPr/>
+      </p:nvGrpSpPr>
+      <p:grpSpPr>
+        <a:xfrm>
+          <a:off x="0" y="0"/>
+          <a:ext cx="0" cy="0"/>
+          <a:chOff x="0" y="0"/>
+          <a:chExt cx="0" cy="0"/>
+        </a:xfrm>
+      </p:grpSpPr>
+      <p:sp>
+        <p:nvSpPr>
+          <p:cNvPr id="2" name="Folienbildplatzhalter 1"/>
+          <p:cNvSpPr>
+            <a:spLocks noGrp="1" noRot="1" noChangeAspect="1"/>
+          </p:cNvSpPr>
+          <p:nvPr>
+            <p:ph type="sldImg"/>
+          </p:nvPr>
+        </p:nvSpPr>
+        <p:spPr/>
+      </p:sp>
+      <p:sp>
+        <p:nvSpPr>
+          <p:cNvPr id="3" name="Notizenplatzhalter 2"/>
+          <p:cNvSpPr>
+            <a:spLocks noGrp="1"/>
+          </p:cNvSpPr>
+          <p:nvPr>
+            <p:ph type="body" idx="1"/>
+          </p:nvPr>
+        </p:nvSpPr>
+        <p:spPr/>
+        <p:txBody>
+          <a:bodyPr/>
+          <a:lstStyle/>
+          <a:p>
+            <a:endParaRPr lang="de-DE" dirty="0"/>
+          </a:p>
+        </p:txBody>
+      </p:sp>
+      <p:sp>
+        <p:nvSpPr>
+          <p:cNvPr id="4" name="Foliennummernplatzhalter 3"/>
+          <p:cNvSpPr>
+            <a:spLocks noGrp="1"/>
+          </p:cNvSpPr>
+          <p:nvPr>
+            <p:ph type="sldNum" sz="quarter" idx="5"/>
+          </p:nvPr>
+        </p:nvSpPr>
+        <p:spPr/>
+        <p:txBody>
+          <a:bodyPr/>
+          <a:lstStyle/>
+          <a:p>
+            <a:fld id="{D2ADEA85-9902-40D4-846D-8E15795840EE}" type="slidenum">
+              <a:rPr lang="de-DE" smtClean="0"/>
+              <a:t>16</a:t>
+            </a:fld>
+            <a:endParaRPr lang="de-DE"/>
+          </a:p>
+        </p:txBody>
+      </p:sp>
+    </p:spTree>
+    <p:extLst>
+      <p:ext uri="{BB962C8B-B14F-4D97-AF65-F5344CB8AC3E}">
         <p14:creationId xmlns:p14="http://schemas.microsoft.com/office/powerpoint/2010/main" val="3270571132"/>
       </p:ext>
     </p:extLst>
@@ -831,7 +1000,7 @@
 </p:notes>
 </file>
 
-<file path=ppt/notesSlides/notesSlide13.xml><?xml version="1.0" encoding="utf-8"?>
+<file path=ppt/notesSlides/notesSlide15.xml><?xml version="1.0" encoding="utf-8"?>
 <p:notes xmlns:a="http://schemas.openxmlformats.org/drawingml/2006/main" xmlns:r="http://schemas.openxmlformats.org/officeDocument/2006/relationships" xmlns:p="http://schemas.openxmlformats.org/presentationml/2006/main" showMasterSp="0" showMasterPhAnim="0">
   <p:cSld>
     <p:spTree>
@@ -990,7 +1159,7 @@
                 </a:spcAft>
                 <a:buNone/>
               </a:pPr>
-              <a:t>15</a:t>
+              <a:t>17</a:t>
             </a:fld>
             <a:endParaRPr/>
           </a:p>
@@ -1009,7 +1178,7 @@
 </p:notes>
 </file>
 
-<file path=ppt/notesSlides/notesSlide14.xml><?xml version="1.0" encoding="utf-8"?>
+<file path=ppt/notesSlides/notesSlide16.xml><?xml version="1.0" encoding="utf-8"?>
 <p:notes xmlns:a="http://schemas.openxmlformats.org/drawingml/2006/main" xmlns:r="http://schemas.openxmlformats.org/officeDocument/2006/relationships" xmlns:p="http://schemas.openxmlformats.org/presentationml/2006/main">
   <p:cSld>
     <p:spTree>
@@ -1074,91 +1243,7 @@
           <a:p>
             <a:fld id="{D2ADEA85-9902-40D4-846D-8E15795840EE}" type="slidenum">
               <a:rPr lang="de-DE" smtClean="0"/>
-              <a:t>16</a:t>
-            </a:fld>
-            <a:endParaRPr lang="de-DE"/>
-          </a:p>
-        </p:txBody>
-      </p:sp>
-    </p:spTree>
-    <p:extLst>
-      <p:ext uri="{BB962C8B-B14F-4D97-AF65-F5344CB8AC3E}">
-        <p14:creationId xmlns:p14="http://schemas.microsoft.com/office/powerpoint/2010/main" val="3393867505"/>
-      </p:ext>
-    </p:extLst>
-  </p:cSld>
-  <p:clrMapOvr>
-    <a:masterClrMapping/>
-  </p:clrMapOvr>
-</p:notes>
-</file>
-
-<file path=ppt/notesSlides/notesSlide15.xml><?xml version="1.0" encoding="utf-8"?>
-<p:notes xmlns:a="http://schemas.openxmlformats.org/drawingml/2006/main" xmlns:r="http://schemas.openxmlformats.org/officeDocument/2006/relationships" xmlns:p="http://schemas.openxmlformats.org/presentationml/2006/main">
-  <p:cSld>
-    <p:spTree>
-      <p:nvGrpSpPr>
-        <p:cNvPr id="1" name=""/>
-        <p:cNvGrpSpPr/>
-        <p:nvPr/>
-      </p:nvGrpSpPr>
-      <p:grpSpPr>
-        <a:xfrm>
-          <a:off x="0" y="0"/>
-          <a:ext cx="0" cy="0"/>
-          <a:chOff x="0" y="0"/>
-          <a:chExt cx="0" cy="0"/>
-        </a:xfrm>
-      </p:grpSpPr>
-      <p:sp>
-        <p:nvSpPr>
-          <p:cNvPr id="2" name="Folienbildplatzhalter 1"/>
-          <p:cNvSpPr>
-            <a:spLocks noGrp="1" noRot="1" noChangeAspect="1"/>
-          </p:cNvSpPr>
-          <p:nvPr>
-            <p:ph type="sldImg"/>
-          </p:nvPr>
-        </p:nvSpPr>
-        <p:spPr/>
-      </p:sp>
-      <p:sp>
-        <p:nvSpPr>
-          <p:cNvPr id="3" name="Notizenplatzhalter 2"/>
-          <p:cNvSpPr>
-            <a:spLocks noGrp="1"/>
-          </p:cNvSpPr>
-          <p:nvPr>
-            <p:ph type="body" idx="1"/>
-          </p:nvPr>
-        </p:nvSpPr>
-        <p:spPr/>
-        <p:txBody>
-          <a:bodyPr/>
-          <a:lstStyle/>
-          <a:p>
-            <a:endParaRPr lang="de-DE" dirty="0"/>
-          </a:p>
-        </p:txBody>
-      </p:sp>
-      <p:sp>
-        <p:nvSpPr>
-          <p:cNvPr id="4" name="Foliennummernplatzhalter 3"/>
-          <p:cNvSpPr>
-            <a:spLocks noGrp="1"/>
-          </p:cNvSpPr>
-          <p:nvPr>
-            <p:ph type="sldNum" sz="quarter" idx="5"/>
-          </p:nvPr>
-        </p:nvSpPr>
-        <p:spPr/>
-        <p:txBody>
-          <a:bodyPr/>
-          <a:lstStyle/>
-          <a:p>
-            <a:fld id="{D2ADEA85-9902-40D4-846D-8E15795840EE}" type="slidenum">
-              <a:rPr lang="de-DE" smtClean="0"/>
-              <a:t>17</a:t>
+              <a:t>18</a:t>
             </a:fld>
             <a:endParaRPr lang="de-DE"/>
           </a:p>
@@ -1587,7 +1672,7 @@
     </p:spTree>
     <p:extLst>
       <p:ext uri="{BB962C8B-B14F-4D97-AF65-F5344CB8AC3E}">
-        <p14:creationId xmlns:p14="http://schemas.microsoft.com/office/powerpoint/2010/main" val="2576397041"/>
+        <p14:creationId xmlns:p14="http://schemas.microsoft.com/office/powerpoint/2010/main" val="1952204281"/>
       </p:ext>
     </p:extLst>
   </p:cSld>
@@ -1671,7 +1756,7 @@
     </p:spTree>
     <p:extLst>
       <p:ext uri="{BB962C8B-B14F-4D97-AF65-F5344CB8AC3E}">
-        <p14:creationId xmlns:p14="http://schemas.microsoft.com/office/powerpoint/2010/main" val="2523041986"/>
+        <p14:creationId xmlns:p14="http://schemas.microsoft.com/office/powerpoint/2010/main" val="2576397041"/>
       </p:ext>
     </p:extLst>
   </p:cSld>
@@ -1755,7 +1840,7 @@
     </p:spTree>
     <p:extLst>
       <p:ext uri="{BB962C8B-B14F-4D97-AF65-F5344CB8AC3E}">
-        <p14:creationId xmlns:p14="http://schemas.microsoft.com/office/powerpoint/2010/main" val="1930100936"/>
+        <p14:creationId xmlns:p14="http://schemas.microsoft.com/office/powerpoint/2010/main" val="2523041986"/>
       </p:ext>
     </p:extLst>
   </p:cSld>
@@ -1839,7 +1924,7 @@
     </p:spTree>
     <p:extLst>
       <p:ext uri="{BB962C8B-B14F-4D97-AF65-F5344CB8AC3E}">
-        <p14:creationId xmlns:p14="http://schemas.microsoft.com/office/powerpoint/2010/main" val="705350043"/>
+        <p14:creationId xmlns:p14="http://schemas.microsoft.com/office/powerpoint/2010/main" val="1930100936"/>
       </p:ext>
     </p:extLst>
   </p:cSld>
@@ -2179,7 +2264,7 @@
             <a:fld id="{9F1D65E0-27A0-4601-B674-F007199D261F}" type="datetime1">
               <a:rPr lang="de-DE" smtClean="0"/>
               <a:pPr/>
-              <a:t>12.06.2023</a:t>
+              <a:t>15.06.2023</a:t>
             </a:fld>
             <a:endParaRPr lang="en-US" dirty="0"/>
           </a:p>
@@ -2437,7 +2522,7 @@
             <a:fld id="{9F1D65E0-27A0-4601-B674-F007199D261F}" type="datetime1">
               <a:rPr lang="de-DE" smtClean="0"/>
               <a:pPr/>
-              <a:t>12.06.2023</a:t>
+              <a:t>15.06.2023</a:t>
             </a:fld>
             <a:endParaRPr lang="en-US" dirty="0"/>
           </a:p>
@@ -2641,7 +2726,7 @@
             <a:fld id="{9F1D65E0-27A0-4601-B674-F007199D261F}" type="datetime1">
               <a:rPr lang="de-DE" smtClean="0"/>
               <a:pPr/>
-              <a:t>12.06.2023</a:t>
+              <a:t>15.06.2023</a:t>
             </a:fld>
             <a:endParaRPr lang="en-US" dirty="0"/>
           </a:p>
@@ -2820,7 +2905,7 @@
             <a:fld id="{9F1D65E0-27A0-4601-B674-F007199D261F}" type="datetime1">
               <a:rPr lang="de-DE" smtClean="0"/>
               <a:pPr/>
-              <a:t>12.06.2023</a:t>
+              <a:t>15.06.2023</a:t>
             </a:fld>
             <a:endParaRPr lang="en-US" dirty="0"/>
           </a:p>
@@ -2976,7 +3061,7 @@
             <a:fld id="{9F1D65E0-27A0-4601-B674-F007199D261F}" type="datetime1">
               <a:rPr lang="de-DE" smtClean="0"/>
               <a:pPr/>
-              <a:t>12.06.2023</a:t>
+              <a:t>15.06.2023</a:t>
             </a:fld>
             <a:endParaRPr lang="en-US" dirty="0"/>
           </a:p>
@@ -3394,7 +3479,7 @@
             <a:fld id="{9F1D65E0-27A0-4601-B674-F007199D261F}" type="datetime1">
               <a:rPr lang="de-DE" smtClean="0"/>
               <a:pPr/>
-              <a:t>12.06.2023</a:t>
+              <a:t>15.06.2023</a:t>
             </a:fld>
             <a:endParaRPr lang="en-US" dirty="0"/>
           </a:p>
@@ -3844,7 +3929,7 @@
           <a:p>
             <a:fld id="{EB1C7E0A-2531-4E12-BB30-C4D89997ED6D}" type="datetime1">
               <a:rPr lang="de-DE" smtClean="0"/>
-              <a:t>12.06.2023</a:t>
+              <a:t>15.06.2023</a:t>
             </a:fld>
             <a:endParaRPr/>
           </a:p>
@@ -5160,7 +5245,7 @@
             <a:fld id="{9F1D65E0-27A0-4601-B674-F007199D261F}" type="datetime1">
               <a:rPr lang="de-DE" smtClean="0"/>
               <a:pPr/>
-              <a:t>12.06.2023</a:t>
+              <a:t>15.06.2023</a:t>
             </a:fld>
             <a:endParaRPr lang="en-US" dirty="0"/>
           </a:p>
@@ -5989,6 +6074,444 @@
                 <a:buNone/>
               </a:pPr>
               <a:t>10</a:t>
+            </a:fld>
+            <a:endParaRPr lang="de-DE"/>
+          </a:p>
+        </p:txBody>
+      </p:sp>
+      <p:sp>
+        <p:nvSpPr>
+          <p:cNvPr id="5" name="Titel 1">
+            <a:extLst>
+              <a:ext uri="{FF2B5EF4-FFF2-40B4-BE49-F238E27FC236}">
+                <a16:creationId xmlns:a16="http://schemas.microsoft.com/office/drawing/2014/main" id="{0D21EC20-24B7-0575-1D07-6938AD538FE1}"/>
+              </a:ext>
+            </a:extLst>
+          </p:cNvPr>
+          <p:cNvSpPr txBox="1">
+            <a:spLocks/>
+          </p:cNvSpPr>
+          <p:nvPr/>
+        </p:nvSpPr>
+        <p:spPr>
+          <a:xfrm>
+            <a:off x="1341119" y="1090871"/>
+            <a:ext cx="9509760" cy="456276"/>
+          </a:xfrm>
+          <a:prstGeom prst="rect">
+            <a:avLst/>
+          </a:prstGeom>
+          <a:noFill/>
+          <a:ln>
+            <a:noFill/>
+          </a:ln>
+        </p:spPr>
+        <p:txBody>
+          <a:bodyPr spcFirstLastPara="1" vert="horz" wrap="square" lIns="91425" tIns="45700" rIns="91425" bIns="45700" rtlCol="0" anchor="b" anchorCtr="0">
+            <a:normAutofit fontScale="97500"/>
+          </a:bodyPr>
+          <a:lstStyle>
+            <a:lvl1pPr lvl="0" algn="l" defTabSz="914400" rtl="0" eaLnBrk="1" latinLnBrk="0" hangingPunct="1">
+              <a:lnSpc>
+                <a:spcPct val="90000"/>
+              </a:lnSpc>
+              <a:spcBef>
+                <a:spcPts val="0"/>
+              </a:spcBef>
+              <a:spcAft>
+                <a:spcPts val="0"/>
+              </a:spcAft>
+              <a:buClr>
+                <a:srgbClr val="1C243C"/>
+              </a:buClr>
+              <a:buSzPts val="1800"/>
+              <a:buNone/>
+              <a:defRPr sz="3000" kern="1200">
+                <a:solidFill>
+                  <a:schemeClr val="tx1"/>
+                </a:solidFill>
+                <a:latin typeface="+mn-lt"/>
+                <a:ea typeface="+mj-ea"/>
+                <a:cs typeface="+mj-cs"/>
+              </a:defRPr>
+            </a:lvl1pPr>
+            <a:lvl2pPr lvl="1">
+              <a:spcBef>
+                <a:spcPts val="0"/>
+              </a:spcBef>
+              <a:spcAft>
+                <a:spcPts val="0"/>
+              </a:spcAft>
+              <a:buSzPts val="1400"/>
+              <a:buNone/>
+              <a:defRPr/>
+            </a:lvl2pPr>
+            <a:lvl3pPr lvl="2">
+              <a:spcBef>
+                <a:spcPts val="0"/>
+              </a:spcBef>
+              <a:spcAft>
+                <a:spcPts val="0"/>
+              </a:spcAft>
+              <a:buSzPts val="1400"/>
+              <a:buNone/>
+              <a:defRPr/>
+            </a:lvl3pPr>
+            <a:lvl4pPr lvl="3">
+              <a:spcBef>
+                <a:spcPts val="0"/>
+              </a:spcBef>
+              <a:spcAft>
+                <a:spcPts val="0"/>
+              </a:spcAft>
+              <a:buSzPts val="1400"/>
+              <a:buNone/>
+              <a:defRPr/>
+            </a:lvl4pPr>
+            <a:lvl5pPr lvl="4">
+              <a:spcBef>
+                <a:spcPts val="0"/>
+              </a:spcBef>
+              <a:spcAft>
+                <a:spcPts val="0"/>
+              </a:spcAft>
+              <a:buSzPts val="1400"/>
+              <a:buNone/>
+              <a:defRPr/>
+            </a:lvl5pPr>
+            <a:lvl6pPr lvl="5">
+              <a:spcBef>
+                <a:spcPts val="0"/>
+              </a:spcBef>
+              <a:spcAft>
+                <a:spcPts val="0"/>
+              </a:spcAft>
+              <a:buSzPts val="1400"/>
+              <a:buNone/>
+              <a:defRPr/>
+            </a:lvl6pPr>
+            <a:lvl7pPr lvl="6">
+              <a:spcBef>
+                <a:spcPts val="0"/>
+              </a:spcBef>
+              <a:spcAft>
+                <a:spcPts val="0"/>
+              </a:spcAft>
+              <a:buSzPts val="1400"/>
+              <a:buNone/>
+              <a:defRPr/>
+            </a:lvl7pPr>
+            <a:lvl8pPr lvl="7">
+              <a:spcBef>
+                <a:spcPts val="0"/>
+              </a:spcBef>
+              <a:spcAft>
+                <a:spcPts val="0"/>
+              </a:spcAft>
+              <a:buSzPts val="1400"/>
+              <a:buNone/>
+              <a:defRPr/>
+            </a:lvl8pPr>
+            <a:lvl9pPr lvl="8">
+              <a:spcBef>
+                <a:spcPts val="0"/>
+              </a:spcBef>
+              <a:spcAft>
+                <a:spcPts val="0"/>
+              </a:spcAft>
+              <a:buSzPts val="1400"/>
+              <a:buNone/>
+              <a:defRPr/>
+            </a:lvl9pPr>
+          </a:lstStyle>
+          <a:p>
+            <a:r>
+              <a:rPr lang="de-DE" sz="2200" b="1" dirty="0">
+                <a:solidFill>
+                  <a:srgbClr val="2A3262"/>
+                </a:solidFill>
+              </a:rPr>
+              <a:t>Training </a:t>
+            </a:r>
+            <a:r>
+              <a:rPr lang="de-DE" sz="2200" b="1" dirty="0" err="1">
+                <a:solidFill>
+                  <a:srgbClr val="2A3262"/>
+                </a:solidFill>
+              </a:rPr>
+              <a:t>results</a:t>
+            </a:r>
+            <a:endParaRPr lang="de-DE" sz="2200" b="1" dirty="0">
+              <a:solidFill>
+                <a:srgbClr val="2A3262"/>
+              </a:solidFill>
+            </a:endParaRPr>
+          </a:p>
+        </p:txBody>
+      </p:sp>
+      <p:pic>
+        <p:nvPicPr>
+          <p:cNvPr id="6" name="Picture 5">
+            <a:extLst>
+              <a:ext uri="{FF2B5EF4-FFF2-40B4-BE49-F238E27FC236}">
+                <a16:creationId xmlns:a16="http://schemas.microsoft.com/office/drawing/2014/main" id="{F11F301F-A01E-695A-4E34-9E847EA138CB}"/>
+              </a:ext>
+            </a:extLst>
+          </p:cNvPr>
+          <p:cNvPicPr>
+            <a:picLocks noChangeAspect="1"/>
+          </p:cNvPicPr>
+          <p:nvPr/>
+        </p:nvPicPr>
+        <p:blipFill>
+          <a:blip r:embed="rId3" cstate="print">
+            <a:extLst>
+              <a:ext uri="{28A0092B-C50C-407E-A947-70E740481C1C}">
+                <a14:useLocalDpi xmlns:a14="http://schemas.microsoft.com/office/drawing/2010/main" val="0"/>
+              </a:ext>
+            </a:extLst>
+          </a:blip>
+          <a:srcRect/>
+          <a:stretch>
+            <a:fillRect/>
+          </a:stretch>
+        </p:blipFill>
+        <p:spPr bwMode="auto">
+          <a:xfrm>
+            <a:off x="1341119" y="1661447"/>
+            <a:ext cx="7351619" cy="3958438"/>
+          </a:xfrm>
+          <a:prstGeom prst="rect">
+            <a:avLst/>
+          </a:prstGeom>
+          <a:noFill/>
+          <a:ln>
+            <a:noFill/>
+          </a:ln>
+        </p:spPr>
+      </p:pic>
+      <p:sp>
+        <p:nvSpPr>
+          <p:cNvPr id="8" name="TextBox 7">
+            <a:extLst>
+              <a:ext uri="{FF2B5EF4-FFF2-40B4-BE49-F238E27FC236}">
+                <a16:creationId xmlns:a16="http://schemas.microsoft.com/office/drawing/2014/main" id="{C6AD92F2-DF75-C802-EF90-8E85EA91B11A}"/>
+              </a:ext>
+            </a:extLst>
+          </p:cNvPr>
+          <p:cNvSpPr txBox="1"/>
+          <p:nvPr/>
+        </p:nvSpPr>
+        <p:spPr>
+          <a:xfrm>
+            <a:off x="1341119" y="5767129"/>
+            <a:ext cx="9027524" cy="400110"/>
+          </a:xfrm>
+          <a:prstGeom prst="rect">
+            <a:avLst/>
+          </a:prstGeom>
+          <a:noFill/>
+        </p:spPr>
+        <p:txBody>
+          <a:bodyPr wrap="square">
+            <a:spAutoFit/>
+          </a:bodyPr>
+          <a:lstStyle/>
+          <a:p>
+            <a:r>
+              <a:rPr lang="en-US" sz="2000" b="1" dirty="0"/>
+              <a:t>Increasing</a:t>
+            </a:r>
+            <a:r>
+              <a:rPr lang="en-US" sz="2000" dirty="0"/>
+              <a:t> the epochs to 200 </a:t>
+            </a:r>
+            <a:r>
+              <a:rPr lang="en-US" sz="2000" b="1" dirty="0"/>
+              <a:t>did not </a:t>
+            </a:r>
+            <a:r>
+              <a:rPr lang="en-US" sz="2000" dirty="0"/>
+              <a:t>significantly improve the model's performance.</a:t>
+            </a:r>
+          </a:p>
+        </p:txBody>
+      </p:sp>
+      <p:sp>
+        <p:nvSpPr>
+          <p:cNvPr id="4" name="TextBox 3">
+            <a:extLst>
+              <a:ext uri="{FF2B5EF4-FFF2-40B4-BE49-F238E27FC236}">
+                <a16:creationId xmlns:a16="http://schemas.microsoft.com/office/drawing/2014/main" id="{621BDB76-F02E-720A-B2C3-6F656895AAC2}"/>
+              </a:ext>
+            </a:extLst>
+          </p:cNvPr>
+          <p:cNvSpPr txBox="1"/>
+          <p:nvPr/>
+        </p:nvSpPr>
+        <p:spPr>
+          <a:xfrm>
+            <a:off x="8795903" y="4973554"/>
+            <a:ext cx="2169393" cy="646331"/>
+          </a:xfrm>
+          <a:prstGeom prst="rect">
+            <a:avLst/>
+          </a:prstGeom>
+          <a:noFill/>
+        </p:spPr>
+        <p:txBody>
+          <a:bodyPr wrap="square">
+            <a:spAutoFit/>
+          </a:bodyPr>
+          <a:lstStyle/>
+          <a:p>
+            <a:r>
+              <a:rPr lang="en-US" dirty="0"/>
+              <a:t>mAP_0.5 </a:t>
+            </a:r>
+            <a:r>
+              <a:rPr lang="de-DE" dirty="0"/>
+              <a:t>=</a:t>
+            </a:r>
+            <a:r>
+              <a:rPr lang="en-US" dirty="0"/>
+              <a:t> 0.99458</a:t>
+            </a:r>
+          </a:p>
+          <a:p>
+            <a:r>
+              <a:rPr lang="en-US" dirty="0"/>
+              <a:t>mAP_0.95 </a:t>
+            </a:r>
+            <a:r>
+              <a:rPr lang="de-DE" dirty="0"/>
+              <a:t>=</a:t>
+            </a:r>
+            <a:r>
+              <a:rPr lang="en-US" dirty="0"/>
+              <a:t> 0.8817</a:t>
+            </a:r>
+          </a:p>
+        </p:txBody>
+      </p:sp>
+    </p:spTree>
+    <p:extLst>
+      <p:ext uri="{BB962C8B-B14F-4D97-AF65-F5344CB8AC3E}">
+        <p14:creationId xmlns:p14="http://schemas.microsoft.com/office/powerpoint/2010/main" val="3707222401"/>
+      </p:ext>
+    </p:extLst>
+  </p:cSld>
+  <p:clrMapOvr>
+    <a:masterClrMapping/>
+  </p:clrMapOvr>
+  <mc:AlternateContent xmlns:mc="http://schemas.openxmlformats.org/markup-compatibility/2006" xmlns:p14="http://schemas.microsoft.com/office/powerpoint/2010/main">
+    <mc:Choice Requires="p14">
+      <p:transition spd="med" p14:dur="700">
+        <p:fade/>
+      </p:transition>
+    </mc:Choice>
+    <mc:Fallback xmlns="">
+      <p:transition spd="med">
+        <p:fade/>
+      </p:transition>
+    </mc:Fallback>
+  </mc:AlternateContent>
+</p:sld>
+</file>
+
+<file path=ppt/slides/slide11.xml><?xml version="1.0" encoding="utf-8"?>
+<p:sld xmlns:a="http://schemas.openxmlformats.org/drawingml/2006/main" xmlns:r="http://schemas.openxmlformats.org/officeDocument/2006/relationships" xmlns:p="http://schemas.openxmlformats.org/presentationml/2006/main">
+  <p:cSld>
+    <p:spTree>
+      <p:nvGrpSpPr>
+        <p:cNvPr id="1" name=""/>
+        <p:cNvGrpSpPr/>
+        <p:nvPr/>
+      </p:nvGrpSpPr>
+      <p:grpSpPr>
+        <a:xfrm>
+          <a:off x="0" y="0"/>
+          <a:ext cx="0" cy="0"/>
+          <a:chOff x="0" y="0"/>
+          <a:chExt cx="0" cy="0"/>
+        </a:xfrm>
+      </p:grpSpPr>
+      <p:sp>
+        <p:nvSpPr>
+          <p:cNvPr id="2" name="Titel 1">
+            <a:extLst>
+              <a:ext uri="{FF2B5EF4-FFF2-40B4-BE49-F238E27FC236}">
+                <a16:creationId xmlns:a16="http://schemas.microsoft.com/office/drawing/2014/main" id="{F6983D08-415F-7A06-7665-150AC007B674}"/>
+              </a:ext>
+            </a:extLst>
+          </p:cNvPr>
+          <p:cNvSpPr>
+            <a:spLocks noGrp="1"/>
+          </p:cNvSpPr>
+          <p:nvPr>
+            <p:ph type="title"/>
+          </p:nvPr>
+        </p:nvSpPr>
+        <p:spPr/>
+        <p:txBody>
+          <a:bodyPr>
+            <a:normAutofit fontScale="90000"/>
+          </a:bodyPr>
+          <a:lstStyle/>
+          <a:p>
+            <a:r>
+              <a:rPr lang="en-GB" b="1" dirty="0">
+                <a:solidFill>
+                  <a:srgbClr val="2A3262"/>
+                </a:solidFill>
+              </a:rPr>
+              <a:t>The model</a:t>
+            </a:r>
+          </a:p>
+        </p:txBody>
+      </p:sp>
+      <p:sp>
+        <p:nvSpPr>
+          <p:cNvPr id="3" name="Foliennummernplatzhalter 2">
+            <a:extLst>
+              <a:ext uri="{FF2B5EF4-FFF2-40B4-BE49-F238E27FC236}">
+                <a16:creationId xmlns:a16="http://schemas.microsoft.com/office/drawing/2014/main" id="{3E5A45B9-30FC-F616-5ADF-9AAD1F6228F5}"/>
+              </a:ext>
+            </a:extLst>
+          </p:cNvPr>
+          <p:cNvSpPr>
+            <a:spLocks noGrp="1"/>
+          </p:cNvSpPr>
+          <p:nvPr>
+            <p:ph type="sldNum" idx="12"/>
+          </p:nvPr>
+        </p:nvSpPr>
+        <p:spPr/>
+        <p:txBody>
+          <a:bodyPr/>
+          <a:lstStyle/>
+          <a:p>
+            <a:pPr marL="0" lvl="0" indent="0" algn="r" rtl="0">
+              <a:spcBef>
+                <a:spcPts val="0"/>
+              </a:spcBef>
+              <a:spcAft>
+                <a:spcPts val="0"/>
+              </a:spcAft>
+              <a:buNone/>
+            </a:pPr>
+            <a:fld id="{00000000-1234-1234-1234-123412341234}" type="slidenum">
+              <a:rPr lang="de-DE" smtClean="0"/>
+              <a:pPr marL="0" lvl="0" indent="0" algn="r" rtl="0">
+                <a:spcBef>
+                  <a:spcPts val="0"/>
+                </a:spcBef>
+                <a:spcAft>
+                  <a:spcPts val="0"/>
+                </a:spcAft>
+                <a:buNone/>
+              </a:pPr>
+              <a:t>11</a:t>
             </a:fld>
             <a:endParaRPr lang="de-DE"/>
           </a:p>
@@ -8606,7 +9129,7 @@
 </p:sld>
 </file>
 
-<file path=ppt/slides/slide11.xml><?xml version="1.0" encoding="utf-8"?>
+<file path=ppt/slides/slide12.xml><?xml version="1.0" encoding="utf-8"?>
 <p:sld xmlns:a="http://schemas.openxmlformats.org/drawingml/2006/main" xmlns:r="http://schemas.openxmlformats.org/officeDocument/2006/relationships" xmlns:p="http://schemas.openxmlformats.org/presentationml/2006/main">
   <p:cSld>
     <p:spTree>
@@ -8698,7 +9221,7 @@
                 </a:spcAft>
                 <a:buNone/>
               </a:pPr>
-              <a:t>11</a:t>
+              <a:t>12</a:t>
             </a:fld>
             <a:endParaRPr lang="de-DE"/>
           </a:p>
@@ -8968,7 +9491,7 @@
 </p:sld>
 </file>
 
-<file path=ppt/slides/slide12.xml><?xml version="1.0" encoding="utf-8"?>
+<file path=ppt/slides/slide13.xml><?xml version="1.0" encoding="utf-8"?>
 <p:sld xmlns:a="http://schemas.openxmlformats.org/drawingml/2006/main" xmlns:r="http://schemas.openxmlformats.org/officeDocument/2006/relationships" xmlns:p="http://schemas.openxmlformats.org/presentationml/2006/main">
   <p:cSld>
     <p:spTree>
@@ -9014,7 +9537,7 @@
                   <a:srgbClr val="2A3262"/>
                 </a:solidFill>
               </a:rPr>
-              <a:t>The model</a:t>
+              <a:t>The model </a:t>
             </a:r>
           </a:p>
         </p:txBody>
@@ -9060,7 +9583,428 @@
                 </a:spcAft>
                 <a:buNone/>
               </a:pPr>
-              <a:t>12</a:t>
+              <a:t>13</a:t>
+            </a:fld>
+            <a:endParaRPr lang="de-DE"/>
+          </a:p>
+        </p:txBody>
+      </p:sp>
+      <p:sp>
+        <p:nvSpPr>
+          <p:cNvPr id="5" name="Titel 1">
+            <a:extLst>
+              <a:ext uri="{FF2B5EF4-FFF2-40B4-BE49-F238E27FC236}">
+                <a16:creationId xmlns:a16="http://schemas.microsoft.com/office/drawing/2014/main" id="{0D21EC20-24B7-0575-1D07-6938AD538FE1}"/>
+              </a:ext>
+            </a:extLst>
+          </p:cNvPr>
+          <p:cNvSpPr txBox="1">
+            <a:spLocks/>
+          </p:cNvSpPr>
+          <p:nvPr/>
+        </p:nvSpPr>
+        <p:spPr>
+          <a:xfrm>
+            <a:off x="1341119" y="1090871"/>
+            <a:ext cx="9509760" cy="456276"/>
+          </a:xfrm>
+          <a:prstGeom prst="rect">
+            <a:avLst/>
+          </a:prstGeom>
+          <a:noFill/>
+          <a:ln>
+            <a:noFill/>
+          </a:ln>
+        </p:spPr>
+        <p:txBody>
+          <a:bodyPr spcFirstLastPara="1" vert="horz" wrap="square" lIns="91425" tIns="45700" rIns="91425" bIns="45700" rtlCol="0" anchor="b" anchorCtr="0">
+            <a:normAutofit fontScale="97500"/>
+          </a:bodyPr>
+          <a:lstStyle>
+            <a:lvl1pPr lvl="0" algn="l" defTabSz="914400" rtl="0" eaLnBrk="1" latinLnBrk="0" hangingPunct="1">
+              <a:lnSpc>
+                <a:spcPct val="90000"/>
+              </a:lnSpc>
+              <a:spcBef>
+                <a:spcPts val="0"/>
+              </a:spcBef>
+              <a:spcAft>
+                <a:spcPts val="0"/>
+              </a:spcAft>
+              <a:buClr>
+                <a:srgbClr val="1C243C"/>
+              </a:buClr>
+              <a:buSzPts val="1800"/>
+              <a:buNone/>
+              <a:defRPr sz="3000" kern="1200">
+                <a:solidFill>
+                  <a:schemeClr val="tx1"/>
+                </a:solidFill>
+                <a:latin typeface="+mn-lt"/>
+                <a:ea typeface="+mj-ea"/>
+                <a:cs typeface="+mj-cs"/>
+              </a:defRPr>
+            </a:lvl1pPr>
+            <a:lvl2pPr lvl="1">
+              <a:spcBef>
+                <a:spcPts val="0"/>
+              </a:spcBef>
+              <a:spcAft>
+                <a:spcPts val="0"/>
+              </a:spcAft>
+              <a:buSzPts val="1400"/>
+              <a:buNone/>
+              <a:defRPr/>
+            </a:lvl2pPr>
+            <a:lvl3pPr lvl="2">
+              <a:spcBef>
+                <a:spcPts val="0"/>
+              </a:spcBef>
+              <a:spcAft>
+                <a:spcPts val="0"/>
+              </a:spcAft>
+              <a:buSzPts val="1400"/>
+              <a:buNone/>
+              <a:defRPr/>
+            </a:lvl3pPr>
+            <a:lvl4pPr lvl="3">
+              <a:spcBef>
+                <a:spcPts val="0"/>
+              </a:spcBef>
+              <a:spcAft>
+                <a:spcPts val="0"/>
+              </a:spcAft>
+              <a:buSzPts val="1400"/>
+              <a:buNone/>
+              <a:defRPr/>
+            </a:lvl4pPr>
+            <a:lvl5pPr lvl="4">
+              <a:spcBef>
+                <a:spcPts val="0"/>
+              </a:spcBef>
+              <a:spcAft>
+                <a:spcPts val="0"/>
+              </a:spcAft>
+              <a:buSzPts val="1400"/>
+              <a:buNone/>
+              <a:defRPr/>
+            </a:lvl5pPr>
+            <a:lvl6pPr lvl="5">
+              <a:spcBef>
+                <a:spcPts val="0"/>
+              </a:spcBef>
+              <a:spcAft>
+                <a:spcPts val="0"/>
+              </a:spcAft>
+              <a:buSzPts val="1400"/>
+              <a:buNone/>
+              <a:defRPr/>
+            </a:lvl6pPr>
+            <a:lvl7pPr lvl="6">
+              <a:spcBef>
+                <a:spcPts val="0"/>
+              </a:spcBef>
+              <a:spcAft>
+                <a:spcPts val="0"/>
+              </a:spcAft>
+              <a:buSzPts val="1400"/>
+              <a:buNone/>
+              <a:defRPr/>
+            </a:lvl7pPr>
+            <a:lvl8pPr lvl="7">
+              <a:spcBef>
+                <a:spcPts val="0"/>
+              </a:spcBef>
+              <a:spcAft>
+                <a:spcPts val="0"/>
+              </a:spcAft>
+              <a:buSzPts val="1400"/>
+              <a:buNone/>
+              <a:defRPr/>
+            </a:lvl8pPr>
+            <a:lvl9pPr lvl="8">
+              <a:spcBef>
+                <a:spcPts val="0"/>
+              </a:spcBef>
+              <a:spcAft>
+                <a:spcPts val="0"/>
+              </a:spcAft>
+              <a:buSzPts val="1400"/>
+              <a:buNone/>
+              <a:defRPr/>
+            </a:lvl9pPr>
+          </a:lstStyle>
+          <a:p>
+            <a:r>
+              <a:rPr lang="de-DE" sz="2200" b="1" dirty="0">
+                <a:solidFill>
+                  <a:srgbClr val="2A3262"/>
+                </a:solidFill>
+              </a:rPr>
+              <a:t>Test </a:t>
+            </a:r>
+            <a:r>
+              <a:rPr lang="de-DE" sz="2200" b="1" dirty="0" err="1">
+                <a:solidFill>
+                  <a:srgbClr val="2A3262"/>
+                </a:solidFill>
+              </a:rPr>
+              <a:t>results</a:t>
+            </a:r>
+            <a:endParaRPr lang="de-DE" sz="2200" b="1" dirty="0">
+              <a:solidFill>
+                <a:srgbClr val="2A3262"/>
+              </a:solidFill>
+            </a:endParaRPr>
+          </a:p>
+        </p:txBody>
+      </p:sp>
+      <p:pic>
+        <p:nvPicPr>
+          <p:cNvPr id="10" name="Picture 9" descr="A collection of warning signs&#10;&#10;Description automatically generated with low confidence">
+            <a:extLst>
+              <a:ext uri="{FF2B5EF4-FFF2-40B4-BE49-F238E27FC236}">
+                <a16:creationId xmlns:a16="http://schemas.microsoft.com/office/drawing/2014/main" id="{3E1B6E6B-6496-18DD-D0F4-977D58E9127D}"/>
+              </a:ext>
+            </a:extLst>
+          </p:cNvPr>
+          <p:cNvPicPr>
+            <a:picLocks noChangeAspect="1"/>
+          </p:cNvPicPr>
+          <p:nvPr/>
+        </p:nvPicPr>
+        <p:blipFill>
+          <a:blip r:embed="rId3" cstate="print">
+            <a:extLst>
+              <a:ext uri="{28A0092B-C50C-407E-A947-70E740481C1C}">
+                <a14:useLocalDpi xmlns:a14="http://schemas.microsoft.com/office/drawing/2010/main" val="0"/>
+              </a:ext>
+            </a:extLst>
+          </a:blip>
+          <a:stretch>
+            <a:fillRect/>
+          </a:stretch>
+        </p:blipFill>
+        <p:spPr>
+          <a:xfrm>
+            <a:off x="1341119" y="1686676"/>
+            <a:ext cx="8243752" cy="4121875"/>
+          </a:xfrm>
+          <a:prstGeom prst="rect">
+            <a:avLst/>
+          </a:prstGeom>
+        </p:spPr>
+      </p:pic>
+      <p:sp>
+        <p:nvSpPr>
+          <p:cNvPr id="6" name="TextBox 5">
+            <a:extLst>
+              <a:ext uri="{FF2B5EF4-FFF2-40B4-BE49-F238E27FC236}">
+                <a16:creationId xmlns:a16="http://schemas.microsoft.com/office/drawing/2014/main" id="{28B4D6A6-D4CF-CC85-4A52-6AA3FF91E75B}"/>
+              </a:ext>
+            </a:extLst>
+          </p:cNvPr>
+          <p:cNvSpPr txBox="1"/>
+          <p:nvPr/>
+        </p:nvSpPr>
+        <p:spPr>
+          <a:xfrm>
+            <a:off x="1341118" y="5939183"/>
+            <a:ext cx="9447878" cy="369332"/>
+          </a:xfrm>
+          <a:prstGeom prst="rect">
+            <a:avLst/>
+          </a:prstGeom>
+          <a:noFill/>
+        </p:spPr>
+        <p:txBody>
+          <a:bodyPr wrap="square">
+            <a:spAutoFit/>
+          </a:bodyPr>
+          <a:lstStyle/>
+          <a:p>
+            <a:r>
+              <a:rPr lang="en-US" dirty="0">
+                <a:solidFill>
+                  <a:srgbClr val="0065AD"/>
+                </a:solidFill>
+              </a:rPr>
+              <a:t>Very </a:t>
+            </a:r>
+            <a:r>
+              <a:rPr lang="en-US" b="1" dirty="0">
+                <a:solidFill>
+                  <a:srgbClr val="0065AD"/>
+                </a:solidFill>
+              </a:rPr>
+              <a:t>similar signs </a:t>
+            </a:r>
+            <a:r>
+              <a:rPr lang="en-US" dirty="0">
+                <a:solidFill>
+                  <a:srgbClr val="0065AD"/>
+                </a:solidFill>
+              </a:rPr>
+              <a:t>for </a:t>
+            </a:r>
+            <a:r>
+              <a:rPr lang="en-US" b="1" dirty="0">
+                <a:solidFill>
+                  <a:srgbClr val="0065AD"/>
+                </a:solidFill>
+              </a:rPr>
+              <a:t>different classes </a:t>
+            </a:r>
+            <a:r>
+              <a:rPr lang="en-US" dirty="0">
+                <a:solidFill>
+                  <a:srgbClr val="0065AD"/>
+                </a:solidFill>
+              </a:rPr>
+              <a:t>can be an explanation for the </a:t>
+            </a:r>
+            <a:r>
+              <a:rPr lang="en-US" b="1" dirty="0">
+                <a:solidFill>
+                  <a:srgbClr val="0065AD"/>
+                </a:solidFill>
+              </a:rPr>
+              <a:t>underperformance </a:t>
+            </a:r>
+            <a:r>
+              <a:rPr lang="en-US" dirty="0">
+                <a:solidFill>
+                  <a:srgbClr val="0065AD"/>
+                </a:solidFill>
+              </a:rPr>
+              <a:t>of a class.</a:t>
+            </a:r>
+            <a:endParaRPr lang="de-DE" dirty="0">
+              <a:solidFill>
+                <a:srgbClr val="0065AD"/>
+              </a:solidFill>
+            </a:endParaRPr>
+          </a:p>
+        </p:txBody>
+      </p:sp>
+    </p:spTree>
+    <p:extLst>
+      <p:ext uri="{BB962C8B-B14F-4D97-AF65-F5344CB8AC3E}">
+        <p14:creationId xmlns:p14="http://schemas.microsoft.com/office/powerpoint/2010/main" val="3994048906"/>
+      </p:ext>
+    </p:extLst>
+  </p:cSld>
+  <p:clrMapOvr>
+    <a:masterClrMapping/>
+  </p:clrMapOvr>
+  <mc:AlternateContent xmlns:mc="http://schemas.openxmlformats.org/markup-compatibility/2006" xmlns:p14="http://schemas.microsoft.com/office/powerpoint/2010/main">
+    <mc:Choice Requires="p14">
+      <p:transition spd="med" p14:dur="700">
+        <p:fade/>
+      </p:transition>
+    </mc:Choice>
+    <mc:Fallback xmlns="">
+      <p:transition spd="med">
+        <p:fade/>
+      </p:transition>
+    </mc:Fallback>
+  </mc:AlternateContent>
+</p:sld>
+</file>
+
+<file path=ppt/slides/slide14.xml><?xml version="1.0" encoding="utf-8"?>
+<p:sld xmlns:a="http://schemas.openxmlformats.org/drawingml/2006/main" xmlns:r="http://schemas.openxmlformats.org/officeDocument/2006/relationships" xmlns:p="http://schemas.openxmlformats.org/presentationml/2006/main">
+  <p:cSld>
+    <p:spTree>
+      <p:nvGrpSpPr>
+        <p:cNvPr id="1" name=""/>
+        <p:cNvGrpSpPr/>
+        <p:nvPr/>
+      </p:nvGrpSpPr>
+      <p:grpSpPr>
+        <a:xfrm>
+          <a:off x="0" y="0"/>
+          <a:ext cx="0" cy="0"/>
+          <a:chOff x="0" y="0"/>
+          <a:chExt cx="0" cy="0"/>
+        </a:xfrm>
+      </p:grpSpPr>
+      <p:sp>
+        <p:nvSpPr>
+          <p:cNvPr id="2" name="Titel 1">
+            <a:extLst>
+              <a:ext uri="{FF2B5EF4-FFF2-40B4-BE49-F238E27FC236}">
+                <a16:creationId xmlns:a16="http://schemas.microsoft.com/office/drawing/2014/main" id="{F6983D08-415F-7A06-7665-150AC007B674}"/>
+              </a:ext>
+            </a:extLst>
+          </p:cNvPr>
+          <p:cNvSpPr>
+            <a:spLocks noGrp="1"/>
+          </p:cNvSpPr>
+          <p:nvPr>
+            <p:ph type="title"/>
+          </p:nvPr>
+        </p:nvSpPr>
+        <p:spPr/>
+        <p:txBody>
+          <a:bodyPr>
+            <a:normAutofit fontScale="90000"/>
+          </a:bodyPr>
+          <a:lstStyle/>
+          <a:p>
+            <a:r>
+              <a:rPr lang="en-GB" b="1" dirty="0">
+                <a:solidFill>
+                  <a:srgbClr val="2A3262"/>
+                </a:solidFill>
+              </a:rPr>
+              <a:t>The model</a:t>
+            </a:r>
+          </a:p>
+        </p:txBody>
+      </p:sp>
+      <p:sp>
+        <p:nvSpPr>
+          <p:cNvPr id="3" name="Foliennummernplatzhalter 2">
+            <a:extLst>
+              <a:ext uri="{FF2B5EF4-FFF2-40B4-BE49-F238E27FC236}">
+                <a16:creationId xmlns:a16="http://schemas.microsoft.com/office/drawing/2014/main" id="{3E5A45B9-30FC-F616-5ADF-9AAD1F6228F5}"/>
+              </a:ext>
+            </a:extLst>
+          </p:cNvPr>
+          <p:cNvSpPr>
+            <a:spLocks noGrp="1"/>
+          </p:cNvSpPr>
+          <p:nvPr>
+            <p:ph type="sldNum" idx="12"/>
+          </p:nvPr>
+        </p:nvSpPr>
+        <p:spPr/>
+        <p:txBody>
+          <a:bodyPr/>
+          <a:lstStyle/>
+          <a:p>
+            <a:pPr marL="0" lvl="0" indent="0" algn="r" rtl="0">
+              <a:spcBef>
+                <a:spcPts val="0"/>
+              </a:spcBef>
+              <a:spcAft>
+                <a:spcPts val="0"/>
+              </a:spcAft>
+              <a:buNone/>
+            </a:pPr>
+            <a:fld id="{00000000-1234-1234-1234-123412341234}" type="slidenum">
+              <a:rPr lang="de-DE" smtClean="0"/>
+              <a:pPr marL="0" lvl="0" indent="0" algn="r" rtl="0">
+                <a:spcBef>
+                  <a:spcPts val="0"/>
+                </a:spcBef>
+                <a:spcAft>
+                  <a:spcPts val="0"/>
+                </a:spcAft>
+                <a:buNone/>
+              </a:pPr>
+              <a:t>14</a:t>
             </a:fld>
             <a:endParaRPr lang="de-DE"/>
           </a:p>
@@ -9312,7 +10256,7 @@
 </p:sld>
 </file>
 
-<file path=ppt/slides/slide13.xml><?xml version="1.0" encoding="utf-8"?>
+<file path=ppt/slides/slide15.xml><?xml version="1.0" encoding="utf-8"?>
 <p:sld xmlns:a="http://schemas.openxmlformats.org/drawingml/2006/main" xmlns:r="http://schemas.openxmlformats.org/officeDocument/2006/relationships" xmlns:p="http://schemas.openxmlformats.org/presentationml/2006/main">
   <p:cSld>
     <p:spTree>
@@ -9404,7 +10348,7 @@
                 </a:spcAft>
                 <a:buNone/>
               </a:pPr>
-              <a:t>13</a:t>
+              <a:t>15</a:t>
             </a:fld>
             <a:endParaRPr lang="de-DE"/>
           </a:p>
@@ -9737,555 +10681,6 @@
 </p:sld>
 </file>
 
-<file path=ppt/slides/slide14.xml><?xml version="1.0" encoding="utf-8"?>
-<p:sld xmlns:a="http://schemas.openxmlformats.org/drawingml/2006/main" xmlns:r="http://schemas.openxmlformats.org/officeDocument/2006/relationships" xmlns:p="http://schemas.openxmlformats.org/presentationml/2006/main">
-  <p:cSld>
-    <p:spTree>
-      <p:nvGrpSpPr>
-        <p:cNvPr id="1" name=""/>
-        <p:cNvGrpSpPr/>
-        <p:nvPr/>
-      </p:nvGrpSpPr>
-      <p:grpSpPr>
-        <a:xfrm>
-          <a:off x="0" y="0"/>
-          <a:ext cx="0" cy="0"/>
-          <a:chOff x="0" y="0"/>
-          <a:chExt cx="0" cy="0"/>
-        </a:xfrm>
-      </p:grpSpPr>
-      <p:sp>
-        <p:nvSpPr>
-          <p:cNvPr id="2" name="Titel 1">
-            <a:extLst>
-              <a:ext uri="{FF2B5EF4-FFF2-40B4-BE49-F238E27FC236}">
-                <a16:creationId xmlns:a16="http://schemas.microsoft.com/office/drawing/2014/main" id="{F6983D08-415F-7A06-7665-150AC007B674}"/>
-              </a:ext>
-            </a:extLst>
-          </p:cNvPr>
-          <p:cNvSpPr>
-            <a:spLocks noGrp="1"/>
-          </p:cNvSpPr>
-          <p:nvPr>
-            <p:ph type="title"/>
-          </p:nvPr>
-        </p:nvSpPr>
-        <p:spPr/>
-        <p:txBody>
-          <a:bodyPr>
-            <a:noAutofit/>
-          </a:bodyPr>
-          <a:lstStyle/>
-          <a:p>
-            <a:r>
-              <a:rPr lang="en-US" sz="2700" b="1" kern="100" dirty="0">
-                <a:solidFill>
-                  <a:srgbClr val="2A3262"/>
-                </a:solidFill>
-                <a:effectLst/>
-                <a:ea typeface="Times New Roman" panose="02020603050405020304" pitchFamily="18" charset="0"/>
-                <a:cs typeface="Times New Roman" panose="02020603050405020304" pitchFamily="18" charset="0"/>
-              </a:rPr>
-              <a:t>Recommendations and next steps</a:t>
-            </a:r>
-            <a:endParaRPr lang="en-GB" sz="2700" b="1" dirty="0">
-              <a:solidFill>
-                <a:srgbClr val="2A3262"/>
-              </a:solidFill>
-            </a:endParaRPr>
-          </a:p>
-        </p:txBody>
-      </p:sp>
-      <p:sp>
-        <p:nvSpPr>
-          <p:cNvPr id="3" name="Foliennummernplatzhalter 2">
-            <a:extLst>
-              <a:ext uri="{FF2B5EF4-FFF2-40B4-BE49-F238E27FC236}">
-                <a16:creationId xmlns:a16="http://schemas.microsoft.com/office/drawing/2014/main" id="{3E5A45B9-30FC-F616-5ADF-9AAD1F6228F5}"/>
-              </a:ext>
-            </a:extLst>
-          </p:cNvPr>
-          <p:cNvSpPr>
-            <a:spLocks noGrp="1"/>
-          </p:cNvSpPr>
-          <p:nvPr>
-            <p:ph type="sldNum" idx="12"/>
-          </p:nvPr>
-        </p:nvSpPr>
-        <p:spPr/>
-        <p:txBody>
-          <a:bodyPr/>
-          <a:lstStyle/>
-          <a:p>
-            <a:pPr marL="0" lvl="0" indent="0" algn="r" rtl="0">
-              <a:spcBef>
-                <a:spcPts val="0"/>
-              </a:spcBef>
-              <a:spcAft>
-                <a:spcPts val="0"/>
-              </a:spcAft>
-              <a:buNone/>
-            </a:pPr>
-            <a:fld id="{00000000-1234-1234-1234-123412341234}" type="slidenum">
-              <a:rPr lang="de-DE" smtClean="0"/>
-              <a:pPr marL="0" lvl="0" indent="0" algn="r" rtl="0">
-                <a:spcBef>
-                  <a:spcPts val="0"/>
-                </a:spcBef>
-                <a:spcAft>
-                  <a:spcPts val="0"/>
-                </a:spcAft>
-                <a:buNone/>
-              </a:pPr>
-              <a:t>14</a:t>
-            </a:fld>
-            <a:endParaRPr lang="de-DE"/>
-          </a:p>
-        </p:txBody>
-      </p:sp>
-      <p:sp>
-        <p:nvSpPr>
-          <p:cNvPr id="4" name="Textplatzhalter 3">
-            <a:extLst>
-              <a:ext uri="{FF2B5EF4-FFF2-40B4-BE49-F238E27FC236}">
-                <a16:creationId xmlns:a16="http://schemas.microsoft.com/office/drawing/2014/main" id="{5541D599-E559-7C55-0C97-2F3678F2B7B1}"/>
-              </a:ext>
-            </a:extLst>
-          </p:cNvPr>
-          <p:cNvSpPr>
-            <a:spLocks noGrp="1"/>
-          </p:cNvSpPr>
-          <p:nvPr>
-            <p:ph type="body" sz="quarter" idx="14"/>
-          </p:nvPr>
-        </p:nvSpPr>
-        <p:spPr/>
-        <p:txBody>
-          <a:bodyPr/>
-          <a:lstStyle/>
-          <a:p>
-            <a:endParaRPr lang="de-DE"/>
-          </a:p>
-        </p:txBody>
-      </p:sp>
-      <p:sp>
-        <p:nvSpPr>
-          <p:cNvPr id="6" name="Textfeld 6">
-            <a:extLst>
-              <a:ext uri="{FF2B5EF4-FFF2-40B4-BE49-F238E27FC236}">
-                <a16:creationId xmlns:a16="http://schemas.microsoft.com/office/drawing/2014/main" id="{7A218C9C-FCCF-625F-353D-EC5E05428209}"/>
-              </a:ext>
-            </a:extLst>
-          </p:cNvPr>
-          <p:cNvSpPr txBox="1"/>
-          <p:nvPr/>
-        </p:nvSpPr>
-        <p:spPr>
-          <a:xfrm>
-            <a:off x="1341119" y="1276379"/>
-            <a:ext cx="10516933" cy="4272452"/>
-          </a:xfrm>
-          <a:prstGeom prst="rect">
-            <a:avLst/>
-          </a:prstGeom>
-          <a:noFill/>
-        </p:spPr>
-        <p:txBody>
-          <a:bodyPr wrap="square">
-            <a:spAutoFit/>
-          </a:bodyPr>
-          <a:lstStyle/>
-          <a:p>
-            <a:pPr>
-              <a:lnSpc>
-                <a:spcPct val="107000"/>
-              </a:lnSpc>
-              <a:spcAft>
-                <a:spcPts val="800"/>
-              </a:spcAft>
-            </a:pPr>
-            <a:r>
-              <a:rPr lang="en-US" sz="2000" b="1" kern="100" dirty="0">
-                <a:solidFill>
-                  <a:srgbClr val="2A3262"/>
-                </a:solidFill>
-                <a:effectLst/>
-                <a:latin typeface="Calibri" panose="020F0502020204030204" pitchFamily="34" charset="0"/>
-                <a:ea typeface="Calibri" panose="020F0502020204030204" pitchFamily="34" charset="0"/>
-                <a:cs typeface="Times New Roman" panose="02020603050405020304" pitchFamily="18" charset="0"/>
-              </a:rPr>
-              <a:t>The recommendations below are based on the outcome of the project:</a:t>
-            </a:r>
-            <a:endParaRPr lang="de-DE" sz="2000" b="1" kern="100" dirty="0">
-              <a:solidFill>
-                <a:srgbClr val="2A3262"/>
-              </a:solidFill>
-              <a:effectLst/>
-              <a:latin typeface="Calibri" panose="020F0502020204030204" pitchFamily="34" charset="0"/>
-              <a:ea typeface="Calibri" panose="020F0502020204030204" pitchFamily="34" charset="0"/>
-              <a:cs typeface="Times New Roman" panose="02020603050405020304" pitchFamily="18" charset="0"/>
-            </a:endParaRPr>
-          </a:p>
-          <a:p>
-            <a:pPr marL="285750" lvl="0" indent="-285750" algn="just">
-              <a:lnSpc>
-                <a:spcPct val="150000"/>
-              </a:lnSpc>
-              <a:buFont typeface="Wingdings" panose="05000000000000000000" pitchFamily="2" charset="2"/>
-              <a:buChar char="§"/>
-            </a:pPr>
-            <a:r>
-              <a:rPr lang="en-US" sz="2000" kern="100" dirty="0">
-                <a:effectLst/>
-                <a:latin typeface="Calibri" panose="020F0502020204030204" pitchFamily="34" charset="0"/>
-                <a:ea typeface="Calibri" panose="020F0502020204030204" pitchFamily="34" charset="0"/>
-                <a:cs typeface="Times New Roman" panose="02020603050405020304" pitchFamily="18" charset="0"/>
-              </a:rPr>
-              <a:t>Adopt this model for identifying dangerous goods labels on trucks.</a:t>
-            </a:r>
-            <a:endParaRPr lang="de-DE" sz="2000" kern="100" dirty="0">
-              <a:effectLst/>
-              <a:latin typeface="Calibri" panose="020F0502020204030204" pitchFamily="34" charset="0"/>
-              <a:ea typeface="Calibri" panose="020F0502020204030204" pitchFamily="34" charset="0"/>
-              <a:cs typeface="Times New Roman" panose="02020603050405020304" pitchFamily="18" charset="0"/>
-            </a:endParaRPr>
-          </a:p>
-          <a:p>
-            <a:pPr marL="285750" lvl="0" indent="-285750" algn="just">
-              <a:lnSpc>
-                <a:spcPct val="150000"/>
-              </a:lnSpc>
-              <a:buFont typeface="Wingdings" panose="05000000000000000000" pitchFamily="2" charset="2"/>
-              <a:buChar char="§"/>
-            </a:pPr>
-            <a:r>
-              <a:rPr lang="en-US" sz="2000" kern="100" dirty="0">
-                <a:effectLst/>
-                <a:latin typeface="Calibri" panose="020F0502020204030204" pitchFamily="34" charset="0"/>
-                <a:ea typeface="Calibri" panose="020F0502020204030204" pitchFamily="34" charset="0"/>
-                <a:cs typeface="Times New Roman" panose="02020603050405020304" pitchFamily="18" charset="0"/>
-              </a:rPr>
-              <a:t>In the meantime, perform second-level checks when label 2 is detected. This is due to relatively low recall for that class and its misidentification as label 3.</a:t>
-            </a:r>
-            <a:endParaRPr lang="de-DE" sz="2000" kern="100" dirty="0">
-              <a:effectLst/>
-              <a:latin typeface="Calibri" panose="020F0502020204030204" pitchFamily="34" charset="0"/>
-              <a:ea typeface="Calibri" panose="020F0502020204030204" pitchFamily="34" charset="0"/>
-              <a:cs typeface="Times New Roman" panose="02020603050405020304" pitchFamily="18" charset="0"/>
-            </a:endParaRPr>
-          </a:p>
-          <a:p>
-            <a:pPr marL="285750" lvl="0" indent="-285750" algn="just">
-              <a:lnSpc>
-                <a:spcPct val="150000"/>
-              </a:lnSpc>
-              <a:buFont typeface="Wingdings" panose="05000000000000000000" pitchFamily="2" charset="2"/>
-              <a:buChar char="§"/>
-            </a:pPr>
-            <a:r>
-              <a:rPr lang="en-US" sz="2000" kern="100" dirty="0">
-                <a:effectLst/>
-                <a:latin typeface="Calibri" panose="020F0502020204030204" pitchFamily="34" charset="0"/>
-                <a:ea typeface="Calibri" panose="020F0502020204030204" pitchFamily="34" charset="0"/>
-                <a:cs typeface="Times New Roman" panose="02020603050405020304" pitchFamily="18" charset="0"/>
-              </a:rPr>
-              <a:t>Retrain the model, but split label 2 into its constituent sub-labels before training</a:t>
-            </a:r>
-            <a:endParaRPr lang="de-DE" sz="2000" kern="100" dirty="0">
-              <a:effectLst/>
-              <a:latin typeface="Calibri" panose="020F0502020204030204" pitchFamily="34" charset="0"/>
-              <a:ea typeface="Calibri" panose="020F0502020204030204" pitchFamily="34" charset="0"/>
-              <a:cs typeface="Times New Roman" panose="02020603050405020304" pitchFamily="18" charset="0"/>
-            </a:endParaRPr>
-          </a:p>
-          <a:p>
-            <a:pPr marL="285750" lvl="0" indent="-285750" algn="just">
-              <a:lnSpc>
-                <a:spcPct val="150000"/>
-              </a:lnSpc>
-              <a:spcAft>
-                <a:spcPts val="800"/>
-              </a:spcAft>
-              <a:buFont typeface="Wingdings" panose="05000000000000000000" pitchFamily="2" charset="2"/>
-              <a:buChar char="§"/>
-            </a:pPr>
-            <a:r>
-              <a:rPr lang="en-US" sz="2000" kern="100" dirty="0">
-                <a:effectLst/>
-                <a:latin typeface="Calibri" panose="020F0502020204030204" pitchFamily="34" charset="0"/>
-                <a:ea typeface="Calibri" panose="020F0502020204030204" pitchFamily="34" charset="0"/>
-                <a:cs typeface="Times New Roman" panose="02020603050405020304" pitchFamily="18" charset="0"/>
-              </a:rPr>
-              <a:t>Integrate the model with the existing booking data from the LHG logistics system for auto verification</a:t>
-            </a:r>
-            <a:endParaRPr lang="de-DE" sz="2000" kern="100" dirty="0">
-              <a:effectLst/>
-              <a:latin typeface="Calibri" panose="020F0502020204030204" pitchFamily="34" charset="0"/>
-              <a:ea typeface="Calibri" panose="020F0502020204030204" pitchFamily="34" charset="0"/>
-              <a:cs typeface="Times New Roman" panose="02020603050405020304" pitchFamily="18" charset="0"/>
-            </a:endParaRPr>
-          </a:p>
-          <a:p>
-            <a:pPr>
-              <a:lnSpc>
-                <a:spcPct val="150000"/>
-              </a:lnSpc>
-            </a:pPr>
-            <a:endParaRPr lang="de-DE" sz="2000" dirty="0"/>
-          </a:p>
-          <a:p>
-            <a:pPr marL="285750" indent="-285750">
-              <a:lnSpc>
-                <a:spcPct val="150000"/>
-              </a:lnSpc>
-              <a:buFont typeface="Wingdings" panose="05000000000000000000" pitchFamily="2" charset="2"/>
-              <a:buChar char="§"/>
-            </a:pPr>
-            <a:endParaRPr lang="de-DE" sz="2000" dirty="0"/>
-          </a:p>
-        </p:txBody>
-      </p:sp>
-    </p:spTree>
-    <p:extLst>
-      <p:ext uri="{BB962C8B-B14F-4D97-AF65-F5344CB8AC3E}">
-        <p14:creationId xmlns:p14="http://schemas.microsoft.com/office/powerpoint/2010/main" val="2357009341"/>
-      </p:ext>
-    </p:extLst>
-  </p:cSld>
-  <p:clrMapOvr>
-    <a:masterClrMapping/>
-  </p:clrMapOvr>
-  <mc:AlternateContent xmlns:mc="http://schemas.openxmlformats.org/markup-compatibility/2006" xmlns:p14="http://schemas.microsoft.com/office/powerpoint/2010/main">
-    <mc:Choice Requires="p14">
-      <p:transition spd="med" p14:dur="700">
-        <p:fade/>
-      </p:transition>
-    </mc:Choice>
-    <mc:Fallback xmlns="">
-      <p:transition spd="med">
-        <p:fade/>
-      </p:transition>
-    </mc:Fallback>
-  </mc:AlternateContent>
-</p:sld>
-</file>
-
-<file path=ppt/slides/slide15.xml><?xml version="1.0" encoding="utf-8"?>
-<p:sld xmlns:a="http://schemas.openxmlformats.org/drawingml/2006/main" xmlns:r="http://schemas.openxmlformats.org/officeDocument/2006/relationships" xmlns:p="http://schemas.openxmlformats.org/presentationml/2006/main">
-  <p:cSld>
-    <p:spTree>
-      <p:nvGrpSpPr>
-        <p:cNvPr id="1" name="Shape 172"/>
-        <p:cNvGrpSpPr/>
-        <p:nvPr/>
-      </p:nvGrpSpPr>
-      <p:grpSpPr>
-        <a:xfrm>
-          <a:off x="0" y="0"/>
-          <a:ext cx="0" cy="0"/>
-          <a:chOff x="0" y="0"/>
-          <a:chExt cx="0" cy="0"/>
-        </a:xfrm>
-      </p:grpSpPr>
-      <p:sp>
-        <p:nvSpPr>
-          <p:cNvPr id="173" name="Google Shape;173;p7"/>
-          <p:cNvSpPr txBox="1">
-            <a:spLocks noGrp="1"/>
-          </p:cNvSpPr>
-          <p:nvPr>
-            <p:ph type="title"/>
-          </p:nvPr>
-        </p:nvSpPr>
-        <p:spPr>
-          <a:xfrm>
-            <a:off x="1279236" y="467360"/>
-            <a:ext cx="9509760" cy="456276"/>
-          </a:xfrm>
-          <a:prstGeom prst="rect">
-            <a:avLst/>
-          </a:prstGeom>
-          <a:noFill/>
-          <a:ln>
-            <a:noFill/>
-          </a:ln>
-        </p:spPr>
-        <p:txBody>
-          <a:bodyPr spcFirstLastPara="1" wrap="square" lIns="91425" tIns="45700" rIns="91425" bIns="45700" anchor="b" anchorCtr="0">
-            <a:normAutofit fontScale="90000"/>
-          </a:bodyPr>
-          <a:lstStyle/>
-          <a:p>
-            <a:pPr lvl="0"/>
-            <a:r>
-              <a:rPr lang="de-DE" b="1" dirty="0">
-                <a:solidFill>
-                  <a:srgbClr val="2A3262"/>
-                </a:solidFill>
-              </a:rPr>
-              <a:t>Image </a:t>
-            </a:r>
-            <a:r>
-              <a:rPr lang="de-DE" b="1" dirty="0" err="1">
-                <a:solidFill>
-                  <a:srgbClr val="2A3262"/>
-                </a:solidFill>
-              </a:rPr>
-              <a:t>sources</a:t>
-            </a:r>
-            <a:endParaRPr lang="de-DE" b="1" dirty="0">
-              <a:solidFill>
-                <a:srgbClr val="2A3262"/>
-              </a:solidFill>
-            </a:endParaRPr>
-          </a:p>
-        </p:txBody>
-      </p:sp>
-      <p:sp>
-        <p:nvSpPr>
-          <p:cNvPr id="4" name="Foliennummernplatzhalter 3">
-            <a:extLst>
-              <a:ext uri="{FF2B5EF4-FFF2-40B4-BE49-F238E27FC236}">
-                <a16:creationId xmlns:a16="http://schemas.microsoft.com/office/drawing/2014/main" id="{D87299B4-4FC4-4984-80CF-36EE73E7E385}"/>
-              </a:ext>
-            </a:extLst>
-          </p:cNvPr>
-          <p:cNvSpPr>
-            <a:spLocks noGrp="1"/>
-          </p:cNvSpPr>
-          <p:nvPr>
-            <p:ph type="sldNum" idx="12"/>
-          </p:nvPr>
-        </p:nvSpPr>
-        <p:spPr/>
-        <p:txBody>
-          <a:bodyPr/>
-          <a:lstStyle/>
-          <a:p>
-            <a:pPr marL="0" lvl="0" indent="0" algn="r" rtl="0">
-              <a:spcBef>
-                <a:spcPts val="0"/>
-              </a:spcBef>
-              <a:spcAft>
-                <a:spcPts val="0"/>
-              </a:spcAft>
-              <a:buNone/>
-            </a:pPr>
-            <a:fld id="{00000000-1234-1234-1234-123412341234}" type="slidenum">
-              <a:rPr lang="de-DE" smtClean="0"/>
-              <a:pPr marL="0" lvl="0" indent="0" algn="r" rtl="0">
-                <a:spcBef>
-                  <a:spcPts val="0"/>
-                </a:spcBef>
-                <a:spcAft>
-                  <a:spcPts val="0"/>
-                </a:spcAft>
-                <a:buNone/>
-              </a:pPr>
-              <a:t>15</a:t>
-            </a:fld>
-            <a:endParaRPr lang="de-DE"/>
-          </a:p>
-        </p:txBody>
-      </p:sp>
-      <p:sp>
-        <p:nvSpPr>
-          <p:cNvPr id="6" name="Textfeld 5">
-            <a:extLst>
-              <a:ext uri="{FF2B5EF4-FFF2-40B4-BE49-F238E27FC236}">
-                <a16:creationId xmlns:a16="http://schemas.microsoft.com/office/drawing/2014/main" id="{3CBA8D67-3C39-4B14-984B-CA6049DF8737}"/>
-              </a:ext>
-            </a:extLst>
-          </p:cNvPr>
-          <p:cNvSpPr txBox="1"/>
-          <p:nvPr/>
-        </p:nvSpPr>
-        <p:spPr>
-          <a:xfrm>
-            <a:off x="1279236" y="1262507"/>
-            <a:ext cx="10063943" cy="1711366"/>
-          </a:xfrm>
-          <a:prstGeom prst="rect">
-            <a:avLst/>
-          </a:prstGeom>
-          <a:noFill/>
-        </p:spPr>
-        <p:txBody>
-          <a:bodyPr wrap="square">
-            <a:spAutoFit/>
-          </a:bodyPr>
-          <a:lstStyle/>
-          <a:p>
-            <a:pPr>
-              <a:lnSpc>
-                <a:spcPct val="150000"/>
-              </a:lnSpc>
-            </a:pPr>
-            <a:r>
-              <a:rPr lang="de-DE" dirty="0">
-                <a:solidFill>
-                  <a:srgbClr val="0065AD"/>
-                </a:solidFill>
-                <a:latin typeface="Calibri" panose="020F0502020204030204" pitchFamily="34" charset="0"/>
-                <a:cs typeface="Calibri" panose="020F0502020204030204" pitchFamily="34" charset="0"/>
-              </a:rPr>
-              <a:t>(1)https://www.fh-kiel.de/typo3conf/ext/fh_kiel/Resources/Public/Images/News/fachhhochschule-kiel-campus-ecke.jpg</a:t>
-            </a:r>
-          </a:p>
-          <a:p>
-            <a:pPr>
-              <a:lnSpc>
-                <a:spcPct val="150000"/>
-              </a:lnSpc>
-            </a:pPr>
-            <a:r>
-              <a:rPr lang="de-DE" dirty="0">
-                <a:solidFill>
-                  <a:srgbClr val="0065AD"/>
-                </a:solidFill>
-                <a:latin typeface="Calibri" panose="020F0502020204030204" pitchFamily="34" charset="0"/>
-                <a:cs typeface="Calibri" panose="020F0502020204030204" pitchFamily="34" charset="0"/>
-              </a:rPr>
-              <a:t>(2) https://www.lubbers.net/wp-content/uploads/2022/06/ADR.png</a:t>
-            </a:r>
-          </a:p>
-          <a:p>
-            <a:pPr>
-              <a:lnSpc>
-                <a:spcPct val="150000"/>
-              </a:lnSpc>
-            </a:pPr>
-            <a:endParaRPr lang="de-DE" dirty="0">
-              <a:solidFill>
-                <a:srgbClr val="002060"/>
-              </a:solidFill>
-              <a:latin typeface="Calibri" panose="020F0502020204030204" pitchFamily="34" charset="0"/>
-              <a:cs typeface="Calibri" panose="020F0502020204030204" pitchFamily="34" charset="0"/>
-            </a:endParaRPr>
-          </a:p>
-        </p:txBody>
-      </p:sp>
-    </p:spTree>
-    <p:extLst>
-      <p:ext uri="{BB962C8B-B14F-4D97-AF65-F5344CB8AC3E}">
-        <p14:creationId xmlns:p14="http://schemas.microsoft.com/office/powerpoint/2010/main" val="184708300"/>
-      </p:ext>
-    </p:extLst>
-  </p:cSld>
-  <p:clrMapOvr>
-    <a:masterClrMapping/>
-  </p:clrMapOvr>
-  <mc:AlternateContent xmlns:mc="http://schemas.openxmlformats.org/markup-compatibility/2006" xmlns:p14="http://schemas.microsoft.com/office/powerpoint/2010/main">
-    <mc:Choice Requires="p14">
-      <p:transition p14:dur="0"/>
-    </mc:Choice>
-    <mc:Fallback xmlns="">
-      <p:transition/>
-    </mc:Fallback>
-  </mc:AlternateContent>
-</p:sld>
-</file>
-
 <file path=ppt/slides/slide16.xml><?xml version="1.0" encoding="utf-8"?>
 <p:sld xmlns:a="http://schemas.openxmlformats.org/drawingml/2006/main" xmlns:r="http://schemas.openxmlformats.org/officeDocument/2006/relationships" xmlns:p="http://schemas.openxmlformats.org/presentationml/2006/main">
   <p:cSld>
@@ -10322,18 +10717,26 @@
         <p:spPr/>
         <p:txBody>
           <a:bodyPr>
-            <a:normAutofit fontScale="90000"/>
+            <a:noAutofit/>
           </a:bodyPr>
           <a:lstStyle/>
           <a:p>
             <a:r>
-              <a:rPr lang="en-GB" b="1" dirty="0">
+              <a:rPr lang="en-US" sz="2700" b="1" kern="100" dirty="0">
                 <a:solidFill>
                   <a:srgbClr val="2A3262"/>
                 </a:solidFill>
+                <a:effectLst/>
+                <a:ea typeface="Times New Roman" panose="02020603050405020304" pitchFamily="18" charset="0"/>
+                <a:cs typeface="Times New Roman" panose="02020603050405020304" pitchFamily="18" charset="0"/>
               </a:rPr>
-              <a:t>Backup</a:t>
-            </a:r>
+              <a:t>Recommendations and next steps</a:t>
+            </a:r>
+            <a:endParaRPr lang="en-GB" sz="2700" b="1" dirty="0">
+              <a:solidFill>
+                <a:srgbClr val="2A3262"/>
+              </a:solidFill>
+            </a:endParaRPr>
           </a:p>
         </p:txBody>
       </p:sp>
@@ -10386,238 +10789,210 @@
       </p:sp>
       <p:sp>
         <p:nvSpPr>
-          <p:cNvPr id="5" name="Titel 1">
+          <p:cNvPr id="4" name="Textplatzhalter 3">
             <a:extLst>
               <a:ext uri="{FF2B5EF4-FFF2-40B4-BE49-F238E27FC236}">
-                <a16:creationId xmlns:a16="http://schemas.microsoft.com/office/drawing/2014/main" id="{0D21EC20-24B7-0575-1D07-6938AD538FE1}"/>
+                <a16:creationId xmlns:a16="http://schemas.microsoft.com/office/drawing/2014/main" id="{5541D599-E559-7C55-0C97-2F3678F2B7B1}"/>
               </a:ext>
             </a:extLst>
           </p:cNvPr>
-          <p:cNvSpPr txBox="1">
-            <a:spLocks/>
+          <p:cNvSpPr>
+            <a:spLocks noGrp="1"/>
           </p:cNvSpPr>
+          <p:nvPr>
+            <p:ph type="body" sz="quarter" idx="14"/>
+          </p:nvPr>
+        </p:nvSpPr>
+        <p:spPr/>
+        <p:txBody>
+          <a:bodyPr/>
+          <a:lstStyle/>
+          <a:p>
+            <a:endParaRPr lang="de-DE"/>
+          </a:p>
+        </p:txBody>
+      </p:sp>
+      <p:sp>
+        <p:nvSpPr>
+          <p:cNvPr id="6" name="Textfeld 6">
+            <a:extLst>
+              <a:ext uri="{FF2B5EF4-FFF2-40B4-BE49-F238E27FC236}">
+                <a16:creationId xmlns:a16="http://schemas.microsoft.com/office/drawing/2014/main" id="{7A218C9C-FCCF-625F-353D-EC5E05428209}"/>
+              </a:ext>
+            </a:extLst>
+          </p:cNvPr>
+          <p:cNvSpPr txBox="1"/>
           <p:nvPr/>
         </p:nvSpPr>
         <p:spPr>
           <a:xfrm>
-            <a:off x="1341119" y="1090871"/>
-            <a:ext cx="9509760" cy="456276"/>
+            <a:off x="1341119" y="1276379"/>
+            <a:ext cx="10516933" cy="4272452"/>
           </a:xfrm>
           <a:prstGeom prst="rect">
             <a:avLst/>
           </a:prstGeom>
           <a:noFill/>
-          <a:ln>
-            <a:noFill/>
-          </a:ln>
         </p:spPr>
         <p:txBody>
-          <a:bodyPr spcFirstLastPara="1" vert="horz" wrap="square" lIns="91425" tIns="45700" rIns="91425" bIns="45700" rtlCol="0" anchor="b" anchorCtr="0">
-            <a:normAutofit fontScale="97500"/>
+          <a:bodyPr wrap="square">
+            <a:spAutoFit/>
           </a:bodyPr>
-          <a:lstStyle>
-            <a:lvl1pPr lvl="0" algn="l" defTabSz="914400" rtl="0" eaLnBrk="1" latinLnBrk="0" hangingPunct="1">
+          <a:lstStyle/>
+          <a:p>
+            <a:pPr>
               <a:lnSpc>
-                <a:spcPct val="90000"/>
+                <a:spcPct val="107000"/>
               </a:lnSpc>
-              <a:spcBef>
-                <a:spcPts val="0"/>
-              </a:spcBef>
-              <a:spcAft>
-                <a:spcPts val="0"/>
-              </a:spcAft>
-              <a:buClr>
-                <a:srgbClr val="1C243C"/>
-              </a:buClr>
-              <a:buSzPts val="1800"/>
-              <a:buNone/>
-              <a:defRPr sz="3000" kern="1200">
-                <a:solidFill>
-                  <a:schemeClr val="tx1"/>
-                </a:solidFill>
-                <a:latin typeface="+mn-lt"/>
-                <a:ea typeface="+mj-ea"/>
-                <a:cs typeface="+mj-cs"/>
-              </a:defRPr>
-            </a:lvl1pPr>
-            <a:lvl2pPr lvl="1">
-              <a:spcBef>
-                <a:spcPts val="0"/>
-              </a:spcBef>
-              <a:spcAft>
-                <a:spcPts val="0"/>
-              </a:spcAft>
-              <a:buSzPts val="1400"/>
-              <a:buNone/>
-              <a:defRPr/>
-            </a:lvl2pPr>
-            <a:lvl3pPr lvl="2">
-              <a:spcBef>
-                <a:spcPts val="0"/>
-              </a:spcBef>
-              <a:spcAft>
-                <a:spcPts val="0"/>
-              </a:spcAft>
-              <a:buSzPts val="1400"/>
-              <a:buNone/>
-              <a:defRPr/>
-            </a:lvl3pPr>
-            <a:lvl4pPr lvl="3">
-              <a:spcBef>
-                <a:spcPts val="0"/>
-              </a:spcBef>
-              <a:spcAft>
-                <a:spcPts val="0"/>
-              </a:spcAft>
-              <a:buSzPts val="1400"/>
-              <a:buNone/>
-              <a:defRPr/>
-            </a:lvl4pPr>
-            <a:lvl5pPr lvl="4">
-              <a:spcBef>
-                <a:spcPts val="0"/>
-              </a:spcBef>
-              <a:spcAft>
-                <a:spcPts val="0"/>
-              </a:spcAft>
-              <a:buSzPts val="1400"/>
-              <a:buNone/>
-              <a:defRPr/>
-            </a:lvl5pPr>
-            <a:lvl6pPr lvl="5">
-              <a:spcBef>
-                <a:spcPts val="0"/>
-              </a:spcBef>
-              <a:spcAft>
-                <a:spcPts val="0"/>
-              </a:spcAft>
-              <a:buSzPts val="1400"/>
-              <a:buNone/>
-              <a:defRPr/>
-            </a:lvl6pPr>
-            <a:lvl7pPr lvl="6">
-              <a:spcBef>
-                <a:spcPts val="0"/>
-              </a:spcBef>
-              <a:spcAft>
-                <a:spcPts val="0"/>
-              </a:spcAft>
-              <a:buSzPts val="1400"/>
-              <a:buNone/>
-              <a:defRPr/>
-            </a:lvl7pPr>
-            <a:lvl8pPr lvl="7">
-              <a:spcBef>
-                <a:spcPts val="0"/>
-              </a:spcBef>
-              <a:spcAft>
-                <a:spcPts val="0"/>
-              </a:spcAft>
-              <a:buSzPts val="1400"/>
-              <a:buNone/>
-              <a:defRPr/>
-            </a:lvl8pPr>
-            <a:lvl9pPr lvl="8">
-              <a:spcBef>
-                <a:spcPts val="0"/>
-              </a:spcBef>
-              <a:spcAft>
-                <a:spcPts val="0"/>
-              </a:spcAft>
-              <a:buSzPts val="1400"/>
-              <a:buNone/>
-              <a:defRPr/>
-            </a:lvl9pPr>
-          </a:lstStyle>
-          <a:p>
-            <a:r>
-              <a:rPr lang="de-DE" sz="2200" b="1" dirty="0" err="1">
+              <a:spcAft>
+                <a:spcPts val="800"/>
+              </a:spcAft>
+            </a:pPr>
+            <a:r>
+              <a:rPr lang="en-US" sz="2000" b="1" kern="100" dirty="0">
                 <a:solidFill>
                   <a:srgbClr val="2A3262"/>
                 </a:solidFill>
+                <a:effectLst/>
+                <a:latin typeface="Calibri" panose="020F0502020204030204" pitchFamily="34" charset="0"/>
+                <a:ea typeface="Calibri" panose="020F0502020204030204" pitchFamily="34" charset="0"/>
+                <a:cs typeface="Times New Roman" panose="02020603050405020304" pitchFamily="18" charset="0"/>
               </a:rPr>
-              <a:t>Dangerous</a:t>
-            </a:r>
-            <a:r>
-              <a:rPr lang="de-DE" sz="2200" b="1" dirty="0">
-                <a:solidFill>
-                  <a:srgbClr val="2A3262"/>
-                </a:solidFill>
-              </a:rPr>
-              <a:t> </a:t>
-            </a:r>
-            <a:r>
-              <a:rPr lang="de-DE" sz="2200" b="1" dirty="0" err="1">
-                <a:solidFill>
-                  <a:srgbClr val="2A3262"/>
-                </a:solidFill>
-              </a:rPr>
-              <a:t>goods</a:t>
-            </a:r>
-            <a:r>
-              <a:rPr lang="de-DE" sz="2200" b="1" dirty="0">
-                <a:solidFill>
-                  <a:srgbClr val="2A3262"/>
-                </a:solidFill>
-              </a:rPr>
-              <a:t> </a:t>
-            </a:r>
-            <a:r>
-              <a:rPr lang="de-DE" sz="2200" b="1" dirty="0" err="1">
-                <a:solidFill>
-                  <a:srgbClr val="2A3262"/>
-                </a:solidFill>
-              </a:rPr>
-              <a:t>labels</a:t>
-            </a:r>
-            <a:endParaRPr lang="de-DE" sz="2200" b="1" dirty="0">
+              <a:t>The recommendations below are based on the outcome of the project:</a:t>
+            </a:r>
+            <a:endParaRPr lang="de-DE" sz="2000" b="1" kern="100" dirty="0">
               <a:solidFill>
                 <a:srgbClr val="2A3262"/>
               </a:solidFill>
+              <a:effectLst/>
+              <a:latin typeface="Calibri" panose="020F0502020204030204" pitchFamily="34" charset="0"/>
+              <a:ea typeface="Calibri" panose="020F0502020204030204" pitchFamily="34" charset="0"/>
+              <a:cs typeface="Times New Roman" panose="02020603050405020304" pitchFamily="18" charset="0"/>
             </a:endParaRPr>
           </a:p>
+          <a:p>
+            <a:pPr marL="285750" lvl="0" indent="-285750" algn="just">
+              <a:lnSpc>
+                <a:spcPct val="150000"/>
+              </a:lnSpc>
+              <a:buFont typeface="Wingdings" panose="05000000000000000000" pitchFamily="2" charset="2"/>
+              <a:buChar char="§"/>
+            </a:pPr>
+            <a:r>
+              <a:rPr lang="en-US" sz="2000" kern="100" dirty="0">
+                <a:effectLst/>
+                <a:latin typeface="Calibri" panose="020F0502020204030204" pitchFamily="34" charset="0"/>
+                <a:ea typeface="Calibri" panose="020F0502020204030204" pitchFamily="34" charset="0"/>
+                <a:cs typeface="Times New Roman" panose="02020603050405020304" pitchFamily="18" charset="0"/>
+              </a:rPr>
+              <a:t>Adopt this model for identifying dangerous goods labels on trucks.</a:t>
+            </a:r>
+            <a:endParaRPr lang="de-DE" sz="2000" kern="100" dirty="0">
+              <a:effectLst/>
+              <a:latin typeface="Calibri" panose="020F0502020204030204" pitchFamily="34" charset="0"/>
+              <a:ea typeface="Calibri" panose="020F0502020204030204" pitchFamily="34" charset="0"/>
+              <a:cs typeface="Times New Roman" panose="02020603050405020304" pitchFamily="18" charset="0"/>
+            </a:endParaRPr>
+          </a:p>
+          <a:p>
+            <a:pPr marL="285750" lvl="0" indent="-285750" algn="just">
+              <a:lnSpc>
+                <a:spcPct val="150000"/>
+              </a:lnSpc>
+              <a:buFont typeface="Wingdings" panose="05000000000000000000" pitchFamily="2" charset="2"/>
+              <a:buChar char="§"/>
+            </a:pPr>
+            <a:r>
+              <a:rPr lang="en-US" sz="2000" kern="100" dirty="0">
+                <a:effectLst/>
+                <a:latin typeface="Calibri" panose="020F0502020204030204" pitchFamily="34" charset="0"/>
+                <a:ea typeface="Calibri" panose="020F0502020204030204" pitchFamily="34" charset="0"/>
+                <a:cs typeface="Times New Roman" panose="02020603050405020304" pitchFamily="18" charset="0"/>
+              </a:rPr>
+              <a:t>In the meantime, perform second-level checks when label 2 is detected. This is due to relatively low recall for that class and its misidentification as label 3.</a:t>
+            </a:r>
+            <a:endParaRPr lang="de-DE" sz="2000" kern="100" dirty="0">
+              <a:effectLst/>
+              <a:latin typeface="Calibri" panose="020F0502020204030204" pitchFamily="34" charset="0"/>
+              <a:ea typeface="Calibri" panose="020F0502020204030204" pitchFamily="34" charset="0"/>
+              <a:cs typeface="Times New Roman" panose="02020603050405020304" pitchFamily="18" charset="0"/>
+            </a:endParaRPr>
+          </a:p>
+          <a:p>
+            <a:pPr marL="285750" lvl="0" indent="-285750" algn="just">
+              <a:lnSpc>
+                <a:spcPct val="150000"/>
+              </a:lnSpc>
+              <a:buFont typeface="Wingdings" panose="05000000000000000000" pitchFamily="2" charset="2"/>
+              <a:buChar char="§"/>
+            </a:pPr>
+            <a:r>
+              <a:rPr lang="en-US" sz="2000" kern="100" dirty="0">
+                <a:effectLst/>
+                <a:latin typeface="Calibri" panose="020F0502020204030204" pitchFamily="34" charset="0"/>
+                <a:ea typeface="Calibri" panose="020F0502020204030204" pitchFamily="34" charset="0"/>
+                <a:cs typeface="Times New Roman" panose="02020603050405020304" pitchFamily="18" charset="0"/>
+              </a:rPr>
+              <a:t>Retrain the model, but split label 2 into its constituent sub-labels before training</a:t>
+            </a:r>
+            <a:endParaRPr lang="de-DE" sz="2000" kern="100" dirty="0">
+              <a:effectLst/>
+              <a:latin typeface="Calibri" panose="020F0502020204030204" pitchFamily="34" charset="0"/>
+              <a:ea typeface="Calibri" panose="020F0502020204030204" pitchFamily="34" charset="0"/>
+              <a:cs typeface="Times New Roman" panose="02020603050405020304" pitchFamily="18" charset="0"/>
+            </a:endParaRPr>
+          </a:p>
+          <a:p>
+            <a:pPr marL="285750" lvl="0" indent="-285750" algn="just">
+              <a:lnSpc>
+                <a:spcPct val="150000"/>
+              </a:lnSpc>
+              <a:spcAft>
+                <a:spcPts val="800"/>
+              </a:spcAft>
+              <a:buFont typeface="Wingdings" panose="05000000000000000000" pitchFamily="2" charset="2"/>
+              <a:buChar char="§"/>
+            </a:pPr>
+            <a:r>
+              <a:rPr lang="en-US" sz="2000" kern="100" dirty="0">
+                <a:effectLst/>
+                <a:latin typeface="Calibri" panose="020F0502020204030204" pitchFamily="34" charset="0"/>
+                <a:ea typeface="Calibri" panose="020F0502020204030204" pitchFamily="34" charset="0"/>
+                <a:cs typeface="Times New Roman" panose="02020603050405020304" pitchFamily="18" charset="0"/>
+              </a:rPr>
+              <a:t>Integrate the model with the existing booking data from the LHG logistics system for auto verification</a:t>
+            </a:r>
+            <a:endParaRPr lang="de-DE" sz="2000" kern="100" dirty="0">
+              <a:effectLst/>
+              <a:latin typeface="Calibri" panose="020F0502020204030204" pitchFamily="34" charset="0"/>
+              <a:ea typeface="Calibri" panose="020F0502020204030204" pitchFamily="34" charset="0"/>
+              <a:cs typeface="Times New Roman" panose="02020603050405020304" pitchFamily="18" charset="0"/>
+            </a:endParaRPr>
+          </a:p>
+          <a:p>
+            <a:pPr>
+              <a:lnSpc>
+                <a:spcPct val="150000"/>
+              </a:lnSpc>
+            </a:pPr>
+            <a:endParaRPr lang="de-DE" sz="2000" dirty="0"/>
+          </a:p>
+          <a:p>
+            <a:pPr marL="285750" indent="-285750">
+              <a:lnSpc>
+                <a:spcPct val="150000"/>
+              </a:lnSpc>
+              <a:buFont typeface="Wingdings" panose="05000000000000000000" pitchFamily="2" charset="2"/>
+              <a:buChar char="§"/>
+            </a:pPr>
+            <a:endParaRPr lang="de-DE" sz="2000" dirty="0"/>
+          </a:p>
         </p:txBody>
       </p:sp>
-      <p:pic>
-        <p:nvPicPr>
-          <p:cNvPr id="10" name="Picture 9" descr="A collection of warning signs&#10;&#10;Description automatically generated with low confidence">
-            <a:extLst>
-              <a:ext uri="{FF2B5EF4-FFF2-40B4-BE49-F238E27FC236}">
-                <a16:creationId xmlns:a16="http://schemas.microsoft.com/office/drawing/2014/main" id="{3E1B6E6B-6496-18DD-D0F4-977D58E9127D}"/>
-              </a:ext>
-            </a:extLst>
-          </p:cNvPr>
-          <p:cNvPicPr>
-            <a:picLocks noChangeAspect="1"/>
-          </p:cNvPicPr>
-          <p:nvPr/>
-        </p:nvPicPr>
-        <p:blipFill>
-          <a:blip r:embed="rId3" cstate="print">
-            <a:extLst>
-              <a:ext uri="{28A0092B-C50C-407E-A947-70E740481C1C}">
-                <a14:useLocalDpi xmlns:a14="http://schemas.microsoft.com/office/drawing/2010/main" val="0"/>
-              </a:ext>
-            </a:extLst>
-          </a:blip>
-          <a:stretch>
-            <a:fillRect/>
-          </a:stretch>
-        </p:blipFill>
-        <p:spPr>
-          <a:xfrm>
-            <a:off x="1341119" y="1800979"/>
-            <a:ext cx="8741032" cy="4370515"/>
-          </a:xfrm>
-          <a:prstGeom prst="rect">
-            <a:avLst/>
-          </a:prstGeom>
-        </p:spPr>
-      </p:pic>
     </p:spTree>
     <p:extLst>
       <p:ext uri="{BB962C8B-B14F-4D97-AF65-F5344CB8AC3E}">
-        <p14:creationId xmlns:p14="http://schemas.microsoft.com/office/powerpoint/2010/main" val="181177282"/>
+        <p14:creationId xmlns:p14="http://schemas.microsoft.com/office/powerpoint/2010/main" val="2357009341"/>
       </p:ext>
     </p:extLst>
   </p:cSld>
@@ -10644,6 +11019,222 @@
   <p:cSld>
     <p:spTree>
       <p:nvGrpSpPr>
+        <p:cNvPr id="1" name="Shape 172"/>
+        <p:cNvGrpSpPr/>
+        <p:nvPr/>
+      </p:nvGrpSpPr>
+      <p:grpSpPr>
+        <a:xfrm>
+          <a:off x="0" y="0"/>
+          <a:ext cx="0" cy="0"/>
+          <a:chOff x="0" y="0"/>
+          <a:chExt cx="0" cy="0"/>
+        </a:xfrm>
+      </p:grpSpPr>
+      <p:sp>
+        <p:nvSpPr>
+          <p:cNvPr id="173" name="Google Shape;173;p7"/>
+          <p:cNvSpPr txBox="1">
+            <a:spLocks noGrp="1"/>
+          </p:cNvSpPr>
+          <p:nvPr>
+            <p:ph type="title"/>
+          </p:nvPr>
+        </p:nvSpPr>
+        <p:spPr>
+          <a:xfrm>
+            <a:off x="1279236" y="467360"/>
+            <a:ext cx="9509760" cy="456276"/>
+          </a:xfrm>
+          <a:prstGeom prst="rect">
+            <a:avLst/>
+          </a:prstGeom>
+          <a:noFill/>
+          <a:ln>
+            <a:noFill/>
+          </a:ln>
+        </p:spPr>
+        <p:txBody>
+          <a:bodyPr spcFirstLastPara="1" wrap="square" lIns="91425" tIns="45700" rIns="91425" bIns="45700" anchor="b" anchorCtr="0">
+            <a:normAutofit fontScale="90000"/>
+          </a:bodyPr>
+          <a:lstStyle/>
+          <a:p>
+            <a:pPr lvl="0"/>
+            <a:r>
+              <a:rPr lang="de-DE" b="1" dirty="0">
+                <a:solidFill>
+                  <a:srgbClr val="2A3262"/>
+                </a:solidFill>
+              </a:rPr>
+              <a:t>Image </a:t>
+            </a:r>
+            <a:r>
+              <a:rPr lang="de-DE" b="1" dirty="0" err="1">
+                <a:solidFill>
+                  <a:srgbClr val="2A3262"/>
+                </a:solidFill>
+              </a:rPr>
+              <a:t>sources</a:t>
+            </a:r>
+            <a:endParaRPr lang="de-DE" b="1" dirty="0">
+              <a:solidFill>
+                <a:srgbClr val="2A3262"/>
+              </a:solidFill>
+            </a:endParaRPr>
+          </a:p>
+        </p:txBody>
+      </p:sp>
+      <p:sp>
+        <p:nvSpPr>
+          <p:cNvPr id="4" name="Foliennummernplatzhalter 3">
+            <a:extLst>
+              <a:ext uri="{FF2B5EF4-FFF2-40B4-BE49-F238E27FC236}">
+                <a16:creationId xmlns:a16="http://schemas.microsoft.com/office/drawing/2014/main" id="{D87299B4-4FC4-4984-80CF-36EE73E7E385}"/>
+              </a:ext>
+            </a:extLst>
+          </p:cNvPr>
+          <p:cNvSpPr>
+            <a:spLocks noGrp="1"/>
+          </p:cNvSpPr>
+          <p:nvPr>
+            <p:ph type="sldNum" idx="12"/>
+          </p:nvPr>
+        </p:nvSpPr>
+        <p:spPr/>
+        <p:txBody>
+          <a:bodyPr/>
+          <a:lstStyle/>
+          <a:p>
+            <a:pPr marL="0" lvl="0" indent="0" algn="r" rtl="0">
+              <a:spcBef>
+                <a:spcPts val="0"/>
+              </a:spcBef>
+              <a:spcAft>
+                <a:spcPts val="0"/>
+              </a:spcAft>
+              <a:buNone/>
+            </a:pPr>
+            <a:fld id="{00000000-1234-1234-1234-123412341234}" type="slidenum">
+              <a:rPr lang="de-DE" smtClean="0"/>
+              <a:pPr marL="0" lvl="0" indent="0" algn="r" rtl="0">
+                <a:spcBef>
+                  <a:spcPts val="0"/>
+                </a:spcBef>
+                <a:spcAft>
+                  <a:spcPts val="0"/>
+                </a:spcAft>
+                <a:buNone/>
+              </a:pPr>
+              <a:t>17</a:t>
+            </a:fld>
+            <a:endParaRPr lang="de-DE"/>
+          </a:p>
+        </p:txBody>
+      </p:sp>
+      <p:sp>
+        <p:nvSpPr>
+          <p:cNvPr id="6" name="Textfeld 5">
+            <a:extLst>
+              <a:ext uri="{FF2B5EF4-FFF2-40B4-BE49-F238E27FC236}">
+                <a16:creationId xmlns:a16="http://schemas.microsoft.com/office/drawing/2014/main" id="{3CBA8D67-3C39-4B14-984B-CA6049DF8737}"/>
+              </a:ext>
+            </a:extLst>
+          </p:cNvPr>
+          <p:cNvSpPr txBox="1"/>
+          <p:nvPr/>
+        </p:nvSpPr>
+        <p:spPr>
+          <a:xfrm>
+            <a:off x="1279236" y="1262507"/>
+            <a:ext cx="10063943" cy="1711366"/>
+          </a:xfrm>
+          <a:prstGeom prst="rect">
+            <a:avLst/>
+          </a:prstGeom>
+          <a:noFill/>
+        </p:spPr>
+        <p:txBody>
+          <a:bodyPr wrap="square">
+            <a:spAutoFit/>
+          </a:bodyPr>
+          <a:lstStyle/>
+          <a:p>
+            <a:pPr>
+              <a:lnSpc>
+                <a:spcPct val="150000"/>
+              </a:lnSpc>
+            </a:pPr>
+            <a:r>
+              <a:rPr lang="de-DE" dirty="0">
+                <a:solidFill>
+                  <a:srgbClr val="0065AD"/>
+                </a:solidFill>
+                <a:latin typeface="Calibri" panose="020F0502020204030204" pitchFamily="34" charset="0"/>
+                <a:cs typeface="Calibri" panose="020F0502020204030204" pitchFamily="34" charset="0"/>
+              </a:rPr>
+              <a:t>(1)https://www.fh-kiel.de/typo3conf/ext/fh_kiel/Resources/Public/Images/News/fachhhochschule-kiel-campus-ecke.jpg</a:t>
+            </a:r>
+          </a:p>
+          <a:p>
+            <a:pPr>
+              <a:lnSpc>
+                <a:spcPct val="150000"/>
+              </a:lnSpc>
+            </a:pPr>
+            <a:r>
+              <a:rPr lang="de-DE" dirty="0">
+                <a:solidFill>
+                  <a:srgbClr val="0065AD"/>
+                </a:solidFill>
+                <a:latin typeface="Calibri" panose="020F0502020204030204" pitchFamily="34" charset="0"/>
+                <a:cs typeface="Calibri" panose="020F0502020204030204" pitchFamily="34" charset="0"/>
+              </a:rPr>
+              <a:t>(2) https://www.lubbers.net/wp-content/uploads/2022/06/ADR.png</a:t>
+            </a:r>
+          </a:p>
+          <a:p>
+            <a:pPr>
+              <a:lnSpc>
+                <a:spcPct val="150000"/>
+              </a:lnSpc>
+            </a:pPr>
+            <a:endParaRPr lang="de-DE" dirty="0">
+              <a:solidFill>
+                <a:srgbClr val="002060"/>
+              </a:solidFill>
+              <a:latin typeface="Calibri" panose="020F0502020204030204" pitchFamily="34" charset="0"/>
+              <a:cs typeface="Calibri" panose="020F0502020204030204" pitchFamily="34" charset="0"/>
+            </a:endParaRPr>
+          </a:p>
+        </p:txBody>
+      </p:sp>
+    </p:spTree>
+    <p:extLst>
+      <p:ext uri="{BB962C8B-B14F-4D97-AF65-F5344CB8AC3E}">
+        <p14:creationId xmlns:p14="http://schemas.microsoft.com/office/powerpoint/2010/main" val="184708300"/>
+      </p:ext>
+    </p:extLst>
+  </p:cSld>
+  <p:clrMapOvr>
+    <a:masterClrMapping/>
+  </p:clrMapOvr>
+  <mc:AlternateContent xmlns:mc="http://schemas.openxmlformats.org/markup-compatibility/2006" xmlns:p14="http://schemas.microsoft.com/office/powerpoint/2010/main">
+    <mc:Choice Requires="p14">
+      <p:transition p14:dur="0"/>
+    </mc:Choice>
+    <mc:Fallback xmlns="">
+      <p:transition/>
+    </mc:Fallback>
+  </mc:AlternateContent>
+</p:sld>
+</file>
+
+<file path=ppt/slides/slide18.xml><?xml version="1.0" encoding="utf-8"?>
+<p:sld xmlns:a="http://schemas.openxmlformats.org/drawingml/2006/main" xmlns:r="http://schemas.openxmlformats.org/officeDocument/2006/relationships" xmlns:p="http://schemas.openxmlformats.org/presentationml/2006/main">
+  <p:cSld>
+    <p:spTree>
+      <p:nvGrpSpPr>
         <p:cNvPr id="1" name=""/>
         <p:cNvGrpSpPr/>
         <p:nvPr/>
@@ -10731,7 +11322,7 @@
                 </a:spcAft>
                 <a:buNone/>
               </a:pPr>
-              <a:t>17</a:t>
+              <a:t>18</a:t>
             </a:fld>
             <a:endParaRPr lang="de-DE"/>
           </a:p>
@@ -13479,7 +14070,7 @@
         <p:spPr>
           <a:xfrm>
             <a:off x="1341119" y="1727636"/>
-            <a:ext cx="10516933" cy="3737946"/>
+            <a:ext cx="10516933" cy="4661276"/>
           </a:xfrm>
           <a:prstGeom prst="rect">
             <a:avLst/>
@@ -13514,8 +14105,13 @@
             </a:pPr>
             <a:r>
               <a:rPr lang="en-US" sz="2000" dirty="0"/>
-              <a:t>The first model was developed in 2015 by Redmon et al</a:t>
-            </a:r>
+              <a:t>Built on </a:t>
+            </a:r>
+            <a:r>
+              <a:rPr lang="en-US" sz="2000" dirty="0" err="1"/>
+              <a:t>PyTorch</a:t>
+            </a:r>
+            <a:endParaRPr lang="en-US" sz="2000" dirty="0"/>
           </a:p>
           <a:p>
             <a:pPr marL="285750" indent="-285750">
@@ -13566,7 +14162,7 @@
             </a:pPr>
             <a:r>
               <a:rPr lang="en-US" sz="2000" dirty="0"/>
-              <a:t>Pre-trained on COCO dataset</a:t>
+              <a:t>Pre-trained on COCO dataset (330K images, 1.5 million object instances, 80 object categories)</a:t>
             </a:r>
           </a:p>
           <a:p>
@@ -13594,6 +14190,37 @@
               <a:rPr lang="en-US" sz="2000" dirty="0"/>
               <a:t>Built-in image augmentation</a:t>
             </a:r>
+          </a:p>
+          <a:p>
+            <a:pPr marL="285750" indent="-285750">
+              <a:lnSpc>
+                <a:spcPct val="150000"/>
+              </a:lnSpc>
+              <a:buFont typeface="Wingdings" panose="05000000000000000000" pitchFamily="2" charset="2"/>
+              <a:buChar char="§"/>
+            </a:pPr>
+            <a:r>
+              <a:rPr lang="en-US" sz="2000" dirty="0"/>
+              <a:t>GNU </a:t>
+            </a:r>
+            <a:r>
+              <a:rPr lang="en-US" sz="2000" dirty="0" err="1"/>
+              <a:t>Affero</a:t>
+            </a:r>
+            <a:r>
+              <a:rPr lang="en-US" sz="2000" dirty="0"/>
+              <a:t> General Public License v3.0</a:t>
+            </a:r>
+            <a:endParaRPr lang="de-DE" sz="2000" dirty="0"/>
+          </a:p>
+          <a:p>
+            <a:pPr marL="285750" indent="-285750">
+              <a:lnSpc>
+                <a:spcPct val="150000"/>
+              </a:lnSpc>
+              <a:buFont typeface="Wingdings" panose="05000000000000000000" pitchFamily="2" charset="2"/>
+              <a:buChar char="§"/>
+            </a:pPr>
             <a:endParaRPr lang="de-DE" sz="2000" dirty="0"/>
           </a:p>
         </p:txBody>
@@ -13905,175 +14532,6 @@
       </p:sp>
       <p:sp>
         <p:nvSpPr>
-          <p:cNvPr id="7" name="Textfeld 6">
-            <a:extLst>
-              <a:ext uri="{FF2B5EF4-FFF2-40B4-BE49-F238E27FC236}">
-                <a16:creationId xmlns:a16="http://schemas.microsoft.com/office/drawing/2014/main" id="{100180FC-9C0A-B02B-7F48-9F1A1AD9F8AA}"/>
-              </a:ext>
-            </a:extLst>
-          </p:cNvPr>
-          <p:cNvSpPr txBox="1"/>
-          <p:nvPr/>
-        </p:nvSpPr>
-        <p:spPr>
-          <a:xfrm>
-            <a:off x="1341119" y="1727636"/>
-            <a:ext cx="10516933" cy="3737946"/>
-          </a:xfrm>
-          <a:prstGeom prst="rect">
-            <a:avLst/>
-          </a:prstGeom>
-          <a:noFill/>
-        </p:spPr>
-        <p:txBody>
-          <a:bodyPr wrap="square">
-            <a:spAutoFit/>
-          </a:bodyPr>
-          <a:lstStyle/>
-          <a:p>
-            <a:pPr marL="285750" indent="-285750">
-              <a:lnSpc>
-                <a:spcPct val="150000"/>
-              </a:lnSpc>
-              <a:buFont typeface="Wingdings" panose="05000000000000000000" pitchFamily="2" charset="2"/>
-              <a:buChar char="§"/>
-            </a:pPr>
-            <a:r>
-              <a:rPr lang="en-US" sz="2000" dirty="0"/>
-              <a:t>Of the 2,470 images, 2,270 were used for training and 200 for testing</a:t>
-            </a:r>
-          </a:p>
-          <a:p>
-            <a:pPr marL="285750" indent="-285750">
-              <a:lnSpc>
-                <a:spcPct val="150000"/>
-              </a:lnSpc>
-              <a:buFont typeface="Wingdings" panose="05000000000000000000" pitchFamily="2" charset="2"/>
-              <a:buChar char="§"/>
-            </a:pPr>
-            <a:r>
-              <a:rPr lang="en-US" sz="2000" dirty="0"/>
-              <a:t>265 images without sings were added to reduce false positives</a:t>
-            </a:r>
-          </a:p>
-          <a:p>
-            <a:pPr marL="285750" indent="-285750">
-              <a:lnSpc>
-                <a:spcPct val="150000"/>
-              </a:lnSpc>
-              <a:buFont typeface="Wingdings" panose="05000000000000000000" pitchFamily="2" charset="2"/>
-              <a:buChar char="§"/>
-            </a:pPr>
-            <a:r>
-              <a:rPr lang="en-US" sz="2000" dirty="0"/>
-              <a:t>Training requires powerful hardware, especially GPUs</a:t>
-            </a:r>
-          </a:p>
-          <a:p>
-            <a:pPr marL="285750" indent="-285750">
-              <a:lnSpc>
-                <a:spcPct val="150000"/>
-              </a:lnSpc>
-              <a:buFont typeface="Wingdings" panose="05000000000000000000" pitchFamily="2" charset="2"/>
-              <a:buChar char="§"/>
-            </a:pPr>
-            <a:r>
-              <a:rPr lang="en-US" sz="2000" dirty="0"/>
-              <a:t>Due to the lack of powerful hardware, the training was performed on Google </a:t>
-            </a:r>
-            <a:r>
-              <a:rPr lang="en-US" sz="2000" dirty="0" err="1"/>
-              <a:t>Colab</a:t>
-            </a:r>
-            <a:endParaRPr lang="en-US" sz="2000" dirty="0"/>
-          </a:p>
-          <a:p>
-            <a:pPr marL="285750" indent="-285750">
-              <a:lnSpc>
-                <a:spcPct val="150000"/>
-              </a:lnSpc>
-              <a:buFont typeface="Wingdings" panose="05000000000000000000" pitchFamily="2" charset="2"/>
-              <a:buChar char="§"/>
-            </a:pPr>
-            <a:r>
-              <a:rPr lang="en-US" sz="2000" dirty="0"/>
-              <a:t>Google </a:t>
-            </a:r>
-            <a:r>
-              <a:rPr lang="en-US" sz="2000" dirty="0" err="1"/>
-              <a:t>Colab</a:t>
-            </a:r>
-            <a:r>
-              <a:rPr lang="en-US" sz="2000" dirty="0"/>
-              <a:t> provides limited access to powerful CPUs, GPUs, and RAM</a:t>
-            </a:r>
-          </a:p>
-          <a:p>
-            <a:pPr marL="285750" indent="-285750">
-              <a:lnSpc>
-                <a:spcPct val="150000"/>
-              </a:lnSpc>
-              <a:buFont typeface="Wingdings" panose="05000000000000000000" pitchFamily="2" charset="2"/>
-              <a:buChar char="§"/>
-            </a:pPr>
-            <a:endParaRPr lang="en-US" sz="2000" dirty="0"/>
-          </a:p>
-          <a:p>
-            <a:pPr>
-              <a:lnSpc>
-                <a:spcPct val="150000"/>
-              </a:lnSpc>
-            </a:pPr>
-            <a:r>
-              <a:rPr lang="en-US" sz="2000" dirty="0"/>
-              <a:t>For </a:t>
-            </a:r>
-            <a:r>
-              <a:rPr lang="en-US" sz="2000" b="1" dirty="0"/>
-              <a:t>100 epochs</a:t>
-            </a:r>
-            <a:r>
-              <a:rPr lang="en-US" sz="2000" dirty="0"/>
-              <a:t> in </a:t>
-            </a:r>
-            <a:r>
-              <a:rPr lang="en-US" sz="2000" b="1" dirty="0"/>
-              <a:t>16 batches</a:t>
-            </a:r>
-            <a:r>
-              <a:rPr lang="en-US" sz="2000" dirty="0"/>
-              <a:t>, the total runtime in Google </a:t>
-            </a:r>
-            <a:r>
-              <a:rPr lang="en-US" sz="2000" dirty="0" err="1"/>
-              <a:t>Colab</a:t>
-            </a:r>
-            <a:r>
-              <a:rPr lang="en-US" sz="2000" dirty="0"/>
-              <a:t> was about </a:t>
-            </a:r>
-            <a:r>
-              <a:rPr lang="en-US" sz="2000" b="1" dirty="0"/>
-              <a:t>3.5 hours</a:t>
-            </a:r>
-            <a:r>
-              <a:rPr lang="en-US" sz="2000" dirty="0"/>
-              <a:t>.</a:t>
-            </a:r>
-            <a:endParaRPr lang="de-DE" sz="2000" dirty="0"/>
-          </a:p>
-          <a:p>
-            <a:pPr>
-              <a:lnSpc>
-                <a:spcPct val="150000"/>
-              </a:lnSpc>
-            </a:pPr>
-            <a:endParaRPr lang="de-DE" sz="2000" b="1" dirty="0"/>
-          </a:p>
-        </p:txBody>
-      </p:sp>
-      <p:sp>
-        <p:nvSpPr>
           <p:cNvPr id="5" name="Titel 1">
             <a:extLst>
               <a:ext uri="{FF2B5EF4-FFF2-40B4-BE49-F238E27FC236}">
@@ -14224,15 +14682,137 @@
                   <a:srgbClr val="2A3262"/>
                 </a:solidFill>
               </a:rPr>
-              <a:t>Training</a:t>
-            </a:r>
+              <a:t>YOLOv5m</a:t>
+            </a:r>
+          </a:p>
+        </p:txBody>
+      </p:sp>
+      <p:pic>
+        <p:nvPicPr>
+          <p:cNvPr id="8" name="Рисунок 7"/>
+          <p:cNvPicPr>
+            <a:picLocks noChangeAspect="1"/>
+          </p:cNvPicPr>
+          <p:nvPr/>
+        </p:nvPicPr>
+        <p:blipFill>
+          <a:blip r:embed="rId3"/>
+          <a:stretch>
+            <a:fillRect/>
+          </a:stretch>
+        </p:blipFill>
+        <p:spPr>
+          <a:xfrm>
+            <a:off x="2440284" y="1547147"/>
+            <a:ext cx="7626742" cy="2502029"/>
+          </a:xfrm>
+          <a:prstGeom prst="rect">
+            <a:avLst/>
+          </a:prstGeom>
+        </p:spPr>
+      </p:pic>
+      <p:sp>
+        <p:nvSpPr>
+          <p:cNvPr id="9" name="Textfeld 6">
+            <a:extLst>
+              <a:ext uri="{FF2B5EF4-FFF2-40B4-BE49-F238E27FC236}">
+                <a16:creationId xmlns:a16="http://schemas.microsoft.com/office/drawing/2014/main" id="{100180FC-9C0A-B02B-7F48-9F1A1AD9F8AA}"/>
+              </a:ext>
+            </a:extLst>
+          </p:cNvPr>
+          <p:cNvSpPr txBox="1"/>
+          <p:nvPr/>
+        </p:nvSpPr>
+        <p:spPr>
+          <a:xfrm>
+            <a:off x="1341119" y="4323691"/>
+            <a:ext cx="10516933" cy="1938992"/>
+          </a:xfrm>
+          <a:prstGeom prst="rect">
+            <a:avLst/>
+          </a:prstGeom>
+          <a:noFill/>
+        </p:spPr>
+        <p:txBody>
+          <a:bodyPr wrap="square">
+            <a:spAutoFit/>
+          </a:bodyPr>
+          <a:lstStyle/>
+          <a:p>
+            <a:pPr>
+              <a:lnSpc>
+                <a:spcPct val="150000"/>
+              </a:lnSpc>
+            </a:pPr>
+            <a:r>
+              <a:rPr lang="en-US" sz="2000" dirty="0"/>
+              <a:t>Our choice </a:t>
+            </a:r>
+            <a:r>
+              <a:rPr lang="en-DE" sz="2000" dirty="0"/>
+              <a:t>–</a:t>
+            </a:r>
+            <a:r>
+              <a:rPr lang="en-US" sz="2000" dirty="0"/>
+              <a:t> Medium size model</a:t>
+            </a:r>
+          </a:p>
+          <a:p>
+            <a:pPr marL="285750" indent="-285750">
+              <a:lnSpc>
+                <a:spcPct val="150000"/>
+              </a:lnSpc>
+              <a:buFont typeface="Wingdings" panose="05000000000000000000" pitchFamily="2" charset="2"/>
+              <a:buChar char="§"/>
+            </a:pPr>
+            <a:r>
+              <a:rPr lang="de-DE" sz="2000" dirty="0"/>
+              <a:t>291 </a:t>
+            </a:r>
+            <a:r>
+              <a:rPr lang="de-DE" sz="2000" dirty="0" err="1"/>
+              <a:t>layers</a:t>
+            </a:r>
+            <a:endParaRPr lang="de-DE" sz="2000" dirty="0"/>
+          </a:p>
+          <a:p>
+            <a:pPr marL="285750" indent="-285750">
+              <a:lnSpc>
+                <a:spcPct val="150000"/>
+              </a:lnSpc>
+              <a:buFont typeface="Wingdings" panose="05000000000000000000" pitchFamily="2" charset="2"/>
+              <a:buChar char="§"/>
+            </a:pPr>
+            <a:r>
+              <a:rPr lang="de-DE" sz="2000" dirty="0"/>
+              <a:t>20.915.769 </a:t>
+            </a:r>
+            <a:r>
+              <a:rPr lang="de-DE" sz="2000" dirty="0" err="1"/>
+              <a:t>parameters</a:t>
+            </a:r>
+            <a:endParaRPr lang="de-DE" sz="2000" dirty="0"/>
+          </a:p>
+          <a:p>
+            <a:pPr marL="285750" indent="-285750">
+              <a:lnSpc>
+                <a:spcPct val="150000"/>
+              </a:lnSpc>
+              <a:buFont typeface="Wingdings" panose="05000000000000000000" pitchFamily="2" charset="2"/>
+              <a:buChar char="§"/>
+            </a:pPr>
+            <a:r>
+              <a:rPr lang="en-US" sz="2000" dirty="0"/>
+              <a:t>a good compromise between the speed and accuracy</a:t>
+            </a:r>
+            <a:endParaRPr lang="de-DE" sz="2000" dirty="0"/>
           </a:p>
         </p:txBody>
       </p:sp>
     </p:spTree>
     <p:extLst>
       <p:ext uri="{BB962C8B-B14F-4D97-AF65-F5344CB8AC3E}">
-        <p14:creationId xmlns:p14="http://schemas.microsoft.com/office/powerpoint/2010/main" val="566170926"/>
+        <p14:creationId xmlns:p14="http://schemas.microsoft.com/office/powerpoint/2010/main" val="1586968990"/>
       </p:ext>
     </p:extLst>
   </p:cSld>
@@ -14354,6 +14934,234 @@
       </p:sp>
       <p:sp>
         <p:nvSpPr>
+          <p:cNvPr id="4" name="Textplatzhalter 3">
+            <a:extLst>
+              <a:ext uri="{FF2B5EF4-FFF2-40B4-BE49-F238E27FC236}">
+                <a16:creationId xmlns:a16="http://schemas.microsoft.com/office/drawing/2014/main" id="{5541D599-E559-7C55-0C97-2F3678F2B7B1}"/>
+              </a:ext>
+            </a:extLst>
+          </p:cNvPr>
+          <p:cNvSpPr>
+            <a:spLocks noGrp="1"/>
+          </p:cNvSpPr>
+          <p:nvPr>
+            <p:ph type="body" sz="quarter" idx="14"/>
+          </p:nvPr>
+        </p:nvSpPr>
+        <p:spPr/>
+        <p:txBody>
+          <a:bodyPr/>
+          <a:lstStyle/>
+          <a:p>
+            <a:endParaRPr lang="de-DE"/>
+          </a:p>
+        </p:txBody>
+      </p:sp>
+      <p:sp>
+        <p:nvSpPr>
+          <p:cNvPr id="7" name="Textfeld 6">
+            <a:extLst>
+              <a:ext uri="{FF2B5EF4-FFF2-40B4-BE49-F238E27FC236}">
+                <a16:creationId xmlns:a16="http://schemas.microsoft.com/office/drawing/2014/main" id="{100180FC-9C0A-B02B-7F48-9F1A1AD9F8AA}"/>
+              </a:ext>
+            </a:extLst>
+          </p:cNvPr>
+          <p:cNvSpPr txBox="1"/>
+          <p:nvPr/>
+        </p:nvSpPr>
+        <p:spPr>
+          <a:xfrm>
+            <a:off x="1341119" y="1727636"/>
+            <a:ext cx="10516933" cy="4661276"/>
+          </a:xfrm>
+          <a:prstGeom prst="rect">
+            <a:avLst/>
+          </a:prstGeom>
+          <a:noFill/>
+        </p:spPr>
+        <p:txBody>
+          <a:bodyPr wrap="square">
+            <a:spAutoFit/>
+          </a:bodyPr>
+          <a:lstStyle/>
+          <a:p>
+            <a:pPr marL="285750" indent="-285750">
+              <a:lnSpc>
+                <a:spcPct val="150000"/>
+              </a:lnSpc>
+              <a:buFont typeface="Wingdings" panose="05000000000000000000" pitchFamily="2" charset="2"/>
+              <a:buChar char="§"/>
+            </a:pPr>
+            <a:r>
+              <a:rPr lang="en-US" sz="2000" dirty="0"/>
+              <a:t>Of the 2,470 images, 2,270 were used for training and 200 for testing</a:t>
+            </a:r>
+          </a:p>
+          <a:p>
+            <a:pPr marL="285750" indent="-285750">
+              <a:lnSpc>
+                <a:spcPct val="150000"/>
+              </a:lnSpc>
+              <a:buFont typeface="Wingdings" panose="05000000000000000000" pitchFamily="2" charset="2"/>
+              <a:buChar char="§"/>
+            </a:pPr>
+            <a:r>
+              <a:rPr lang="en-US" sz="2000" dirty="0"/>
+              <a:t>265 images without sings were added to reduce false positives</a:t>
+            </a:r>
+          </a:p>
+          <a:p>
+            <a:pPr marL="285750" indent="-285750">
+              <a:lnSpc>
+                <a:spcPct val="150000"/>
+              </a:lnSpc>
+              <a:buFont typeface="Wingdings" panose="05000000000000000000" pitchFamily="2" charset="2"/>
+              <a:buChar char="§"/>
+            </a:pPr>
+            <a:r>
+              <a:rPr lang="en-US" sz="2000" dirty="0"/>
+              <a:t>Image size (resolution) </a:t>
+            </a:r>
+            <a:r>
+              <a:rPr lang="en-DE" sz="2000" dirty="0"/>
+              <a:t>–</a:t>
+            </a:r>
+            <a:r>
+              <a:rPr lang="en-US" sz="2000" dirty="0"/>
+              <a:t> 640. (Also, possible train at 1280 resolution). </a:t>
+            </a:r>
+          </a:p>
+          <a:p>
+            <a:pPr marL="285750" indent="-285750">
+              <a:lnSpc>
+                <a:spcPct val="150000"/>
+              </a:lnSpc>
+              <a:buFont typeface="Wingdings" panose="05000000000000000000" pitchFamily="2" charset="2"/>
+              <a:buChar char="§"/>
+            </a:pPr>
+            <a:r>
+              <a:rPr lang="en-US" sz="2000" dirty="0"/>
+              <a:t>Train and test pictures resolutions should be the same for better accuracy</a:t>
+            </a:r>
+          </a:p>
+          <a:p>
+            <a:pPr marL="285750" indent="-285750">
+              <a:lnSpc>
+                <a:spcPct val="150000"/>
+              </a:lnSpc>
+              <a:buFont typeface="Wingdings" panose="05000000000000000000" pitchFamily="2" charset="2"/>
+              <a:buChar char="§"/>
+            </a:pPr>
+            <a:r>
+              <a:rPr lang="en-US" sz="2000" dirty="0"/>
+              <a:t>Training requires powerful hardware, especially GPUs</a:t>
+            </a:r>
+          </a:p>
+          <a:p>
+            <a:pPr marL="285750" indent="-285750">
+              <a:lnSpc>
+                <a:spcPct val="150000"/>
+              </a:lnSpc>
+              <a:buFont typeface="Wingdings" panose="05000000000000000000" pitchFamily="2" charset="2"/>
+              <a:buChar char="§"/>
+            </a:pPr>
+            <a:r>
+              <a:rPr lang="en-US" sz="2000" dirty="0"/>
+              <a:t>Due to the lack of powerful hardware, the training was performed on Google </a:t>
+            </a:r>
+            <a:r>
+              <a:rPr lang="en-US" sz="2000" dirty="0" err="1"/>
+              <a:t>Colab</a:t>
+            </a:r>
+            <a:endParaRPr lang="en-US" sz="2000" dirty="0"/>
+          </a:p>
+          <a:p>
+            <a:pPr marL="285750" indent="-285750">
+              <a:lnSpc>
+                <a:spcPct val="150000"/>
+              </a:lnSpc>
+              <a:buFont typeface="Wingdings" panose="05000000000000000000" pitchFamily="2" charset="2"/>
+              <a:buChar char="§"/>
+            </a:pPr>
+            <a:r>
+              <a:rPr lang="en-US" sz="2000" dirty="0"/>
+              <a:t>Google </a:t>
+            </a:r>
+            <a:r>
+              <a:rPr lang="en-US" sz="2000" dirty="0" err="1"/>
+              <a:t>Colab</a:t>
+            </a:r>
+            <a:r>
+              <a:rPr lang="en-US" sz="2000" dirty="0"/>
+              <a:t> provides limited access to powerful CPUs, GPUs, and RAM</a:t>
+            </a:r>
+          </a:p>
+          <a:p>
+            <a:pPr marL="285750" indent="-285750">
+              <a:lnSpc>
+                <a:spcPct val="150000"/>
+              </a:lnSpc>
+              <a:buFont typeface="Wingdings" panose="05000000000000000000" pitchFamily="2" charset="2"/>
+              <a:buChar char="§"/>
+            </a:pPr>
+            <a:endParaRPr lang="en-US" sz="2000" dirty="0"/>
+          </a:p>
+          <a:p>
+            <a:pPr>
+              <a:lnSpc>
+                <a:spcPct val="150000"/>
+              </a:lnSpc>
+            </a:pPr>
+            <a:r>
+              <a:rPr lang="en-US" sz="2000" dirty="0"/>
+              <a:t>For </a:t>
+            </a:r>
+            <a:r>
+              <a:rPr lang="en-US" sz="2000" b="1" dirty="0"/>
+              <a:t>100 epochs</a:t>
+            </a:r>
+            <a:r>
+              <a:rPr lang="en-US" sz="2000" dirty="0"/>
+              <a:t> in </a:t>
+            </a:r>
+            <a:r>
+              <a:rPr lang="en-US" sz="2000" b="1" dirty="0"/>
+              <a:t>16 batches</a:t>
+            </a:r>
+            <a:r>
+              <a:rPr lang="en-US" sz="2000" dirty="0"/>
+              <a:t>, the total runtime in Google </a:t>
+            </a:r>
+            <a:r>
+              <a:rPr lang="en-US" sz="2000" dirty="0" err="1"/>
+              <a:t>Colab</a:t>
+            </a:r>
+            <a:r>
+              <a:rPr lang="en-US" sz="2000" dirty="0"/>
+              <a:t> was about </a:t>
+            </a:r>
+            <a:r>
+              <a:rPr lang="en-US" sz="2000" b="1" dirty="0"/>
+              <a:t>3.5 hours</a:t>
+            </a:r>
+            <a:r>
+              <a:rPr lang="en-US" sz="2000" dirty="0"/>
+              <a:t>.</a:t>
+            </a:r>
+            <a:endParaRPr lang="de-DE" sz="2000" dirty="0"/>
+          </a:p>
+          <a:p>
+            <a:pPr>
+              <a:lnSpc>
+                <a:spcPct val="150000"/>
+              </a:lnSpc>
+            </a:pPr>
+            <a:endParaRPr lang="de-DE" sz="2000" b="1" dirty="0"/>
+          </a:p>
+        </p:txBody>
+      </p:sp>
+      <p:sp>
+        <p:nvSpPr>
           <p:cNvPr id="5" name="Titel 1">
             <a:extLst>
               <a:ext uri="{FF2B5EF4-FFF2-40B4-BE49-F238E27FC236}">
@@ -14504,108 +15312,7 @@
                   <a:srgbClr val="2A3262"/>
                 </a:solidFill>
               </a:rPr>
-              <a:t>Training </a:t>
-            </a:r>
-            <a:r>
-              <a:rPr lang="de-DE" sz="2200" b="1" dirty="0" err="1">
-                <a:solidFill>
-                  <a:srgbClr val="2A3262"/>
-                </a:solidFill>
-              </a:rPr>
-              <a:t>results</a:t>
-            </a:r>
-            <a:endParaRPr lang="de-DE" sz="2200" b="1" dirty="0">
-              <a:solidFill>
-                <a:srgbClr val="2A3262"/>
-              </a:solidFill>
-            </a:endParaRPr>
-          </a:p>
-        </p:txBody>
-      </p:sp>
-      <p:pic>
-        <p:nvPicPr>
-          <p:cNvPr id="6" name="Picture 5">
-            <a:extLst>
-              <a:ext uri="{FF2B5EF4-FFF2-40B4-BE49-F238E27FC236}">
-                <a16:creationId xmlns:a16="http://schemas.microsoft.com/office/drawing/2014/main" id="{F11F301F-A01E-695A-4E34-9E847EA138CB}"/>
-              </a:ext>
-            </a:extLst>
-          </p:cNvPr>
-          <p:cNvPicPr>
-            <a:picLocks noChangeAspect="1"/>
-          </p:cNvPicPr>
-          <p:nvPr/>
-        </p:nvPicPr>
-        <p:blipFill>
-          <a:blip r:embed="rId3" cstate="print">
-            <a:extLst>
-              <a:ext uri="{28A0092B-C50C-407E-A947-70E740481C1C}">
-                <a14:useLocalDpi xmlns:a14="http://schemas.microsoft.com/office/drawing/2010/main" val="0"/>
-              </a:ext>
-            </a:extLst>
-          </a:blip>
-          <a:srcRect/>
-          <a:stretch>
-            <a:fillRect/>
-          </a:stretch>
-        </p:blipFill>
-        <p:spPr bwMode="auto">
-          <a:xfrm>
-            <a:off x="1341119" y="1661447"/>
-            <a:ext cx="7351619" cy="3958438"/>
-          </a:xfrm>
-          <a:prstGeom prst="rect">
-            <a:avLst/>
-          </a:prstGeom>
-          <a:noFill/>
-          <a:ln>
-            <a:noFill/>
-          </a:ln>
-        </p:spPr>
-      </p:pic>
-      <p:sp>
-        <p:nvSpPr>
-          <p:cNvPr id="8" name="TextBox 7">
-            <a:extLst>
-              <a:ext uri="{FF2B5EF4-FFF2-40B4-BE49-F238E27FC236}">
-                <a16:creationId xmlns:a16="http://schemas.microsoft.com/office/drawing/2014/main" id="{C6AD92F2-DF75-C802-EF90-8E85EA91B11A}"/>
-              </a:ext>
-            </a:extLst>
-          </p:cNvPr>
-          <p:cNvSpPr txBox="1"/>
-          <p:nvPr/>
-        </p:nvSpPr>
-        <p:spPr>
-          <a:xfrm>
-            <a:off x="1341119" y="5767129"/>
-            <a:ext cx="8539481" cy="369332"/>
-          </a:xfrm>
-          <a:prstGeom prst="rect">
-            <a:avLst/>
-          </a:prstGeom>
-          <a:noFill/>
-        </p:spPr>
-        <p:txBody>
-          <a:bodyPr wrap="square">
-            <a:spAutoFit/>
-          </a:bodyPr>
-          <a:lstStyle/>
-          <a:p>
-            <a:r>
-              <a:rPr lang="en-US" b="1" dirty="0"/>
-              <a:t>Increasing</a:t>
-            </a:r>
-            <a:r>
-              <a:rPr lang="en-US" dirty="0"/>
-              <a:t> the epochs to 200 </a:t>
-            </a:r>
-            <a:r>
-              <a:rPr lang="en-US" b="1" dirty="0"/>
-              <a:t>did not </a:t>
-            </a:r>
-            <a:r>
-              <a:rPr lang="en-US" dirty="0"/>
-              <a:t>significantly improve the model's performance.</a:t>
+              <a:t>Training</a:t>
             </a:r>
           </a:p>
         </p:txBody>
@@ -14613,7 +15320,7 @@
     </p:spTree>
     <p:extLst>
       <p:ext uri="{BB962C8B-B14F-4D97-AF65-F5344CB8AC3E}">
-        <p14:creationId xmlns:p14="http://schemas.microsoft.com/office/powerpoint/2010/main" val="3707222401"/>
+        <p14:creationId xmlns:p14="http://schemas.microsoft.com/office/powerpoint/2010/main" val="566170926"/>
       </p:ext>
     </p:extLst>
   </p:cSld>
